--- a/UI/template_barclays.pptx
+++ b/UI/template_barclays.pptx
@@ -297,7 +297,7 @@
           <a:p>
             <a:fld id="{B9D56017-E1D6-4328-847C-279FDFBEEB3E}" type="datetime8">
               <a:rPr lang="en-US" smtClean="0"/>
-              <a:t>11/10/24 10:46 PM</a:t>
+              <a:t>11/13/24 5:17 PM</a:t>
             </a:fld>
             <a:endParaRPr lang="en-US" dirty="0"/>
           </a:p>
@@ -560,7 +560,7 @@
           <a:p>
             <a:fld id="{F331429C-E2E7-497C-8E54-24F95E5329D6}" type="datetime8">
               <a:rPr lang="en-US" smtClean="0"/>
-              <a:t>11/10/24 10:46 PM</a:t>
+              <a:t>11/13/24 5:17 PM</a:t>
             </a:fld>
             <a:endParaRPr lang="en-US" dirty="0"/>
           </a:p>
@@ -5291,7 +5291,7 @@
         <p:spPr>
           <a:xfrm>
             <a:off x="687600" y="1314000"/>
-            <a:ext cx="8686800" cy="5734500"/>
+            <a:ext cx="4341600" cy="5734500"/>
           </a:xfrm>
           <a:prstGeom prst="rect">
             <a:avLst/>
@@ -5318,7 +5318,7 @@
           <a:p>
             <a:pPr lvl="0"/>
             <a:r>
-              <a:rPr lang="en-US"/>
+              <a:rPr lang="en-US" dirty="0"/>
               <a:t>Click to edit Master text styles</a:t>
             </a:r>
           </a:p>
@@ -5484,7 +5484,7 @@
           <a:p>
             <a:fld id="{E3024F71-7991-49A2-8312-E541ED66C5D0}" type="datetimeFigureOut">
               <a:rPr lang="en-US" smtClean="0"/>
-              <a:t>11/10/24</a:t>
+              <a:t>11/13/24</a:t>
             </a:fld>
             <a:endParaRPr lang="en-US"/>
           </a:p>
@@ -46215,6 +46215,33 @@
 </file>
 
 <file path=customXml/item1.xml><?xml version="1.0" encoding="utf-8"?>
+<p:properties xmlns:p="http://schemas.microsoft.com/office/2006/metadata/properties" xmlns:xsi="http://www.w3.org/2001/XMLSchema-instance" xmlns:pc="http://schemas.microsoft.com/office/infopath/2007/PartnerControls">
+  <documentManagement>
+    <Layouts xmlns="f20084d7-61e8-404e-beff-acc10ebb1c4c">C7,C5,C6,A2,T1,S1,S2,S3,S6,S7,C4,A3,S8,C8,C9,C10,C11,S9,S10,S11,S12</Layouts>
+    <Region xmlns="f20084d7-61e8-404e-beff-acc10ebb1c4c" xsi:nil="true"/>
+    <Key xmlns="f20084d7-61e8-404e-beff-acc10ebb1c4c">NEWPBCAPL</Key>
+    <TemplateSize xmlns="f20084d7-61e8-404e-beff-acc10ebb1c4c">Letter</TemplateSize>
+    <ItemsOrder xmlns="f20084d7-61e8-404e-beff-acc10ebb1c4c">10</ItemsOrder>
+    <Caption xmlns="f20084d7-61e8-404e-beff-acc10ebb1c4c">New PresBuilder Letter</Caption>
+    <Category xmlns="f20084d7-61e8-404e-beff-acc10ebb1c4c">Investment Banking</Category>
+    <TaxCatchAll xmlns="cdf71830-c9e3-49d3-97db-b43ec28a30d4" xsi:nil="true"/>
+    <lcf76f155ced4ddcb4097134ff3c332f xmlns="f20084d7-61e8-404e-beff-acc10ebb1c4c">
+      <Terms xmlns="http://schemas.microsoft.com/office/infopath/2007/PartnerControls"/>
+    </lcf76f155ced4ddcb4097134ff3c332f>
+  </documentManagement>
+</p:properties>
+</file>
+
+<file path=customXml/item2.xml><?xml version="1.0" encoding="utf-8"?>
+<?mso-contentType ?>
+<FormTemplates xmlns="http://schemas.microsoft.com/sharepoint/v3/contenttype/forms">
+  <Display>DocumentLibraryForm</Display>
+  <Edit>DocumentLibraryForm</Edit>
+  <New>DocumentLibraryForm</New>
+</FormTemplates>
+</file>
+
+<file path=customXml/item3.xml><?xml version="1.0" encoding="utf-8"?>
 <ct:contentTypeSchema xmlns:ct="http://schemas.microsoft.com/office/2006/metadata/contentType" xmlns:ma="http://schemas.microsoft.com/office/2006/metadata/properties/metaAttributes" ct:_="" ma:_="" ma:contentTypeName="Document" ma:contentTypeID="0x010100539C862B2B5C774DAF152931BC5193B2" ma:contentTypeVersion="21" ma:contentTypeDescription="Create a new document." ma:contentTypeScope="" ma:versionID="2bf54d7c94c809b9654e6d8a0dd48bb3">
   <xsd:schema xmlns:xsd="http://www.w3.org/2001/XMLSchema" xmlns:xs="http://www.w3.org/2001/XMLSchema" xmlns:p="http://schemas.microsoft.com/office/2006/metadata/properties" xmlns:ns2="f20084d7-61e8-404e-beff-acc10ebb1c4c" xmlns:ns3="fd6fbb7f-0d31-47a8-8a19-38b5c1e6bff0" xmlns:ns4="cdf71830-c9e3-49d3-97db-b43ec28a30d4" targetNamespace="http://schemas.microsoft.com/office/2006/metadata/properties" ma:root="true" ma:fieldsID="e6faf85e5254d7c9d07cc17b7239a519" ns2:_="" ns3:_="" ns4:_="">
     <xsd:import namespace="f20084d7-61e8-404e-beff-acc10ebb1c4c"/>
@@ -46532,34 +46559,33 @@
 </ct:contentTypeSchema>
 </file>
 
-<file path=customXml/item2.xml><?xml version="1.0" encoding="utf-8"?>
-<p:properties xmlns:p="http://schemas.microsoft.com/office/2006/metadata/properties" xmlns:xsi="http://www.w3.org/2001/XMLSchema-instance" xmlns:pc="http://schemas.microsoft.com/office/infopath/2007/PartnerControls">
-  <documentManagement>
-    <Layouts xmlns="f20084d7-61e8-404e-beff-acc10ebb1c4c">C7,C5,C6,A2,T1,S1,S2,S3,S6,S7,C4,A3,S8,C8,C9,C10,C11,S9,S10,S11,S12</Layouts>
-    <Region xmlns="f20084d7-61e8-404e-beff-acc10ebb1c4c" xsi:nil="true"/>
-    <Key xmlns="f20084d7-61e8-404e-beff-acc10ebb1c4c">NEWPBCAPL</Key>
-    <TemplateSize xmlns="f20084d7-61e8-404e-beff-acc10ebb1c4c">Letter</TemplateSize>
-    <ItemsOrder xmlns="f20084d7-61e8-404e-beff-acc10ebb1c4c">10</ItemsOrder>
-    <Caption xmlns="f20084d7-61e8-404e-beff-acc10ebb1c4c">New PresBuilder Letter</Caption>
-    <Category xmlns="f20084d7-61e8-404e-beff-acc10ebb1c4c">Investment Banking</Category>
-    <TaxCatchAll xmlns="cdf71830-c9e3-49d3-97db-b43ec28a30d4" xsi:nil="true"/>
-    <lcf76f155ced4ddcb4097134ff3c332f xmlns="f20084d7-61e8-404e-beff-acc10ebb1c4c">
-      <Terms xmlns="http://schemas.microsoft.com/office/infopath/2007/PartnerControls"/>
-    </lcf76f155ced4ddcb4097134ff3c332f>
-  </documentManagement>
-</p:properties>
+<file path=customXml/itemProps1.xml><?xml version="1.0" encoding="utf-8"?>
+<ds:datastoreItem xmlns:ds="http://schemas.openxmlformats.org/officeDocument/2006/customXml" ds:itemID="{7DE6A9EC-70B2-4C9A-B73E-1A7E61FE92A5}">
+  <ds:schemaRefs>
+    <ds:schemaRef ds:uri="http://schemas.microsoft.com/office/infopath/2007/PartnerControls"/>
+    <ds:schemaRef ds:uri="fd6fbb7f-0d31-47a8-8a19-38b5c1e6bff0"/>
+    <ds:schemaRef ds:uri="http://schemas.microsoft.com/office/2006/metadata/properties"/>
+    <ds:schemaRef ds:uri="f20084d7-61e8-404e-beff-acc10ebb1c4c"/>
+    <ds:schemaRef ds:uri="http://purl.org/dc/terms/"/>
+    <ds:schemaRef ds:uri="http://www.w3.org/XML/1998/namespace"/>
+    <ds:schemaRef ds:uri="http://purl.org/dc/dcmitype/"/>
+    <ds:schemaRef ds:uri="cdf71830-c9e3-49d3-97db-b43ec28a30d4"/>
+    <ds:schemaRef ds:uri="http://schemas.microsoft.com/office/2006/documentManagement/types"/>
+    <ds:schemaRef ds:uri="http://schemas.openxmlformats.org/package/2006/metadata/core-properties"/>
+    <ds:schemaRef ds:uri="http://purl.org/dc/elements/1.1/"/>
+  </ds:schemaRefs>
+</ds:datastoreItem>
 </file>
 
-<file path=customXml/item3.xml><?xml version="1.0" encoding="utf-8"?>
-<?mso-contentType ?>
-<FormTemplates xmlns="http://schemas.microsoft.com/sharepoint/v3/contenttype/forms">
-  <Display>DocumentLibraryForm</Display>
-  <Edit>DocumentLibraryForm</Edit>
-  <New>DocumentLibraryForm</New>
-</FormTemplates>
+<file path=customXml/itemProps2.xml><?xml version="1.0" encoding="utf-8"?>
+<ds:datastoreItem xmlns:ds="http://schemas.openxmlformats.org/officeDocument/2006/customXml" ds:itemID="{5ECEEBF4-7E4F-423B-B7A7-297EF53B6B4D}">
+  <ds:schemaRefs>
+    <ds:schemaRef ds:uri="http://schemas.microsoft.com/sharepoint/v3/contenttype/forms"/>
+  </ds:schemaRefs>
+</ds:datastoreItem>
 </file>
 
-<file path=customXml/itemProps1.xml><?xml version="1.0" encoding="utf-8"?>
+<file path=customXml/itemProps3.xml><?xml version="1.0" encoding="utf-8"?>
 <ds:datastoreItem xmlns:ds="http://schemas.openxmlformats.org/officeDocument/2006/customXml" ds:itemID="{6AC94566-D1B0-429B-98E2-1570C8D4CAAA}">
   <ds:schemaRefs>
     <ds:schemaRef ds:uri="http://schemas.microsoft.com/office/2006/metadata/contentType"/>
@@ -46577,30 +46603,4 @@
     <ds:schemaRef ds:uri="http://schemas.microsoft.com/internal/obd"/>
   </ds:schemaRefs>
 </ds:datastoreItem>
-</file>
-
-<file path=customXml/itemProps2.xml><?xml version="1.0" encoding="utf-8"?>
-<ds:datastoreItem xmlns:ds="http://schemas.openxmlformats.org/officeDocument/2006/customXml" ds:itemID="{7DE6A9EC-70B2-4C9A-B73E-1A7E61FE92A5}">
-  <ds:schemaRefs>
-    <ds:schemaRef ds:uri="http://schemas.microsoft.com/office/infopath/2007/PartnerControls"/>
-    <ds:schemaRef ds:uri="fd6fbb7f-0d31-47a8-8a19-38b5c1e6bff0"/>
-    <ds:schemaRef ds:uri="http://schemas.microsoft.com/office/2006/metadata/properties"/>
-    <ds:schemaRef ds:uri="f20084d7-61e8-404e-beff-acc10ebb1c4c"/>
-    <ds:schemaRef ds:uri="http://purl.org/dc/terms/"/>
-    <ds:schemaRef ds:uri="http://www.w3.org/XML/1998/namespace"/>
-    <ds:schemaRef ds:uri="http://purl.org/dc/dcmitype/"/>
-    <ds:schemaRef ds:uri="cdf71830-c9e3-49d3-97db-b43ec28a30d4"/>
-    <ds:schemaRef ds:uri="http://schemas.microsoft.com/office/2006/documentManagement/types"/>
-    <ds:schemaRef ds:uri="http://schemas.openxmlformats.org/package/2006/metadata/core-properties"/>
-    <ds:schemaRef ds:uri="http://purl.org/dc/elements/1.1/"/>
-  </ds:schemaRefs>
-</ds:datastoreItem>
-</file>
-
-<file path=customXml/itemProps3.xml><?xml version="1.0" encoding="utf-8"?>
-<ds:datastoreItem xmlns:ds="http://schemas.openxmlformats.org/officeDocument/2006/customXml" ds:itemID="{5ECEEBF4-7E4F-423B-B7A7-297EF53B6B4D}">
-  <ds:schemaRefs>
-    <ds:schemaRef ds:uri="http://schemas.microsoft.com/sharepoint/v3/contenttype/forms"/>
-  </ds:schemaRefs>
-</ds:datastoreItem>
 </file>
--- a/UI/template_barclays.pptx
+++ b/UI/template_barclays.pptx
@@ -297,7 +297,7 @@
           <a:p>
             <a:fld id="{B9D56017-E1D6-4328-847C-279FDFBEEB3E}" type="datetime8">
               <a:rPr lang="en-US" smtClean="0"/>
-              <a:t>11/13/24 5:17 PM</a:t>
+              <a:t>11/13/24 5:31 PM</a:t>
             </a:fld>
             <a:endParaRPr lang="en-US" dirty="0"/>
           </a:p>
@@ -560,7 +560,7 @@
           <a:p>
             <a:fld id="{F331429C-E2E7-497C-8E54-24F95E5329D6}" type="datetime8">
               <a:rPr lang="en-US" smtClean="0"/>
-              <a:t>11/13/24 5:17 PM</a:t>
+              <a:t>11/13/24 5:31 PM</a:t>
             </a:fld>
             <a:endParaRPr lang="en-US" dirty="0"/>
           </a:p>
@@ -5208,6 +5208,137 @@
 
 <file path=ppt/slideLayouts/slideLayout16.xml><?xml version="1.0" encoding="utf-8"?>
 <p:sldLayout xmlns:a="http://schemas.openxmlformats.org/drawingml/2006/main" xmlns:r="http://schemas.openxmlformats.org/officeDocument/2006/relationships" xmlns:p="http://schemas.openxmlformats.org/presentationml/2006/main" preserve="1" userDrawn="1">
+  <p:cSld name="2_Disclaimer with Title">
+    <p:spTree>
+      <p:nvGrpSpPr>
+        <p:cNvPr id="1" name=""/>
+        <p:cNvGrpSpPr/>
+        <p:nvPr/>
+      </p:nvGrpSpPr>
+      <p:grpSpPr>
+        <a:xfrm>
+          <a:off x="0" y="0"/>
+          <a:ext cx="0" cy="0"/>
+          <a:chOff x="0" y="0"/>
+          <a:chExt cx="0" cy="0"/>
+        </a:xfrm>
+      </p:grpSpPr>
+      <p:sp>
+        <p:nvSpPr>
+          <p:cNvPr id="5" name="TITLE"/>
+          <p:cNvSpPr>
+            <a:spLocks noGrp="1"/>
+          </p:cNvSpPr>
+          <p:nvPr>
+            <p:ph type="title" hasCustomPrompt="1"/>
+            <p:custDataLst>
+              <p:tags r:id="rId1"/>
+            </p:custDataLst>
+          </p:nvPr>
+        </p:nvSpPr>
+        <p:spPr>
+          <a:xfrm>
+            <a:off x="687600" y="529200"/>
+            <a:ext cx="8686800" cy="532800"/>
+          </a:xfrm>
+          <a:prstGeom prst="rect">
+            <a:avLst/>
+          </a:prstGeom>
+          <a:noFill/>
+          <a:ln w="9525">
+            <a:noFill/>
+            <a:miter lim="800000"/>
+            <a:headEnd/>
+            <a:tailEnd/>
+          </a:ln>
+        </p:spPr>
+        <p:txBody>
+          <a:bodyPr vert="horz" wrap="square" lIns="0" tIns="0" rIns="0" bIns="0" numCol="1" anchor="b" anchorCtr="0" compatLnSpc="1">
+            <a:prstTxWarp prst="textNoShape">
+              <a:avLst/>
+            </a:prstTxWarp>
+            <a:noAutofit/>
+          </a:bodyPr>
+          <a:lstStyle>
+            <a:lvl1pPr>
+              <a:defRPr lang="en-US" sz="2400" b="1" kern="1200" dirty="0">
+                <a:latin typeface="Barclays Effra" panose="020B0603020203020204" pitchFamily="34" charset="0"/>
+              </a:defRPr>
+            </a:lvl1pPr>
+          </a:lstStyle>
+          <a:p>
+            <a:pPr lvl="0"/>
+            <a:r>
+              <a:rPr lang="en-US" dirty="0"/>
+              <a:t>Disclaimer</a:t>
+            </a:r>
+          </a:p>
+        </p:txBody>
+      </p:sp>
+      <p:sp>
+        <p:nvSpPr>
+          <p:cNvPr id="10" name="DisclaimerBody"/>
+          <p:cNvSpPr>
+            <a:spLocks noGrp="1"/>
+          </p:cNvSpPr>
+          <p:nvPr>
+            <p:ph type="body" sz="quarter" idx="14"/>
+            <p:custDataLst>
+              <p:tags r:id="rId2"/>
+            </p:custDataLst>
+          </p:nvPr>
+        </p:nvSpPr>
+        <p:spPr>
+          <a:xfrm>
+            <a:off x="687600" y="1314000"/>
+            <a:ext cx="8686800" cy="5734500"/>
+          </a:xfrm>
+          <a:prstGeom prst="rect">
+            <a:avLst/>
+          </a:prstGeom>
+        </p:spPr>
+        <p:txBody>
+          <a:bodyPr lIns="0" rIns="18288">
+            <a:noAutofit/>
+          </a:bodyPr>
+          <a:lstStyle>
+            <a:lvl1pPr marL="0" indent="0">
+              <a:lnSpc>
+                <a:spcPct val="100000"/>
+              </a:lnSpc>
+              <a:spcBef>
+                <a:spcPts val="0"/>
+              </a:spcBef>
+              <a:buNone/>
+              <a:defRPr sz="1000">
+                <a:latin typeface="Barclays Effra" panose="020B0603020203020204" pitchFamily="34" charset="0"/>
+              </a:defRPr>
+            </a:lvl1pPr>
+          </a:lstStyle>
+          <a:p>
+            <a:pPr lvl="0"/>
+            <a:r>
+              <a:rPr lang="en-US" dirty="0"/>
+              <a:t>Click to edit Master text styles</a:t>
+            </a:r>
+          </a:p>
+        </p:txBody>
+      </p:sp>
+    </p:spTree>
+    <p:extLst>
+      <p:ext uri="{BB962C8B-B14F-4D97-AF65-F5344CB8AC3E}">
+        <p14:creationId xmlns:p14="http://schemas.microsoft.com/office/powerpoint/2010/main" val="63494318"/>
+      </p:ext>
+    </p:extLst>
+  </p:cSld>
+  <p:clrMapOvr>
+    <a:masterClrMapping/>
+  </p:clrMapOvr>
+</p:sldLayout>
+</file>
+
+<file path=ppt/slideLayouts/slideLayout17.xml><?xml version="1.0" encoding="utf-8"?>
+<p:sldLayout xmlns:a="http://schemas.openxmlformats.org/drawingml/2006/main" xmlns:r="http://schemas.openxmlformats.org/officeDocument/2006/relationships" xmlns:p="http://schemas.openxmlformats.org/presentationml/2006/main" preserve="1" userDrawn="1">
   <p:cSld name="1_Disclaimer with Title">
     <p:spTree>
       <p:nvGrpSpPr>
@@ -5296,6 +5427,11 @@
           <a:prstGeom prst="rect">
             <a:avLst/>
           </a:prstGeom>
+          <a:ln>
+            <a:solidFill>
+              <a:schemeClr val="tx1"/>
+            </a:solidFill>
+          </a:ln>
         </p:spPr>
         <p:txBody>
           <a:bodyPr lIns="0" rIns="18288">
@@ -5337,7 +5473,7 @@
 </p:sldLayout>
 </file>
 
-<file path=ppt/slideLayouts/slideLayout17.xml><?xml version="1.0" encoding="utf-8"?>
+<file path=ppt/slideLayouts/slideLayout18.xml><?xml version="1.0" encoding="utf-8"?>
 <p:sldLayout xmlns:a="http://schemas.openxmlformats.org/drawingml/2006/main" xmlns:r="http://schemas.openxmlformats.org/officeDocument/2006/relationships" xmlns:p="http://schemas.openxmlformats.org/presentationml/2006/main" type="title" preserve="1">
   <p:cSld name="Title Slide">
     <p:spTree>
@@ -5557,7 +5693,7 @@
 </p:sldLayout>
 </file>
 
-<file path=ppt/slideLayouts/slideLayout18.xml><?xml version="1.0" encoding="utf-8"?>
+<file path=ppt/slideLayouts/slideLayout19.xml><?xml version="1.0" encoding="utf-8"?>
 <p:sldLayout xmlns:a="http://schemas.openxmlformats.org/drawingml/2006/main" xmlns:r="http://schemas.openxmlformats.org/officeDocument/2006/relationships" xmlns:p="http://schemas.openxmlformats.org/presentationml/2006/main" showMasterSp="0" preserve="1" userDrawn="1">
   <p:cSld name="CoverPage Logo">
     <p:bg>
@@ -7794,7 +7930,2134 @@
 </p:sldLayout>
 </file>
 
-<file path=ppt/slideLayouts/slideLayout19.xml><?xml version="1.0" encoding="utf-8"?>
+<file path=ppt/slideLayouts/slideLayout2.xml><?xml version="1.0" encoding="utf-8"?>
+<p:sldLayout xmlns:a="http://schemas.openxmlformats.org/drawingml/2006/main" xmlns:r="http://schemas.openxmlformats.org/officeDocument/2006/relationships" xmlns:p="http://schemas.openxmlformats.org/presentationml/2006/main" showMasterSp="0" preserve="1" userDrawn="1">
+  <p:cSld name="CoverPage Single Logo">
+    <p:bg>
+      <p:bgPr>
+        <a:solidFill>
+          <a:schemeClr val="accent1"/>
+        </a:solidFill>
+        <a:effectLst/>
+      </p:bgPr>
+    </p:bg>
+    <p:spTree>
+      <p:nvGrpSpPr>
+        <p:cNvPr id="1" name=""/>
+        <p:cNvGrpSpPr/>
+        <p:nvPr/>
+      </p:nvGrpSpPr>
+      <p:grpSpPr>
+        <a:xfrm>
+          <a:off x="0" y="0"/>
+          <a:ext cx="0" cy="0"/>
+          <a:chOff x="0" y="0"/>
+          <a:chExt cx="0" cy="0"/>
+        </a:xfrm>
+      </p:grpSpPr>
+      <p:sp>
+        <p:nvSpPr>
+          <p:cNvPr id="13" name="Freeform 12" hidden="1"/>
+          <p:cNvSpPr/>
+          <p:nvPr userDrawn="1">
+            <p:custDataLst>
+              <p:tags r:id="rId2"/>
+            </p:custDataLst>
+          </p:nvPr>
+        </p:nvSpPr>
+        <p:spPr bwMode="auto">
+          <a:xfrm>
+            <a:off x="0" y="0"/>
+            <a:ext cx="10058400" cy="7772401"/>
+          </a:xfrm>
+          <a:custGeom>
+            <a:avLst/>
+            <a:gdLst>
+              <a:gd name="connsiteX0" fmla="*/ 874800 w 10058400"/>
+              <a:gd name="connsiteY0" fmla="*/ 873125 h 7772401"/>
+              <a:gd name="connsiteX1" fmla="*/ 874800 w 10058400"/>
+              <a:gd name="connsiteY1" fmla="*/ 6899276 h 7772401"/>
+              <a:gd name="connsiteX2" fmla="*/ 9183600 w 10058400"/>
+              <a:gd name="connsiteY2" fmla="*/ 6899276 h 7772401"/>
+              <a:gd name="connsiteX3" fmla="*/ 9183600 w 10058400"/>
+              <a:gd name="connsiteY3" fmla="*/ 873125 h 7772401"/>
+              <a:gd name="connsiteX4" fmla="*/ 0 w 10058400"/>
+              <a:gd name="connsiteY4" fmla="*/ 0 h 7772401"/>
+              <a:gd name="connsiteX5" fmla="*/ 874800 w 10058400"/>
+              <a:gd name="connsiteY5" fmla="*/ 0 h 7772401"/>
+              <a:gd name="connsiteX6" fmla="*/ 10058400 w 10058400"/>
+              <a:gd name="connsiteY6" fmla="*/ 0 h 7772401"/>
+              <a:gd name="connsiteX7" fmla="*/ 10058400 w 10058400"/>
+              <a:gd name="connsiteY7" fmla="*/ 1 h 7772401"/>
+              <a:gd name="connsiteX8" fmla="*/ 10058400 w 10058400"/>
+              <a:gd name="connsiteY8" fmla="*/ 873125 h 7772401"/>
+              <a:gd name="connsiteX9" fmla="*/ 10058400 w 10058400"/>
+              <a:gd name="connsiteY9" fmla="*/ 6899276 h 7772401"/>
+              <a:gd name="connsiteX10" fmla="*/ 10058400 w 10058400"/>
+              <a:gd name="connsiteY10" fmla="*/ 7772401 h 7772401"/>
+              <a:gd name="connsiteX11" fmla="*/ 9183600 w 10058400"/>
+              <a:gd name="connsiteY11" fmla="*/ 7772401 h 7772401"/>
+              <a:gd name="connsiteX12" fmla="*/ 0 w 10058400"/>
+              <a:gd name="connsiteY12" fmla="*/ 7772401 h 7772401"/>
+              <a:gd name="connsiteX13" fmla="*/ 0 w 10058400"/>
+              <a:gd name="connsiteY13" fmla="*/ 7772400 h 7772401"/>
+              <a:gd name="connsiteX14" fmla="*/ 0 w 10058400"/>
+              <a:gd name="connsiteY14" fmla="*/ 6899276 h 7772401"/>
+              <a:gd name="connsiteX15" fmla="*/ 0 w 10058400"/>
+              <a:gd name="connsiteY15" fmla="*/ 873125 h 7772401"/>
+            </a:gdLst>
+            <a:ahLst/>
+            <a:cxnLst>
+              <a:cxn ang="0">
+                <a:pos x="connsiteX0" y="connsiteY0"/>
+              </a:cxn>
+              <a:cxn ang="0">
+                <a:pos x="connsiteX1" y="connsiteY1"/>
+              </a:cxn>
+              <a:cxn ang="0">
+                <a:pos x="connsiteX2" y="connsiteY2"/>
+              </a:cxn>
+              <a:cxn ang="0">
+                <a:pos x="connsiteX3" y="connsiteY3"/>
+              </a:cxn>
+              <a:cxn ang="0">
+                <a:pos x="connsiteX4" y="connsiteY4"/>
+              </a:cxn>
+              <a:cxn ang="0">
+                <a:pos x="connsiteX5" y="connsiteY5"/>
+              </a:cxn>
+              <a:cxn ang="0">
+                <a:pos x="connsiteX6" y="connsiteY6"/>
+              </a:cxn>
+              <a:cxn ang="0">
+                <a:pos x="connsiteX7" y="connsiteY7"/>
+              </a:cxn>
+              <a:cxn ang="0">
+                <a:pos x="connsiteX8" y="connsiteY8"/>
+              </a:cxn>
+              <a:cxn ang="0">
+                <a:pos x="connsiteX9" y="connsiteY9"/>
+              </a:cxn>
+              <a:cxn ang="0">
+                <a:pos x="connsiteX10" y="connsiteY10"/>
+              </a:cxn>
+              <a:cxn ang="0">
+                <a:pos x="connsiteX11" y="connsiteY11"/>
+              </a:cxn>
+              <a:cxn ang="0">
+                <a:pos x="connsiteX12" y="connsiteY12"/>
+              </a:cxn>
+              <a:cxn ang="0">
+                <a:pos x="connsiteX13" y="connsiteY13"/>
+              </a:cxn>
+              <a:cxn ang="0">
+                <a:pos x="connsiteX14" y="connsiteY14"/>
+              </a:cxn>
+              <a:cxn ang="0">
+                <a:pos x="connsiteX15" y="connsiteY15"/>
+              </a:cxn>
+            </a:cxnLst>
+            <a:rect l="l" t="t" r="r" b="b"/>
+            <a:pathLst>
+              <a:path w="10058400" h="7772401">
+                <a:moveTo>
+                  <a:pt x="874800" y="873125"/>
+                </a:moveTo>
+                <a:lnTo>
+                  <a:pt x="874800" y="6899276"/>
+                </a:lnTo>
+                <a:lnTo>
+                  <a:pt x="9183600" y="6899276"/>
+                </a:lnTo>
+                <a:lnTo>
+                  <a:pt x="9183600" y="873125"/>
+                </a:lnTo>
+                <a:close/>
+                <a:moveTo>
+                  <a:pt x="0" y="0"/>
+                </a:moveTo>
+                <a:lnTo>
+                  <a:pt x="874800" y="0"/>
+                </a:lnTo>
+                <a:lnTo>
+                  <a:pt x="10058400" y="0"/>
+                </a:lnTo>
+                <a:lnTo>
+                  <a:pt x="10058400" y="1"/>
+                </a:lnTo>
+                <a:lnTo>
+                  <a:pt x="10058400" y="873125"/>
+                </a:lnTo>
+                <a:lnTo>
+                  <a:pt x="10058400" y="6899276"/>
+                </a:lnTo>
+                <a:lnTo>
+                  <a:pt x="10058400" y="7772401"/>
+                </a:lnTo>
+                <a:lnTo>
+                  <a:pt x="9183600" y="7772401"/>
+                </a:lnTo>
+                <a:lnTo>
+                  <a:pt x="0" y="7772401"/>
+                </a:lnTo>
+                <a:lnTo>
+                  <a:pt x="0" y="7772400"/>
+                </a:lnTo>
+                <a:lnTo>
+                  <a:pt x="0" y="6899276"/>
+                </a:lnTo>
+                <a:lnTo>
+                  <a:pt x="0" y="873125"/>
+                </a:lnTo>
+                <a:close/>
+              </a:path>
+            </a:pathLst>
+          </a:custGeom>
+          <a:solidFill>
+            <a:srgbClr val="00AEEF"/>
+          </a:solidFill>
+          <a:ln w="9525" cap="flat" cmpd="sng" algn="ctr">
+            <a:noFill/>
+            <a:prstDash val="solid"/>
+            <a:round/>
+            <a:headEnd type="none" w="med" len="med"/>
+            <a:tailEnd type="none" w="med" len="med"/>
+          </a:ln>
+          <a:effectLst/>
+        </p:spPr>
+        <p:txBody>
+          <a:bodyPr vert="horz" wrap="square" lIns="0" tIns="0" rIns="0" bIns="0" numCol="1" rtlCol="0" anchor="ctr" anchorCtr="0" compatLnSpc="1">
+            <a:prstTxWarp prst="textNoShape">
+              <a:avLst/>
+            </a:prstTxWarp>
+            <a:noAutofit/>
+          </a:bodyPr>
+          <a:lstStyle/>
+          <a:p>
+            <a:pPr marL="0" marR="0" indent="0" algn="l" defTabSz="836696" rtl="0" eaLnBrk="1" fontAlgn="base" latinLnBrk="0" hangingPunct="1">
+              <a:lnSpc>
+                <a:spcPct val="100000"/>
+              </a:lnSpc>
+              <a:spcBef>
+                <a:spcPct val="0"/>
+              </a:spcBef>
+              <a:spcAft>
+                <a:spcPct val="0"/>
+              </a:spcAft>
+              <a:buClrTx/>
+              <a:buSzTx/>
+              <a:buFontTx/>
+              <a:buNone/>
+              <a:tabLst/>
+            </a:pPr>
+            <a:endParaRPr kumimoji="0" lang="en-GB" sz="3294" b="0" i="0" u="none" strike="noStrike" cap="none" normalizeH="0" baseline="0">
+              <a:ln>
+                <a:noFill/>
+              </a:ln>
+              <a:solidFill>
+                <a:schemeClr val="bg2"/>
+              </a:solidFill>
+              <a:effectLst/>
+              <a:latin typeface="Barclays Effra" panose="020B0603020203020204" pitchFamily="34" charset="0"/>
+            </a:endParaRPr>
+          </a:p>
+        </p:txBody>
+      </p:sp>
+      <p:sp>
+        <p:nvSpPr>
+          <p:cNvPr id="11" name="Rectangle 10"/>
+          <p:cNvSpPr/>
+          <p:nvPr userDrawn="1"/>
+        </p:nvSpPr>
+        <p:spPr>
+          <a:xfrm>
+            <a:off x="960438" y="969963"/>
+            <a:ext cx="8137525" cy="5832476"/>
+          </a:xfrm>
+          <a:prstGeom prst="rect">
+            <a:avLst/>
+          </a:prstGeom>
+          <a:solidFill>
+            <a:schemeClr val="bg1"/>
+          </a:solidFill>
+          <a:ln>
+            <a:solidFill>
+              <a:schemeClr val="bg1"/>
+            </a:solidFill>
+          </a:ln>
+        </p:spPr>
+        <p:style>
+          <a:lnRef idx="2">
+            <a:schemeClr val="accent1">
+              <a:shade val="50000"/>
+            </a:schemeClr>
+          </a:lnRef>
+          <a:fillRef idx="1">
+            <a:schemeClr val="accent1"/>
+          </a:fillRef>
+          <a:effectRef idx="0">
+            <a:schemeClr val="accent1"/>
+          </a:effectRef>
+          <a:fontRef idx="minor">
+            <a:schemeClr val="lt1"/>
+          </a:fontRef>
+        </p:style>
+        <p:txBody>
+          <a:bodyPr rtlCol="0" anchor="ctr"/>
+          <a:lstStyle/>
+          <a:p>
+            <a:pPr algn="l"/>
+            <a:endParaRPr lang="en-GB" sz="2400" dirty="0">
+              <a:latin typeface="Barclays Effra" panose="020B0603020203020204" pitchFamily="34" charset="0"/>
+            </a:endParaRPr>
+          </a:p>
+        </p:txBody>
+      </p:sp>
+      <p:sp>
+        <p:nvSpPr>
+          <p:cNvPr id="22" name="CLOGO"/>
+          <p:cNvSpPr>
+            <a:spLocks noGrp="1"/>
+          </p:cNvSpPr>
+          <p:nvPr>
+            <p:ph type="body" sz="quarter" idx="12" hasCustomPrompt="1"/>
+            <p:custDataLst>
+              <p:tags r:id="rId3"/>
+            </p:custDataLst>
+          </p:nvPr>
+        </p:nvSpPr>
+        <p:spPr>
+          <a:xfrm>
+            <a:off x="6751500" y="5862377"/>
+            <a:ext cx="1929384" cy="630936"/>
+          </a:xfrm>
+          <a:prstGeom prst="rect">
+            <a:avLst/>
+          </a:prstGeom>
+        </p:spPr>
+        <p:txBody>
+          <a:bodyPr anchor="ctr"/>
+          <a:lstStyle>
+            <a:lvl1pPr marL="0" marR="0" indent="0" algn="ctr" defTabSz="860268" eaLnBrk="1" fontAlgn="auto" latinLnBrk="0" hangingPunct="1">
+              <a:lnSpc>
+                <a:spcPct val="100000"/>
+              </a:lnSpc>
+              <a:spcBef>
+                <a:spcPts val="0"/>
+              </a:spcBef>
+              <a:spcAft>
+                <a:spcPts val="0"/>
+              </a:spcAft>
+              <a:buClrTx/>
+              <a:buSzTx/>
+              <a:buFontTx/>
+              <a:buNone/>
+              <a:tabLst/>
+              <a:defRPr sz="1223" baseline="0">
+                <a:solidFill>
+                  <a:schemeClr val="accent1"/>
+                </a:solidFill>
+                <a:latin typeface="Barclays Effra" panose="020B0603020203020204" pitchFamily="34" charset="0"/>
+              </a:defRPr>
+            </a:lvl1pPr>
+          </a:lstStyle>
+          <a:p>
+            <a:pPr marL="0" marR="0" lvl="0" indent="0" algn="ctr" defTabSz="860268" eaLnBrk="1" fontAlgn="auto" latinLnBrk="0" hangingPunct="1">
+              <a:lnSpc>
+                <a:spcPct val="100000"/>
+              </a:lnSpc>
+              <a:spcBef>
+                <a:spcPts val="0"/>
+              </a:spcBef>
+              <a:spcAft>
+                <a:spcPts val="0"/>
+              </a:spcAft>
+              <a:buClrTx/>
+              <a:buSzTx/>
+              <a:buFontTx/>
+              <a:buNone/>
+              <a:tabLst/>
+              <a:defRPr/>
+            </a:pPr>
+            <a:r>
+              <a:rPr kumimoji="0" lang="en-US" sz="1223" b="0" i="0" u="none" strike="noStrike" kern="0" cap="none" spc="0" normalizeH="0" baseline="0" noProof="0" dirty="0">
+                <a:ln>
+                  <a:noFill/>
+                </a:ln>
+                <a:solidFill>
+                  <a:schemeClr val="tx1"/>
+                </a:solidFill>
+                <a:effectLst/>
+                <a:uLnTx/>
+                <a:uFillTx/>
+              </a:rPr>
+              <a:t>Client Cover Logo</a:t>
+            </a:r>
+          </a:p>
+        </p:txBody>
+      </p:sp>
+      <p:sp>
+        <p:nvSpPr>
+          <p:cNvPr id="20" name="PTITLE"/>
+          <p:cNvSpPr>
+            <a:spLocks noGrp="1" noChangeArrowheads="1"/>
+          </p:cNvSpPr>
+          <p:nvPr>
+            <p:ph type="ctrTitle" hasCustomPrompt="1"/>
+            <p:custDataLst>
+              <p:tags r:id="rId4"/>
+            </p:custDataLst>
+          </p:nvPr>
+        </p:nvSpPr>
+        <p:spPr>
+          <a:xfrm>
+            <a:off x="1393200" y="3042000"/>
+            <a:ext cx="7269480" cy="471600"/>
+          </a:xfrm>
+          <a:prstGeom prst="rect">
+            <a:avLst/>
+          </a:prstGeom>
+        </p:spPr>
+        <p:txBody>
+          <a:bodyPr vert="horz" wrap="square" lIns="0" tIns="0" rIns="0" bIns="0" rtlCol="0" anchor="b">
+            <a:noAutofit/>
+          </a:bodyPr>
+          <a:lstStyle>
+            <a:lvl1pPr>
+              <a:defRPr lang="en-US" sz="3400" b="1" kern="1200" dirty="0">
+                <a:latin typeface="Barclays Effra" panose="020B0603020203020204" pitchFamily="34" charset="0"/>
+              </a:defRPr>
+            </a:lvl1pPr>
+          </a:lstStyle>
+          <a:p>
+            <a:pPr lvl="0" defTabSz="920366" latinLnBrk="0">
+              <a:lnSpc>
+                <a:spcPct val="90000"/>
+              </a:lnSpc>
+              <a:buNone/>
+            </a:pPr>
+            <a:r>
+              <a:rPr lang="en-US" dirty="0"/>
+              <a:t>Heading</a:t>
+            </a:r>
+          </a:p>
+        </p:txBody>
+      </p:sp>
+      <p:sp>
+        <p:nvSpPr>
+          <p:cNvPr id="12" name="EAGLE_CYAN" hidden="1"/>
+          <p:cNvSpPr>
+            <a:spLocks/>
+          </p:cNvSpPr>
+          <p:nvPr userDrawn="1">
+            <p:custDataLst>
+              <p:tags r:id="rId5"/>
+            </p:custDataLst>
+          </p:nvPr>
+        </p:nvSpPr>
+        <p:spPr bwMode="auto">
+          <a:xfrm>
+            <a:off x="9207501" y="200025"/>
+            <a:ext cx="604837" cy="647700"/>
+          </a:xfrm>
+          <a:custGeom>
+            <a:avLst/>
+            <a:gdLst>
+              <a:gd name="T0" fmla="*/ 1112 w 1118"/>
+              <a:gd name="T1" fmla="*/ 561 h 1200"/>
+              <a:gd name="T2" fmla="*/ 1013 w 1118"/>
+              <a:gd name="T3" fmla="*/ 853 h 1200"/>
+              <a:gd name="T4" fmla="*/ 995 w 1118"/>
+              <a:gd name="T5" fmla="*/ 881 h 1200"/>
+              <a:gd name="T6" fmla="*/ 980 w 1118"/>
+              <a:gd name="T7" fmla="*/ 865 h 1200"/>
+              <a:gd name="T8" fmla="*/ 906 w 1118"/>
+              <a:gd name="T9" fmla="*/ 761 h 1200"/>
+              <a:gd name="T10" fmla="*/ 895 w 1118"/>
+              <a:gd name="T11" fmla="*/ 758 h 1200"/>
+              <a:gd name="T12" fmla="*/ 891 w 1118"/>
+              <a:gd name="T13" fmla="*/ 834 h 1200"/>
+              <a:gd name="T14" fmla="*/ 931 w 1118"/>
+              <a:gd name="T15" fmla="*/ 925 h 1200"/>
+              <a:gd name="T16" fmla="*/ 938 w 1118"/>
+              <a:gd name="T17" fmla="*/ 955 h 1200"/>
+              <a:gd name="T18" fmla="*/ 832 w 1118"/>
+              <a:gd name="T19" fmla="*/ 857 h 1200"/>
+              <a:gd name="T20" fmla="*/ 759 w 1118"/>
+              <a:gd name="T21" fmla="*/ 730 h 1200"/>
+              <a:gd name="T22" fmla="*/ 743 w 1118"/>
+              <a:gd name="T23" fmla="*/ 742 h 1200"/>
+              <a:gd name="T24" fmla="*/ 770 w 1118"/>
+              <a:gd name="T25" fmla="*/ 867 h 1200"/>
+              <a:gd name="T26" fmla="*/ 864 w 1118"/>
+              <a:gd name="T27" fmla="*/ 1015 h 1200"/>
+              <a:gd name="T28" fmla="*/ 854 w 1118"/>
+              <a:gd name="T29" fmla="*/ 1036 h 1200"/>
+              <a:gd name="T30" fmla="*/ 719 w 1118"/>
+              <a:gd name="T31" fmla="*/ 1129 h 1200"/>
+              <a:gd name="T32" fmla="*/ 399 w 1118"/>
+              <a:gd name="T33" fmla="*/ 1129 h 1200"/>
+              <a:gd name="T34" fmla="*/ 263 w 1118"/>
+              <a:gd name="T35" fmla="*/ 1035 h 1200"/>
+              <a:gd name="T36" fmla="*/ 257 w 1118"/>
+              <a:gd name="T37" fmla="*/ 1011 h 1200"/>
+              <a:gd name="T38" fmla="*/ 379 w 1118"/>
+              <a:gd name="T39" fmla="*/ 770 h 1200"/>
+              <a:gd name="T40" fmla="*/ 365 w 1118"/>
+              <a:gd name="T41" fmla="*/ 733 h 1200"/>
+              <a:gd name="T42" fmla="*/ 356 w 1118"/>
+              <a:gd name="T43" fmla="*/ 737 h 1200"/>
+              <a:gd name="T44" fmla="*/ 209 w 1118"/>
+              <a:gd name="T45" fmla="*/ 940 h 1200"/>
+              <a:gd name="T46" fmla="*/ 178 w 1118"/>
+              <a:gd name="T47" fmla="*/ 955 h 1200"/>
+              <a:gd name="T48" fmla="*/ 187 w 1118"/>
+              <a:gd name="T49" fmla="*/ 925 h 1200"/>
+              <a:gd name="T50" fmla="*/ 226 w 1118"/>
+              <a:gd name="T51" fmla="*/ 834 h 1200"/>
+              <a:gd name="T52" fmla="*/ 223 w 1118"/>
+              <a:gd name="T53" fmla="*/ 758 h 1200"/>
+              <a:gd name="T54" fmla="*/ 211 w 1118"/>
+              <a:gd name="T55" fmla="*/ 761 h 1200"/>
+              <a:gd name="T56" fmla="*/ 138 w 1118"/>
+              <a:gd name="T57" fmla="*/ 865 h 1200"/>
+              <a:gd name="T58" fmla="*/ 122 w 1118"/>
+              <a:gd name="T59" fmla="*/ 881 h 1200"/>
+              <a:gd name="T60" fmla="*/ 42 w 1118"/>
+              <a:gd name="T61" fmla="*/ 722 h 1200"/>
+              <a:gd name="T62" fmla="*/ 5 w 1118"/>
+              <a:gd name="T63" fmla="*/ 413 h 1200"/>
+              <a:gd name="T64" fmla="*/ 157 w 1118"/>
+              <a:gd name="T65" fmla="*/ 154 h 1200"/>
+              <a:gd name="T66" fmla="*/ 292 w 1118"/>
+              <a:gd name="T67" fmla="*/ 183 h 1200"/>
+              <a:gd name="T68" fmla="*/ 274 w 1118"/>
+              <a:gd name="T69" fmla="*/ 266 h 1200"/>
+              <a:gd name="T70" fmla="*/ 270 w 1118"/>
+              <a:gd name="T71" fmla="*/ 277 h 1200"/>
+              <a:gd name="T72" fmla="*/ 380 w 1118"/>
+              <a:gd name="T73" fmla="*/ 311 h 1200"/>
+              <a:gd name="T74" fmla="*/ 460 w 1118"/>
+              <a:gd name="T75" fmla="*/ 125 h 1200"/>
+              <a:gd name="T76" fmla="*/ 348 w 1118"/>
+              <a:gd name="T77" fmla="*/ 108 h 1200"/>
+              <a:gd name="T78" fmla="*/ 343 w 1118"/>
+              <a:gd name="T79" fmla="*/ 79 h 1200"/>
+              <a:gd name="T80" fmla="*/ 415 w 1118"/>
+              <a:gd name="T81" fmla="*/ 21 h 1200"/>
+              <a:gd name="T82" fmla="*/ 467 w 1118"/>
+              <a:gd name="T83" fmla="*/ 17 h 1200"/>
+              <a:gd name="T84" fmla="*/ 515 w 1118"/>
+              <a:gd name="T85" fmla="*/ 0 h 1200"/>
+              <a:gd name="T86" fmla="*/ 610 w 1118"/>
+              <a:gd name="T87" fmla="*/ 24 h 1200"/>
+              <a:gd name="T88" fmla="*/ 651 w 1118"/>
+              <a:gd name="T89" fmla="*/ 141 h 1200"/>
+              <a:gd name="T90" fmla="*/ 760 w 1118"/>
+              <a:gd name="T91" fmla="*/ 310 h 1200"/>
+              <a:gd name="T92" fmla="*/ 847 w 1118"/>
+              <a:gd name="T93" fmla="*/ 279 h 1200"/>
+              <a:gd name="T94" fmla="*/ 842 w 1118"/>
+              <a:gd name="T95" fmla="*/ 266 h 1200"/>
+              <a:gd name="T96" fmla="*/ 826 w 1118"/>
+              <a:gd name="T97" fmla="*/ 183 h 1200"/>
+              <a:gd name="T98" fmla="*/ 913 w 1118"/>
+              <a:gd name="T99" fmla="*/ 147 h 1200"/>
+              <a:gd name="T100" fmla="*/ 1013 w 1118"/>
+              <a:gd name="T101" fmla="*/ 182 h 1200"/>
+              <a:gd name="T102" fmla="*/ 1112 w 1118"/>
+              <a:gd name="T103" fmla="*/ 413 h 1200"/>
+            </a:gdLst>
+            <a:ahLst/>
+            <a:cxnLst>
+              <a:cxn ang="0">
+                <a:pos x="T0" y="T1"/>
+              </a:cxn>
+              <a:cxn ang="0">
+                <a:pos x="T2" y="T3"/>
+              </a:cxn>
+              <a:cxn ang="0">
+                <a:pos x="T4" y="T5"/>
+              </a:cxn>
+              <a:cxn ang="0">
+                <a:pos x="T6" y="T7"/>
+              </a:cxn>
+              <a:cxn ang="0">
+                <a:pos x="T8" y="T9"/>
+              </a:cxn>
+              <a:cxn ang="0">
+                <a:pos x="T10" y="T11"/>
+              </a:cxn>
+              <a:cxn ang="0">
+                <a:pos x="T12" y="T13"/>
+              </a:cxn>
+              <a:cxn ang="0">
+                <a:pos x="T14" y="T15"/>
+              </a:cxn>
+              <a:cxn ang="0">
+                <a:pos x="T16" y="T17"/>
+              </a:cxn>
+              <a:cxn ang="0">
+                <a:pos x="T18" y="T19"/>
+              </a:cxn>
+              <a:cxn ang="0">
+                <a:pos x="T20" y="T21"/>
+              </a:cxn>
+              <a:cxn ang="0">
+                <a:pos x="T22" y="T23"/>
+              </a:cxn>
+              <a:cxn ang="0">
+                <a:pos x="T24" y="T25"/>
+              </a:cxn>
+              <a:cxn ang="0">
+                <a:pos x="T26" y="T27"/>
+              </a:cxn>
+              <a:cxn ang="0">
+                <a:pos x="T28" y="T29"/>
+              </a:cxn>
+              <a:cxn ang="0">
+                <a:pos x="T30" y="T31"/>
+              </a:cxn>
+              <a:cxn ang="0">
+                <a:pos x="T32" y="T33"/>
+              </a:cxn>
+              <a:cxn ang="0">
+                <a:pos x="T34" y="T35"/>
+              </a:cxn>
+              <a:cxn ang="0">
+                <a:pos x="T36" y="T37"/>
+              </a:cxn>
+              <a:cxn ang="0">
+                <a:pos x="T38" y="T39"/>
+              </a:cxn>
+              <a:cxn ang="0">
+                <a:pos x="T40" y="T41"/>
+              </a:cxn>
+              <a:cxn ang="0">
+                <a:pos x="T42" y="T43"/>
+              </a:cxn>
+              <a:cxn ang="0">
+                <a:pos x="T44" y="T45"/>
+              </a:cxn>
+              <a:cxn ang="0">
+                <a:pos x="T46" y="T47"/>
+              </a:cxn>
+              <a:cxn ang="0">
+                <a:pos x="T48" y="T49"/>
+              </a:cxn>
+              <a:cxn ang="0">
+                <a:pos x="T50" y="T51"/>
+              </a:cxn>
+              <a:cxn ang="0">
+                <a:pos x="T52" y="T53"/>
+              </a:cxn>
+              <a:cxn ang="0">
+                <a:pos x="T54" y="T55"/>
+              </a:cxn>
+              <a:cxn ang="0">
+                <a:pos x="T56" y="T57"/>
+              </a:cxn>
+              <a:cxn ang="0">
+                <a:pos x="T58" y="T59"/>
+              </a:cxn>
+              <a:cxn ang="0">
+                <a:pos x="T60" y="T61"/>
+              </a:cxn>
+              <a:cxn ang="0">
+                <a:pos x="T62" y="T63"/>
+              </a:cxn>
+              <a:cxn ang="0">
+                <a:pos x="T64" y="T65"/>
+              </a:cxn>
+              <a:cxn ang="0">
+                <a:pos x="T66" y="T67"/>
+              </a:cxn>
+              <a:cxn ang="0">
+                <a:pos x="T68" y="T69"/>
+              </a:cxn>
+              <a:cxn ang="0">
+                <a:pos x="T70" y="T71"/>
+              </a:cxn>
+              <a:cxn ang="0">
+                <a:pos x="T72" y="T73"/>
+              </a:cxn>
+              <a:cxn ang="0">
+                <a:pos x="T74" y="T75"/>
+              </a:cxn>
+              <a:cxn ang="0">
+                <a:pos x="T76" y="T77"/>
+              </a:cxn>
+              <a:cxn ang="0">
+                <a:pos x="T78" y="T79"/>
+              </a:cxn>
+              <a:cxn ang="0">
+                <a:pos x="T80" y="T81"/>
+              </a:cxn>
+              <a:cxn ang="0">
+                <a:pos x="T82" y="T83"/>
+              </a:cxn>
+              <a:cxn ang="0">
+                <a:pos x="T84" y="T85"/>
+              </a:cxn>
+              <a:cxn ang="0">
+                <a:pos x="T86" y="T87"/>
+              </a:cxn>
+              <a:cxn ang="0">
+                <a:pos x="T88" y="T89"/>
+              </a:cxn>
+              <a:cxn ang="0">
+                <a:pos x="T90" y="T91"/>
+              </a:cxn>
+              <a:cxn ang="0">
+                <a:pos x="T92" y="T93"/>
+              </a:cxn>
+              <a:cxn ang="0">
+                <a:pos x="T94" y="T95"/>
+              </a:cxn>
+              <a:cxn ang="0">
+                <a:pos x="T96" y="T97"/>
+              </a:cxn>
+              <a:cxn ang="0">
+                <a:pos x="T98" y="T99"/>
+              </a:cxn>
+              <a:cxn ang="0">
+                <a:pos x="T100" y="T101"/>
+              </a:cxn>
+              <a:cxn ang="0">
+                <a:pos x="T102" y="T103"/>
+              </a:cxn>
+            </a:cxnLst>
+            <a:rect l="0" t="0" r="r" b="b"/>
+            <a:pathLst>
+              <a:path w="1118" h="1200">
+                <a:moveTo>
+                  <a:pt x="1112" y="413"/>
+                </a:moveTo>
+                <a:cubicBezTo>
+                  <a:pt x="1118" y="470"/>
+                  <a:pt x="1115" y="518"/>
+                  <a:pt x="1112" y="561"/>
+                </a:cubicBezTo>
+                <a:cubicBezTo>
+                  <a:pt x="1105" y="633"/>
+                  <a:pt x="1093" y="676"/>
+                  <a:pt x="1076" y="722"/>
+                </a:cubicBezTo>
+                <a:cubicBezTo>
+                  <a:pt x="1058" y="769"/>
+                  <a:pt x="1036" y="815"/>
+                  <a:pt x="1013" y="853"/>
+                </a:cubicBezTo>
+                <a:cubicBezTo>
+                  <a:pt x="1011" y="856"/>
+                  <a:pt x="1011" y="856"/>
+                  <a:pt x="1011" y="856"/>
+                </a:cubicBezTo>
+                <a:cubicBezTo>
+                  <a:pt x="1004" y="868"/>
+                  <a:pt x="998" y="877"/>
+                  <a:pt x="995" y="881"/>
+                </a:cubicBezTo>
+                <a:cubicBezTo>
+                  <a:pt x="995" y="881"/>
+                  <a:pt x="994" y="880"/>
+                  <a:pt x="993" y="879"/>
+                </a:cubicBezTo>
+                <a:cubicBezTo>
+                  <a:pt x="990" y="876"/>
+                  <a:pt x="986" y="872"/>
+                  <a:pt x="980" y="865"/>
+                </a:cubicBezTo>
+                <a:cubicBezTo>
+                  <a:pt x="970" y="856"/>
+                  <a:pt x="943" y="821"/>
+                  <a:pt x="936" y="810"/>
+                </a:cubicBezTo>
+                <a:cubicBezTo>
+                  <a:pt x="929" y="800"/>
+                  <a:pt x="914" y="778"/>
+                  <a:pt x="906" y="761"/>
+                </a:cubicBezTo>
+                <a:cubicBezTo>
+                  <a:pt x="902" y="752"/>
+                  <a:pt x="902" y="752"/>
+                  <a:pt x="902" y="752"/>
+                </a:cubicBezTo>
+                <a:cubicBezTo>
+                  <a:pt x="895" y="758"/>
+                  <a:pt x="895" y="758"/>
+                  <a:pt x="895" y="758"/>
+                </a:cubicBezTo>
+                <a:cubicBezTo>
+                  <a:pt x="887" y="765"/>
+                  <a:pt x="882" y="776"/>
+                  <a:pt x="882" y="788"/>
+                </a:cubicBezTo>
+                <a:cubicBezTo>
+                  <a:pt x="882" y="799"/>
+                  <a:pt x="885" y="811"/>
+                  <a:pt x="891" y="834"/>
+                </a:cubicBezTo>
+                <a:cubicBezTo>
+                  <a:pt x="899" y="859"/>
+                  <a:pt x="911" y="889"/>
+                  <a:pt x="926" y="916"/>
+                </a:cubicBezTo>
+                <a:cubicBezTo>
+                  <a:pt x="927" y="919"/>
+                  <a:pt x="929" y="922"/>
+                  <a:pt x="931" y="925"/>
+                </a:cubicBezTo>
+                <a:cubicBezTo>
+                  <a:pt x="941" y="943"/>
+                  <a:pt x="945" y="951"/>
+                  <a:pt x="940" y="955"/>
+                </a:cubicBezTo>
+                <a:cubicBezTo>
+                  <a:pt x="939" y="955"/>
+                  <a:pt x="938" y="955"/>
+                  <a:pt x="938" y="955"/>
+                </a:cubicBezTo>
+                <a:cubicBezTo>
+                  <a:pt x="932" y="955"/>
+                  <a:pt x="921" y="950"/>
+                  <a:pt x="908" y="940"/>
+                </a:cubicBezTo>
+                <a:cubicBezTo>
+                  <a:pt x="897" y="932"/>
+                  <a:pt x="868" y="907"/>
+                  <a:pt x="832" y="857"/>
+                </a:cubicBezTo>
+                <a:cubicBezTo>
+                  <a:pt x="805" y="819"/>
+                  <a:pt x="783" y="782"/>
+                  <a:pt x="762" y="737"/>
+                </a:cubicBezTo>
+                <a:cubicBezTo>
+                  <a:pt x="759" y="730"/>
+                  <a:pt x="759" y="730"/>
+                  <a:pt x="759" y="730"/>
+                </a:cubicBezTo>
+                <a:cubicBezTo>
+                  <a:pt x="759" y="730"/>
+                  <a:pt x="754" y="732"/>
+                  <a:pt x="750" y="735"/>
+                </a:cubicBezTo>
+                <a:cubicBezTo>
+                  <a:pt x="747" y="736"/>
+                  <a:pt x="745" y="739"/>
+                  <a:pt x="743" y="742"/>
+                </a:cubicBezTo>
+                <a:cubicBezTo>
+                  <a:pt x="739" y="749"/>
+                  <a:pt x="737" y="759"/>
+                  <a:pt x="739" y="770"/>
+                </a:cubicBezTo>
+                <a:cubicBezTo>
+                  <a:pt x="742" y="797"/>
+                  <a:pt x="758" y="838"/>
+                  <a:pt x="770" y="867"/>
+                </a:cubicBezTo>
+                <a:cubicBezTo>
+                  <a:pt x="792" y="917"/>
+                  <a:pt x="831" y="973"/>
+                  <a:pt x="860" y="1011"/>
+                </a:cubicBezTo>
+                <a:cubicBezTo>
+                  <a:pt x="861" y="1012"/>
+                  <a:pt x="863" y="1014"/>
+                  <a:pt x="864" y="1015"/>
+                </a:cubicBezTo>
+                <a:cubicBezTo>
+                  <a:pt x="866" y="1017"/>
+                  <a:pt x="868" y="1020"/>
+                  <a:pt x="870" y="1022"/>
+                </a:cubicBezTo>
+                <a:cubicBezTo>
+                  <a:pt x="867" y="1025"/>
+                  <a:pt x="861" y="1030"/>
+                  <a:pt x="854" y="1036"/>
+                </a:cubicBezTo>
+                <a:cubicBezTo>
+                  <a:pt x="843" y="1044"/>
+                  <a:pt x="843" y="1044"/>
+                  <a:pt x="843" y="1044"/>
+                </a:cubicBezTo>
+                <a:cubicBezTo>
+                  <a:pt x="804" y="1077"/>
+                  <a:pt x="765" y="1103"/>
+                  <a:pt x="719" y="1129"/>
+                </a:cubicBezTo>
+                <a:cubicBezTo>
+                  <a:pt x="682" y="1149"/>
+                  <a:pt x="608" y="1187"/>
+                  <a:pt x="559" y="1200"/>
+                </a:cubicBezTo>
+                <a:cubicBezTo>
+                  <a:pt x="510" y="1187"/>
+                  <a:pt x="435" y="1149"/>
+                  <a:pt x="399" y="1129"/>
+                </a:cubicBezTo>
+                <a:cubicBezTo>
+                  <a:pt x="352" y="1103"/>
+                  <a:pt x="314" y="1077"/>
+                  <a:pt x="274" y="1044"/>
+                </a:cubicBezTo>
+                <a:cubicBezTo>
+                  <a:pt x="263" y="1035"/>
+                  <a:pt x="263" y="1035"/>
+                  <a:pt x="263" y="1035"/>
+                </a:cubicBezTo>
+                <a:cubicBezTo>
+                  <a:pt x="256" y="1030"/>
+                  <a:pt x="250" y="1025"/>
+                  <a:pt x="248" y="1022"/>
+                </a:cubicBezTo>
+                <a:cubicBezTo>
+                  <a:pt x="249" y="1021"/>
+                  <a:pt x="256" y="1012"/>
+                  <a:pt x="257" y="1011"/>
+                </a:cubicBezTo>
+                <a:cubicBezTo>
+                  <a:pt x="286" y="973"/>
+                  <a:pt x="326" y="917"/>
+                  <a:pt x="347" y="867"/>
+                </a:cubicBezTo>
+                <a:cubicBezTo>
+                  <a:pt x="360" y="838"/>
+                  <a:pt x="375" y="797"/>
+                  <a:pt x="379" y="770"/>
+                </a:cubicBezTo>
+                <a:cubicBezTo>
+                  <a:pt x="380" y="759"/>
+                  <a:pt x="379" y="749"/>
+                  <a:pt x="375" y="742"/>
+                </a:cubicBezTo>
+                <a:cubicBezTo>
+                  <a:pt x="373" y="738"/>
+                  <a:pt x="369" y="735"/>
+                  <a:pt x="365" y="733"/>
+                </a:cubicBezTo>
+                <a:cubicBezTo>
+                  <a:pt x="359" y="731"/>
+                  <a:pt x="359" y="731"/>
+                  <a:pt x="359" y="731"/>
+                </a:cubicBezTo>
+                <a:cubicBezTo>
+                  <a:pt x="356" y="737"/>
+                  <a:pt x="356" y="737"/>
+                  <a:pt x="356" y="737"/>
+                </a:cubicBezTo>
+                <a:cubicBezTo>
+                  <a:pt x="334" y="782"/>
+                  <a:pt x="313" y="819"/>
+                  <a:pt x="286" y="857"/>
+                </a:cubicBezTo>
+                <a:cubicBezTo>
+                  <a:pt x="250" y="907"/>
+                  <a:pt x="220" y="932"/>
+                  <a:pt x="209" y="940"/>
+                </a:cubicBezTo>
+                <a:cubicBezTo>
+                  <a:pt x="197" y="950"/>
+                  <a:pt x="186" y="955"/>
+                  <a:pt x="180" y="955"/>
+                </a:cubicBezTo>
+                <a:cubicBezTo>
+                  <a:pt x="179" y="955"/>
+                  <a:pt x="178" y="955"/>
+                  <a:pt x="178" y="955"/>
+                </a:cubicBezTo>
+                <a:cubicBezTo>
+                  <a:pt x="177" y="954"/>
+                  <a:pt x="177" y="954"/>
+                  <a:pt x="177" y="954"/>
+                </a:cubicBezTo>
+                <a:cubicBezTo>
+                  <a:pt x="173" y="950"/>
+                  <a:pt x="177" y="942"/>
+                  <a:pt x="187" y="925"/>
+                </a:cubicBezTo>
+                <a:cubicBezTo>
+                  <a:pt x="188" y="922"/>
+                  <a:pt x="190" y="919"/>
+                  <a:pt x="192" y="916"/>
+                </a:cubicBezTo>
+                <a:cubicBezTo>
+                  <a:pt x="206" y="889"/>
+                  <a:pt x="219" y="859"/>
+                  <a:pt x="226" y="834"/>
+                </a:cubicBezTo>
+                <a:cubicBezTo>
+                  <a:pt x="233" y="811"/>
+                  <a:pt x="235" y="799"/>
+                  <a:pt x="235" y="788"/>
+                </a:cubicBezTo>
+                <a:cubicBezTo>
+                  <a:pt x="235" y="776"/>
+                  <a:pt x="231" y="765"/>
+                  <a:pt x="223" y="758"/>
+                </a:cubicBezTo>
+                <a:cubicBezTo>
+                  <a:pt x="215" y="752"/>
+                  <a:pt x="215" y="752"/>
+                  <a:pt x="215" y="752"/>
+                </a:cubicBezTo>
+                <a:cubicBezTo>
+                  <a:pt x="211" y="761"/>
+                  <a:pt x="211" y="761"/>
+                  <a:pt x="211" y="761"/>
+                </a:cubicBezTo>
+                <a:cubicBezTo>
+                  <a:pt x="204" y="777"/>
+                  <a:pt x="190" y="799"/>
+                  <a:pt x="182" y="810"/>
+                </a:cubicBezTo>
+                <a:cubicBezTo>
+                  <a:pt x="174" y="821"/>
+                  <a:pt x="147" y="856"/>
+                  <a:pt x="138" y="865"/>
+                </a:cubicBezTo>
+                <a:cubicBezTo>
+                  <a:pt x="131" y="872"/>
+                  <a:pt x="127" y="876"/>
+                  <a:pt x="124" y="879"/>
+                </a:cubicBezTo>
+                <a:cubicBezTo>
+                  <a:pt x="123" y="880"/>
+                  <a:pt x="123" y="881"/>
+                  <a:pt x="122" y="881"/>
+                </a:cubicBezTo>
+                <a:cubicBezTo>
+                  <a:pt x="119" y="877"/>
+                  <a:pt x="113" y="867"/>
+                  <a:pt x="105" y="854"/>
+                </a:cubicBezTo>
+                <a:cubicBezTo>
+                  <a:pt x="81" y="815"/>
+                  <a:pt x="59" y="769"/>
+                  <a:pt x="42" y="722"/>
+                </a:cubicBezTo>
+                <a:cubicBezTo>
+                  <a:pt x="24" y="676"/>
+                  <a:pt x="12" y="633"/>
+                  <a:pt x="6" y="561"/>
+                </a:cubicBezTo>
+                <a:cubicBezTo>
+                  <a:pt x="2" y="518"/>
+                  <a:pt x="0" y="470"/>
+                  <a:pt x="5" y="413"/>
+                </a:cubicBezTo>
+                <a:cubicBezTo>
+                  <a:pt x="11" y="356"/>
+                  <a:pt x="25" y="301"/>
+                  <a:pt x="46" y="260"/>
+                </a:cubicBezTo>
+                <a:cubicBezTo>
+                  <a:pt x="75" y="202"/>
+                  <a:pt x="111" y="167"/>
+                  <a:pt x="157" y="154"/>
+                </a:cubicBezTo>
+                <a:cubicBezTo>
+                  <a:pt x="168" y="151"/>
+                  <a:pt x="186" y="147"/>
+                  <a:pt x="206" y="147"/>
+                </a:cubicBezTo>
+                <a:cubicBezTo>
+                  <a:pt x="243" y="147"/>
+                  <a:pt x="271" y="159"/>
+                  <a:pt x="292" y="183"/>
+                </a:cubicBezTo>
+                <a:cubicBezTo>
+                  <a:pt x="304" y="196"/>
+                  <a:pt x="308" y="215"/>
+                  <a:pt x="304" y="233"/>
+                </a:cubicBezTo>
+                <a:cubicBezTo>
+                  <a:pt x="300" y="249"/>
+                  <a:pt x="289" y="259"/>
+                  <a:pt x="274" y="266"/>
+                </a:cubicBezTo>
+                <a:cubicBezTo>
+                  <a:pt x="270" y="268"/>
+                  <a:pt x="266" y="269"/>
+                  <a:pt x="266" y="269"/>
+                </a:cubicBezTo>
+                <a:cubicBezTo>
+                  <a:pt x="266" y="269"/>
+                  <a:pt x="266" y="271"/>
+                  <a:pt x="270" y="277"/>
+                </a:cubicBezTo>
+                <a:cubicBezTo>
+                  <a:pt x="285" y="301"/>
+                  <a:pt x="313" y="313"/>
+                  <a:pt x="352" y="313"/>
+                </a:cubicBezTo>
+                <a:cubicBezTo>
+                  <a:pt x="361" y="313"/>
+                  <a:pt x="371" y="312"/>
+                  <a:pt x="380" y="311"/>
+                </a:cubicBezTo>
+                <a:cubicBezTo>
+                  <a:pt x="436" y="303"/>
+                  <a:pt x="461" y="268"/>
+                  <a:pt x="470" y="201"/>
+                </a:cubicBezTo>
+                <a:cubicBezTo>
+                  <a:pt x="473" y="175"/>
+                  <a:pt x="477" y="153"/>
+                  <a:pt x="460" y="125"/>
+                </a:cubicBezTo>
+                <a:cubicBezTo>
+                  <a:pt x="448" y="106"/>
+                  <a:pt x="414" y="95"/>
+                  <a:pt x="389" y="95"/>
+                </a:cubicBezTo>
+                <a:cubicBezTo>
+                  <a:pt x="367" y="95"/>
+                  <a:pt x="355" y="101"/>
+                  <a:pt x="348" y="108"/>
+                </a:cubicBezTo>
+                <a:cubicBezTo>
+                  <a:pt x="348" y="107"/>
+                  <a:pt x="346" y="105"/>
+                  <a:pt x="346" y="104"/>
+                </a:cubicBezTo>
+                <a:cubicBezTo>
+                  <a:pt x="343" y="98"/>
+                  <a:pt x="341" y="91"/>
+                  <a:pt x="343" y="79"/>
+                </a:cubicBezTo>
+                <a:cubicBezTo>
+                  <a:pt x="346" y="65"/>
+                  <a:pt x="357" y="51"/>
+                  <a:pt x="363" y="46"/>
+                </a:cubicBezTo>
+                <a:cubicBezTo>
+                  <a:pt x="376" y="36"/>
+                  <a:pt x="391" y="26"/>
+                  <a:pt x="415" y="21"/>
+                </a:cubicBezTo>
+                <a:cubicBezTo>
+                  <a:pt x="426" y="19"/>
+                  <a:pt x="438" y="17"/>
+                  <a:pt x="451" y="17"/>
+                </a:cubicBezTo>
+                <a:cubicBezTo>
+                  <a:pt x="454" y="17"/>
+                  <a:pt x="463" y="17"/>
+                  <a:pt x="467" y="17"/>
+                </a:cubicBezTo>
+                <a:cubicBezTo>
+                  <a:pt x="469" y="17"/>
+                  <a:pt x="469" y="16"/>
+                  <a:pt x="471" y="15"/>
+                </a:cubicBezTo>
+                <a:cubicBezTo>
+                  <a:pt x="479" y="5"/>
+                  <a:pt x="492" y="0"/>
+                  <a:pt x="515" y="0"/>
+                </a:cubicBezTo>
+                <a:cubicBezTo>
+                  <a:pt x="533" y="1"/>
+                  <a:pt x="557" y="2"/>
+                  <a:pt x="575" y="8"/>
+                </a:cubicBezTo>
+                <a:cubicBezTo>
+                  <a:pt x="592" y="13"/>
+                  <a:pt x="600" y="18"/>
+                  <a:pt x="610" y="24"/>
+                </a:cubicBezTo>
+                <a:cubicBezTo>
+                  <a:pt x="621" y="32"/>
+                  <a:pt x="633" y="47"/>
+                  <a:pt x="638" y="61"/>
+                </a:cubicBezTo>
+                <a:cubicBezTo>
+                  <a:pt x="646" y="83"/>
+                  <a:pt x="650" y="110"/>
+                  <a:pt x="651" y="141"/>
+                </a:cubicBezTo>
+                <a:cubicBezTo>
+                  <a:pt x="652" y="204"/>
+                  <a:pt x="661" y="241"/>
+                  <a:pt x="679" y="264"/>
+                </a:cubicBezTo>
+                <a:cubicBezTo>
+                  <a:pt x="707" y="300"/>
+                  <a:pt x="731" y="308"/>
+                  <a:pt x="760" y="310"/>
+                </a:cubicBezTo>
+                <a:cubicBezTo>
+                  <a:pt x="763" y="310"/>
+                  <a:pt x="763" y="310"/>
+                  <a:pt x="763" y="310"/>
+                </a:cubicBezTo>
+                <a:cubicBezTo>
+                  <a:pt x="818" y="310"/>
+                  <a:pt x="838" y="292"/>
+                  <a:pt x="847" y="279"/>
+                </a:cubicBezTo>
+                <a:cubicBezTo>
+                  <a:pt x="847" y="279"/>
+                  <a:pt x="851" y="272"/>
+                  <a:pt x="853" y="268"/>
+                </a:cubicBezTo>
+                <a:cubicBezTo>
+                  <a:pt x="847" y="267"/>
+                  <a:pt x="842" y="266"/>
+                  <a:pt x="842" y="266"/>
+                </a:cubicBezTo>
+                <a:cubicBezTo>
+                  <a:pt x="828" y="260"/>
+                  <a:pt x="818" y="249"/>
+                  <a:pt x="814" y="234"/>
+                </a:cubicBezTo>
+                <a:cubicBezTo>
+                  <a:pt x="809" y="216"/>
+                  <a:pt x="814" y="197"/>
+                  <a:pt x="826" y="183"/>
+                </a:cubicBezTo>
+                <a:cubicBezTo>
+                  <a:pt x="852" y="153"/>
+                  <a:pt x="890" y="148"/>
+                  <a:pt x="911" y="147"/>
+                </a:cubicBezTo>
+                <a:cubicBezTo>
+                  <a:pt x="913" y="147"/>
+                  <a:pt x="913" y="147"/>
+                  <a:pt x="913" y="147"/>
+                </a:cubicBezTo>
+                <a:cubicBezTo>
+                  <a:pt x="930" y="147"/>
+                  <a:pt x="945" y="150"/>
+                  <a:pt x="960" y="155"/>
+                </a:cubicBezTo>
+                <a:cubicBezTo>
+                  <a:pt x="981" y="161"/>
+                  <a:pt x="998" y="170"/>
+                  <a:pt x="1013" y="182"/>
+                </a:cubicBezTo>
+                <a:cubicBezTo>
+                  <a:pt x="1041" y="204"/>
+                  <a:pt x="1059" y="235"/>
+                  <a:pt x="1072" y="260"/>
+                </a:cubicBezTo>
+                <a:cubicBezTo>
+                  <a:pt x="1092" y="300"/>
+                  <a:pt x="1107" y="357"/>
+                  <a:pt x="1112" y="413"/>
+                </a:cubicBezTo>
+                <a:close/>
+              </a:path>
+            </a:pathLst>
+          </a:custGeom>
+          <a:solidFill>
+            <a:srgbClr val="00AEEF"/>
+          </a:solidFill>
+          <a:ln>
+            <a:noFill/>
+          </a:ln>
+          <a:extLst>
+            <a:ext uri="{91240B29-F687-4F45-9708-019B960494DF}">
+              <a14:hiddenLine xmlns:a14="http://schemas.microsoft.com/office/drawing/2010/main" w="9525">
+                <a:solidFill>
+                  <a:srgbClr val="000000"/>
+                </a:solidFill>
+                <a:round/>
+                <a:headEnd/>
+                <a:tailEnd/>
+              </a14:hiddenLine>
+            </a:ext>
+          </a:extLst>
+        </p:spPr>
+        <p:txBody>
+          <a:bodyPr vert="horz" wrap="square" lIns="91440" tIns="45720" rIns="91440" bIns="45720" numCol="1" anchor="t" anchorCtr="0" compatLnSpc="1">
+            <a:prstTxWarp prst="textNoShape">
+              <a:avLst/>
+            </a:prstTxWarp>
+          </a:bodyPr>
+          <a:lstStyle/>
+          <a:p>
+            <a:endParaRPr lang="en-GB">
+              <a:latin typeface="Barclays Effra" panose="020B0603020203020204" pitchFamily="34" charset="0"/>
+            </a:endParaRPr>
+          </a:p>
+        </p:txBody>
+      </p:sp>
+      <p:pic>
+        <p:nvPicPr>
+          <p:cNvPr id="14" name="EAGLE_WHITE" hidden="1"/>
+          <p:cNvPicPr>
+            <a:picLocks noChangeAspect="1"/>
+          </p:cNvPicPr>
+          <p:nvPr userDrawn="1">
+            <p:custDataLst>
+              <p:tags r:id="rId6"/>
+            </p:custDataLst>
+          </p:nvPr>
+        </p:nvPicPr>
+        <p:blipFill>
+          <a:blip r:embed="rId14" cstate="print">
+            <a:biLevel thresh="25000"/>
+            <a:extLst>
+              <a:ext uri="{28A0092B-C50C-407E-A947-70E740481C1C}">
+                <a14:useLocalDpi xmlns:a14="http://schemas.microsoft.com/office/drawing/2010/main" val="0"/>
+              </a:ext>
+            </a:extLst>
+          </a:blip>
+          <a:stretch>
+            <a:fillRect/>
+          </a:stretch>
+        </p:blipFill>
+        <p:spPr>
+          <a:xfrm>
+            <a:off x="9209209" y="200415"/>
+            <a:ext cx="601138" cy="648000"/>
+          </a:xfrm>
+          <a:prstGeom prst="rect">
+            <a:avLst/>
+          </a:prstGeom>
+        </p:spPr>
+      </p:pic>
+      <p:sp>
+        <p:nvSpPr>
+          <p:cNvPr id="17" name="TRACKINGCODE" hidden="1"/>
+          <p:cNvSpPr txBox="1">
+            <a:spLocks/>
+          </p:cNvSpPr>
+          <p:nvPr userDrawn="1">
+            <p:custDataLst>
+              <p:tags r:id="rId7"/>
+            </p:custDataLst>
+          </p:nvPr>
+        </p:nvSpPr>
+        <p:spPr>
+          <a:xfrm>
+            <a:off x="493200" y="228602"/>
+            <a:ext cx="8686800" cy="129363"/>
+          </a:xfrm>
+          <a:prstGeom prst="rect">
+            <a:avLst/>
+          </a:prstGeom>
+        </p:spPr>
+        <p:txBody>
+          <a:bodyPr wrap="square" lIns="0" tIns="0" rIns="16733" bIns="16733">
+            <a:spAutoFit/>
+          </a:bodyPr>
+          <a:lstStyle>
+            <a:lvl1pPr marL="228600" indent="-228600" algn="r" defTabSz="1019175" rtl="0" eaLnBrk="1" fontAlgn="base" hangingPunct="1">
+              <a:lnSpc>
+                <a:spcPct val="110000"/>
+              </a:lnSpc>
+              <a:spcBef>
+                <a:spcPts val="1008"/>
+              </a:spcBef>
+              <a:spcAft>
+                <a:spcPct val="0"/>
+              </a:spcAft>
+              <a:buClr>
+                <a:schemeClr val="tx2"/>
+              </a:buClr>
+              <a:buSzPct val="100000"/>
+              <a:buFont typeface="Wingdings 2" pitchFamily="18" charset="2"/>
+              <a:buNone/>
+              <a:defRPr lang="en-US" sz="800" b="1">
+                <a:solidFill>
+                  <a:srgbClr val="00395C"/>
+                </a:solidFill>
+                <a:latin typeface="+mn-lt"/>
+                <a:ea typeface="+mn-ea"/>
+                <a:cs typeface="Arial" pitchFamily="34" charset="0"/>
+              </a:defRPr>
+            </a:lvl1pPr>
+            <a:lvl2pPr marL="457200" indent="-227013" algn="l" defTabSz="1019175" rtl="0" eaLnBrk="1" fontAlgn="base" hangingPunct="1">
+              <a:lnSpc>
+                <a:spcPct val="110000"/>
+              </a:lnSpc>
+              <a:spcBef>
+                <a:spcPts val="336"/>
+              </a:spcBef>
+              <a:spcAft>
+                <a:spcPct val="0"/>
+              </a:spcAft>
+              <a:buClr>
+                <a:schemeClr val="tx2"/>
+              </a:buClr>
+              <a:buSzPct val="85000"/>
+              <a:buFont typeface="Wingdings 2" pitchFamily="18" charset="2"/>
+              <a:buChar char=""/>
+              <a:defRPr lang="en-US" sz="1400" dirty="0" smtClean="0">
+                <a:solidFill>
+                  <a:schemeClr val="tx1"/>
+                </a:solidFill>
+                <a:latin typeface="+mn-lt"/>
+                <a:ea typeface="+mn-ea"/>
+                <a:cs typeface="+mn-cs"/>
+              </a:defRPr>
+            </a:lvl2pPr>
+            <a:lvl3pPr marL="685800" indent="-227013" algn="l" defTabSz="1019175" rtl="0" eaLnBrk="1" fontAlgn="base" hangingPunct="1">
+              <a:lnSpc>
+                <a:spcPct val="110000"/>
+              </a:lnSpc>
+              <a:spcBef>
+                <a:spcPts val="336"/>
+              </a:spcBef>
+              <a:spcAft>
+                <a:spcPct val="0"/>
+              </a:spcAft>
+              <a:buClr>
+                <a:schemeClr val="tx2"/>
+              </a:buClr>
+              <a:buSzPct val="100000"/>
+              <a:buFont typeface="Wingdings" pitchFamily="2" charset="2"/>
+              <a:buChar char=""/>
+              <a:defRPr lang="en-US" sz="1400" dirty="0" smtClean="0">
+                <a:solidFill>
+                  <a:schemeClr val="tx1"/>
+                </a:solidFill>
+                <a:latin typeface="+mn-lt"/>
+                <a:ea typeface="+mn-ea"/>
+                <a:cs typeface="+mn-cs"/>
+              </a:defRPr>
+            </a:lvl3pPr>
+            <a:lvl4pPr marL="912813" indent="-225425" algn="l" defTabSz="1019175" rtl="0" eaLnBrk="1" fontAlgn="base" hangingPunct="1">
+              <a:lnSpc>
+                <a:spcPct val="110000"/>
+              </a:lnSpc>
+              <a:spcBef>
+                <a:spcPts val="336"/>
+              </a:spcBef>
+              <a:spcAft>
+                <a:spcPct val="0"/>
+              </a:spcAft>
+              <a:buClr>
+                <a:schemeClr val="tx2"/>
+              </a:buClr>
+              <a:buSzPct val="80000"/>
+              <a:buFont typeface="Wingdings 3" pitchFamily="18" charset="2"/>
+              <a:buChar char=""/>
+              <a:defRPr lang="en-US" sz="1400" dirty="0" smtClean="0">
+                <a:solidFill>
+                  <a:schemeClr val="tx1"/>
+                </a:solidFill>
+                <a:latin typeface="+mn-lt"/>
+                <a:ea typeface="+mn-ea"/>
+                <a:cs typeface="+mn-cs"/>
+              </a:defRPr>
+            </a:lvl4pPr>
+            <a:lvl5pPr marL="1143000" indent="-228600" algn="l" defTabSz="1019175" rtl="0" eaLnBrk="1" fontAlgn="base" hangingPunct="1">
+              <a:lnSpc>
+                <a:spcPct val="110000"/>
+              </a:lnSpc>
+              <a:spcBef>
+                <a:spcPts val="336"/>
+              </a:spcBef>
+              <a:spcAft>
+                <a:spcPct val="0"/>
+              </a:spcAft>
+              <a:buClr>
+                <a:schemeClr val="tx2"/>
+              </a:buClr>
+              <a:buSzPct val="100000"/>
+              <a:buFont typeface="Wingdings 2" pitchFamily="18" charset="2"/>
+              <a:buChar char=""/>
+              <a:defRPr lang="en-US" sz="1400" dirty="0" smtClean="0">
+                <a:solidFill>
+                  <a:schemeClr val="tx1"/>
+                </a:solidFill>
+                <a:latin typeface="+mn-lt"/>
+                <a:ea typeface="+mn-ea"/>
+                <a:cs typeface="+mn-cs"/>
+              </a:defRPr>
+            </a:lvl5pPr>
+            <a:lvl6pPr marL="1374775" indent="-228600" algn="l" defTabSz="1019175" rtl="0" eaLnBrk="1" fontAlgn="base" hangingPunct="1">
+              <a:lnSpc>
+                <a:spcPct val="110000"/>
+              </a:lnSpc>
+              <a:spcBef>
+                <a:spcPts val="336"/>
+              </a:spcBef>
+              <a:spcAft>
+                <a:spcPct val="0"/>
+              </a:spcAft>
+              <a:buClr>
+                <a:schemeClr val="tx2"/>
+              </a:buClr>
+              <a:buSzPct val="85000"/>
+              <a:buFont typeface="Wingdings 2" pitchFamily="18" charset="2"/>
+              <a:buChar char="¡"/>
+              <a:defRPr lang="en-US" sz="1400" baseline="0" dirty="0" smtClean="0">
+                <a:solidFill>
+                  <a:schemeClr val="tx1"/>
+                </a:solidFill>
+                <a:latin typeface="+mn-lt"/>
+                <a:ea typeface="+mn-ea"/>
+                <a:cs typeface="+mn-cs"/>
+              </a:defRPr>
+            </a:lvl6pPr>
+            <a:lvl7pPr marL="1597025" indent="-222250" algn="l" defTabSz="1019175" rtl="0" eaLnBrk="1" fontAlgn="base" hangingPunct="1">
+              <a:lnSpc>
+                <a:spcPct val="110000"/>
+              </a:lnSpc>
+              <a:spcBef>
+                <a:spcPts val="336"/>
+              </a:spcBef>
+              <a:spcAft>
+                <a:spcPct val="0"/>
+              </a:spcAft>
+              <a:buClr>
+                <a:schemeClr val="tx2"/>
+              </a:buClr>
+              <a:buSzPct val="100000"/>
+              <a:buFont typeface="Wingdings" pitchFamily="2" charset="2"/>
+              <a:buChar char="w"/>
+              <a:defRPr lang="en-US" sz="1400" baseline="0" dirty="0" smtClean="0">
+                <a:solidFill>
+                  <a:schemeClr val="tx1"/>
+                </a:solidFill>
+                <a:latin typeface="+mn-lt"/>
+                <a:ea typeface="+mn-ea"/>
+                <a:cs typeface="+mn-cs"/>
+              </a:defRPr>
+            </a:lvl7pPr>
+            <a:lvl8pPr marL="1828800" indent="-231775" algn="l" defTabSz="1019175" rtl="0" eaLnBrk="1" fontAlgn="base" hangingPunct="1">
+              <a:lnSpc>
+                <a:spcPct val="110000"/>
+              </a:lnSpc>
+              <a:spcBef>
+                <a:spcPts val="336"/>
+              </a:spcBef>
+              <a:spcAft>
+                <a:spcPct val="0"/>
+              </a:spcAft>
+              <a:buClr>
+                <a:schemeClr val="tx2"/>
+              </a:buClr>
+              <a:buSzPct val="80000"/>
+              <a:buFont typeface="Wingdings 3" pitchFamily="18" charset="2"/>
+              <a:buChar char=""/>
+              <a:defRPr lang="en-US" sz="1400" baseline="0" dirty="0" smtClean="0">
+                <a:solidFill>
+                  <a:schemeClr val="tx1"/>
+                </a:solidFill>
+                <a:latin typeface="+mn-lt"/>
+                <a:ea typeface="+mn-ea"/>
+                <a:cs typeface="+mn-cs"/>
+              </a:defRPr>
+            </a:lvl8pPr>
+            <a:lvl9pPr marL="2057400" indent="-228600" algn="l" defTabSz="1019175" rtl="0" eaLnBrk="1" fontAlgn="base" hangingPunct="1">
+              <a:lnSpc>
+                <a:spcPct val="110000"/>
+              </a:lnSpc>
+              <a:spcBef>
+                <a:spcPts val="336"/>
+              </a:spcBef>
+              <a:spcAft>
+                <a:spcPct val="0"/>
+              </a:spcAft>
+              <a:buClr>
+                <a:schemeClr val="tx2"/>
+              </a:buClr>
+              <a:buSzPct val="100000"/>
+              <a:buFont typeface="Wingdings 2" pitchFamily="18" charset="2"/>
+              <a:buChar char=""/>
+              <a:defRPr lang="en-US" sz="1400" dirty="0" smtClean="0">
+                <a:solidFill>
+                  <a:schemeClr val="tx1"/>
+                </a:solidFill>
+                <a:latin typeface="+mn-lt"/>
+                <a:ea typeface="+mn-ea"/>
+                <a:cs typeface="+mn-cs"/>
+              </a:defRPr>
+            </a:lvl9pPr>
+          </a:lstStyle>
+          <a:p>
+            <a:pPr algn="l"/>
+            <a:endParaRPr lang="en-US" sz="700" b="0" kern="0" dirty="0">
+              <a:solidFill>
+                <a:schemeClr val="bg1">
+                  <a:lumMod val="50000"/>
+                </a:schemeClr>
+              </a:solidFill>
+              <a:latin typeface="Barclays Effra" panose="020B0603020203020204" pitchFamily="34" charset="0"/>
+            </a:endParaRPr>
+          </a:p>
+        </p:txBody>
+      </p:sp>
+      <p:sp>
+        <p:nvSpPr>
+          <p:cNvPr id="16" name="PSUBTITLE"/>
+          <p:cNvSpPr>
+            <a:spLocks noGrp="1" noChangeArrowheads="1"/>
+          </p:cNvSpPr>
+          <p:nvPr>
+            <p:ph type="subTitle" idx="1" hasCustomPrompt="1"/>
+            <p:custDataLst>
+              <p:tags r:id="rId8"/>
+            </p:custDataLst>
+          </p:nvPr>
+        </p:nvSpPr>
+        <p:spPr>
+          <a:xfrm>
+            <a:off x="1393200" y="3619503"/>
+            <a:ext cx="7268930" cy="370800"/>
+          </a:xfrm>
+          <a:prstGeom prst="rect">
+            <a:avLst/>
+          </a:prstGeom>
+        </p:spPr>
+        <p:txBody>
+          <a:bodyPr wrap="square" lIns="0" tIns="0" rIns="0" bIns="0">
+            <a:spAutoFit/>
+          </a:bodyPr>
+          <a:lstStyle>
+            <a:lvl1pPr marL="0" indent="0">
+              <a:lnSpc>
+                <a:spcPct val="100000"/>
+              </a:lnSpc>
+              <a:spcBef>
+                <a:spcPts val="847"/>
+              </a:spcBef>
+              <a:buClr>
+                <a:schemeClr val="tx2"/>
+              </a:buClr>
+              <a:buSzTx/>
+              <a:buFont typeface="Wingdings" pitchFamily="2" charset="2"/>
+              <a:buNone/>
+              <a:defRPr lang="en-US" sz="2400" kern="1200" dirty="0" smtClean="0">
+                <a:solidFill>
+                  <a:schemeClr val="tx1"/>
+                </a:solidFill>
+                <a:latin typeface="Barclays Effra" panose="020B0603020203020204" pitchFamily="34" charset="0"/>
+                <a:ea typeface="+mn-ea"/>
+                <a:cs typeface="+mn-cs"/>
+              </a:defRPr>
+            </a:lvl1pPr>
+          </a:lstStyle>
+          <a:p>
+            <a:r>
+              <a:rPr lang="en-US" dirty="0"/>
+              <a:t>Sub Header</a:t>
+            </a:r>
+          </a:p>
+        </p:txBody>
+      </p:sp>
+      <p:sp>
+        <p:nvSpPr>
+          <p:cNvPr id="21" name="PDATETIME"/>
+          <p:cNvSpPr>
+            <a:spLocks noGrp="1"/>
+          </p:cNvSpPr>
+          <p:nvPr>
+            <p:ph type="body" sz="quarter" idx="13" hasCustomPrompt="1"/>
+            <p:custDataLst>
+              <p:tags r:id="rId9"/>
+            </p:custDataLst>
+          </p:nvPr>
+        </p:nvSpPr>
+        <p:spPr>
+          <a:xfrm>
+            <a:off x="1393200" y="4086000"/>
+            <a:ext cx="1929384" cy="565200"/>
+          </a:xfrm>
+          <a:prstGeom prst="rect">
+            <a:avLst/>
+          </a:prstGeom>
+        </p:spPr>
+        <p:txBody>
+          <a:bodyPr lIns="36000" tIns="0" rIns="0" bIns="0" anchor="t" anchorCtr="0"/>
+          <a:lstStyle>
+            <a:lvl1pPr marL="0" marR="0" indent="0" algn="l" defTabSz="860268" rtl="0" eaLnBrk="1" fontAlgn="auto" latinLnBrk="0" hangingPunct="1">
+              <a:lnSpc>
+                <a:spcPct val="100000"/>
+              </a:lnSpc>
+              <a:spcBef>
+                <a:spcPts val="0"/>
+              </a:spcBef>
+              <a:spcAft>
+                <a:spcPts val="0"/>
+              </a:spcAft>
+              <a:buClrTx/>
+              <a:buSzTx/>
+              <a:buFontTx/>
+              <a:buNone/>
+              <a:tabLst/>
+              <a:defRPr sz="1100" baseline="0">
+                <a:solidFill>
+                  <a:schemeClr val="tx1"/>
+                </a:solidFill>
+                <a:latin typeface="Barclays Effra" panose="020B0603020203020204" pitchFamily="34" charset="0"/>
+              </a:defRPr>
+            </a:lvl1pPr>
+          </a:lstStyle>
+          <a:p>
+            <a:pPr lvl="0"/>
+            <a:r>
+              <a:rPr lang="en-US" dirty="0"/>
+              <a:t>Day Month Year</a:t>
+            </a:r>
+          </a:p>
+          <a:p>
+            <a:pPr marL="0" marR="0" lvl="0" indent="0" algn="l" defTabSz="860268" rtl="0" eaLnBrk="1" fontAlgn="auto" latinLnBrk="0" hangingPunct="1">
+              <a:lnSpc>
+                <a:spcPct val="100000"/>
+              </a:lnSpc>
+              <a:spcBef>
+                <a:spcPts val="0"/>
+              </a:spcBef>
+              <a:spcAft>
+                <a:spcPts val="0"/>
+              </a:spcAft>
+              <a:buClrTx/>
+              <a:buSzTx/>
+              <a:buFontTx/>
+              <a:buNone/>
+              <a:tabLst/>
+              <a:defRPr/>
+            </a:pPr>
+            <a:r>
+              <a:rPr lang="en-US" dirty="0"/>
+              <a:t>Version</a:t>
+            </a:r>
+            <a:endParaRPr lang="en-GB" dirty="0"/>
+          </a:p>
+          <a:p>
+            <a:pPr marL="0" marR="0" lvl="0" indent="0" algn="l" defTabSz="860268" rtl="0" eaLnBrk="1" fontAlgn="auto" latinLnBrk="0" hangingPunct="1">
+              <a:lnSpc>
+                <a:spcPct val="100000"/>
+              </a:lnSpc>
+              <a:spcBef>
+                <a:spcPts val="0"/>
+              </a:spcBef>
+              <a:spcAft>
+                <a:spcPts val="0"/>
+              </a:spcAft>
+              <a:buClrTx/>
+              <a:buSzTx/>
+              <a:buFontTx/>
+              <a:buNone/>
+              <a:tabLst/>
+              <a:defRPr/>
+            </a:pPr>
+            <a:r>
+              <a:rPr lang="en-US" dirty="0"/>
+              <a:t>First name Last name</a:t>
+            </a:r>
+          </a:p>
+        </p:txBody>
+      </p:sp>
+      <p:sp>
+        <p:nvSpPr>
+          <p:cNvPr id="18" name="PSIGNPOST"/>
+          <p:cNvSpPr>
+            <a:spLocks noGrp="1"/>
+          </p:cNvSpPr>
+          <p:nvPr>
+            <p:ph type="body" sz="quarter" idx="14" hasCustomPrompt="1"/>
+            <p:custDataLst>
+              <p:tags r:id="rId10"/>
+            </p:custDataLst>
+          </p:nvPr>
+        </p:nvSpPr>
+        <p:spPr>
+          <a:xfrm>
+            <a:off x="8337600" y="1051200"/>
+            <a:ext cx="679400" cy="345800"/>
+          </a:xfrm>
+          <a:prstGeom prst="rect">
+            <a:avLst/>
+          </a:prstGeom>
+        </p:spPr>
+        <p:txBody>
+          <a:bodyPr wrap="none" lIns="0" tIns="46800" rIns="0" bIns="46800" anchor="t" anchorCtr="0"/>
+          <a:lstStyle>
+            <a:lvl1pPr marL="0" marR="0" indent="0" algn="r" defTabSz="860268" rtl="0" eaLnBrk="1" fontAlgn="auto" latinLnBrk="0" hangingPunct="1">
+              <a:lnSpc>
+                <a:spcPct val="100000"/>
+              </a:lnSpc>
+              <a:spcBef>
+                <a:spcPts val="0"/>
+              </a:spcBef>
+              <a:spcAft>
+                <a:spcPts val="0"/>
+              </a:spcAft>
+              <a:buClrTx/>
+              <a:buSzTx/>
+              <a:buFontTx/>
+              <a:buNone/>
+              <a:tabLst/>
+              <a:defRPr sz="1100" b="1" baseline="0">
+                <a:solidFill>
+                  <a:schemeClr val="tx1"/>
+                </a:solidFill>
+                <a:latin typeface="Barclays Effra" panose="020B0603020203020204" pitchFamily="34" charset="0"/>
+              </a:defRPr>
+            </a:lvl1pPr>
+          </a:lstStyle>
+          <a:p>
+            <a:pPr lvl="0"/>
+            <a:r>
+              <a:rPr lang="en-IN" dirty="0"/>
+              <a:t>Signpost</a:t>
+            </a:r>
+            <a:endParaRPr lang="en-US" dirty="0"/>
+          </a:p>
+        </p:txBody>
+      </p:sp>
+      <p:sp>
+        <p:nvSpPr>
+          <p:cNvPr id="2" name="STAMP" hidden="1">
+            <a:extLst>
+              <a:ext uri="{FF2B5EF4-FFF2-40B4-BE49-F238E27FC236}">
+                <a16:creationId xmlns:a16="http://schemas.microsoft.com/office/drawing/2014/main" id="{D111351E-6EF2-CA8F-7BE1-4195F1A00EE9}"/>
+              </a:ext>
+            </a:extLst>
+          </p:cNvPr>
+          <p:cNvSpPr txBox="1">
+            <a:spLocks/>
+          </p:cNvSpPr>
+          <p:nvPr userDrawn="1">
+            <p:custDataLst>
+              <p:tags r:id="rId11"/>
+            </p:custDataLst>
+          </p:nvPr>
+        </p:nvSpPr>
+        <p:spPr>
+          <a:xfrm>
+            <a:off x="1393200" y="1393200"/>
+            <a:ext cx="65" cy="319384"/>
+          </a:xfrm>
+          <a:prstGeom prst="rect">
+            <a:avLst/>
+          </a:prstGeom>
+        </p:spPr>
+        <p:txBody>
+          <a:bodyPr wrap="none" lIns="0" tIns="46800" rIns="0" bIns="46800">
+            <a:spAutoFit/>
+          </a:bodyPr>
+          <a:lstStyle>
+            <a:lvl1pPr marL="228600" indent="-228600" algn="r" defTabSz="1019175" rtl="0" eaLnBrk="1" fontAlgn="base" hangingPunct="1">
+              <a:lnSpc>
+                <a:spcPct val="110000"/>
+              </a:lnSpc>
+              <a:spcBef>
+                <a:spcPts val="1008"/>
+              </a:spcBef>
+              <a:spcAft>
+                <a:spcPct val="0"/>
+              </a:spcAft>
+              <a:buClr>
+                <a:schemeClr val="tx2"/>
+              </a:buClr>
+              <a:buSzPct val="100000"/>
+              <a:buFont typeface="Wingdings 2" pitchFamily="18" charset="2"/>
+              <a:buNone/>
+              <a:defRPr lang="en-US" sz="800" b="1">
+                <a:solidFill>
+                  <a:srgbClr val="00395C"/>
+                </a:solidFill>
+                <a:latin typeface="+mn-lt"/>
+                <a:ea typeface="+mn-ea"/>
+                <a:cs typeface="Arial" pitchFamily="34" charset="0"/>
+              </a:defRPr>
+            </a:lvl1pPr>
+            <a:lvl2pPr marL="457200" indent="-227013" algn="l" defTabSz="1019175" rtl="0" eaLnBrk="1" fontAlgn="base" hangingPunct="1">
+              <a:lnSpc>
+                <a:spcPct val="110000"/>
+              </a:lnSpc>
+              <a:spcBef>
+                <a:spcPts val="336"/>
+              </a:spcBef>
+              <a:spcAft>
+                <a:spcPct val="0"/>
+              </a:spcAft>
+              <a:buClr>
+                <a:schemeClr val="tx2"/>
+              </a:buClr>
+              <a:buSzPct val="85000"/>
+              <a:buFont typeface="Wingdings 2" pitchFamily="18" charset="2"/>
+              <a:buChar char=""/>
+              <a:defRPr lang="en-US" sz="1400" dirty="0" smtClean="0">
+                <a:solidFill>
+                  <a:schemeClr val="tx1"/>
+                </a:solidFill>
+                <a:latin typeface="+mn-lt"/>
+                <a:ea typeface="+mn-ea"/>
+                <a:cs typeface="+mn-cs"/>
+              </a:defRPr>
+            </a:lvl2pPr>
+            <a:lvl3pPr marL="685800" indent="-227013" algn="l" defTabSz="1019175" rtl="0" eaLnBrk="1" fontAlgn="base" hangingPunct="1">
+              <a:lnSpc>
+                <a:spcPct val="110000"/>
+              </a:lnSpc>
+              <a:spcBef>
+                <a:spcPts val="336"/>
+              </a:spcBef>
+              <a:spcAft>
+                <a:spcPct val="0"/>
+              </a:spcAft>
+              <a:buClr>
+                <a:schemeClr val="tx2"/>
+              </a:buClr>
+              <a:buSzPct val="100000"/>
+              <a:buFont typeface="Wingdings" pitchFamily="2" charset="2"/>
+              <a:buChar char=""/>
+              <a:defRPr lang="en-US" sz="1400" dirty="0" smtClean="0">
+                <a:solidFill>
+                  <a:schemeClr val="tx1"/>
+                </a:solidFill>
+                <a:latin typeface="+mn-lt"/>
+                <a:ea typeface="+mn-ea"/>
+                <a:cs typeface="+mn-cs"/>
+              </a:defRPr>
+            </a:lvl3pPr>
+            <a:lvl4pPr marL="912813" indent="-225425" algn="l" defTabSz="1019175" rtl="0" eaLnBrk="1" fontAlgn="base" hangingPunct="1">
+              <a:lnSpc>
+                <a:spcPct val="110000"/>
+              </a:lnSpc>
+              <a:spcBef>
+                <a:spcPts val="336"/>
+              </a:spcBef>
+              <a:spcAft>
+                <a:spcPct val="0"/>
+              </a:spcAft>
+              <a:buClr>
+                <a:schemeClr val="tx2"/>
+              </a:buClr>
+              <a:buSzPct val="80000"/>
+              <a:buFont typeface="Wingdings 3" pitchFamily="18" charset="2"/>
+              <a:buChar char=""/>
+              <a:defRPr lang="en-US" sz="1400" dirty="0" smtClean="0">
+                <a:solidFill>
+                  <a:schemeClr val="tx1"/>
+                </a:solidFill>
+                <a:latin typeface="+mn-lt"/>
+                <a:ea typeface="+mn-ea"/>
+                <a:cs typeface="+mn-cs"/>
+              </a:defRPr>
+            </a:lvl4pPr>
+            <a:lvl5pPr marL="1143000" indent="-228600" algn="l" defTabSz="1019175" rtl="0" eaLnBrk="1" fontAlgn="base" hangingPunct="1">
+              <a:lnSpc>
+                <a:spcPct val="110000"/>
+              </a:lnSpc>
+              <a:spcBef>
+                <a:spcPts val="336"/>
+              </a:spcBef>
+              <a:spcAft>
+                <a:spcPct val="0"/>
+              </a:spcAft>
+              <a:buClr>
+                <a:schemeClr val="tx2"/>
+              </a:buClr>
+              <a:buSzPct val="100000"/>
+              <a:buFont typeface="Wingdings 2" pitchFamily="18" charset="2"/>
+              <a:buChar char=""/>
+              <a:defRPr lang="en-US" sz="1400" dirty="0" smtClean="0">
+                <a:solidFill>
+                  <a:schemeClr val="tx1"/>
+                </a:solidFill>
+                <a:latin typeface="+mn-lt"/>
+                <a:ea typeface="+mn-ea"/>
+                <a:cs typeface="+mn-cs"/>
+              </a:defRPr>
+            </a:lvl5pPr>
+            <a:lvl6pPr marL="1374775" indent="-228600" algn="l" defTabSz="1019175" rtl="0" eaLnBrk="1" fontAlgn="base" hangingPunct="1">
+              <a:lnSpc>
+                <a:spcPct val="110000"/>
+              </a:lnSpc>
+              <a:spcBef>
+                <a:spcPts val="336"/>
+              </a:spcBef>
+              <a:spcAft>
+                <a:spcPct val="0"/>
+              </a:spcAft>
+              <a:buClr>
+                <a:schemeClr val="tx2"/>
+              </a:buClr>
+              <a:buSzPct val="85000"/>
+              <a:buFont typeface="Wingdings 2" pitchFamily="18" charset="2"/>
+              <a:buChar char="¡"/>
+              <a:defRPr lang="en-US" sz="1400" baseline="0" dirty="0" smtClean="0">
+                <a:solidFill>
+                  <a:schemeClr val="tx1"/>
+                </a:solidFill>
+                <a:latin typeface="+mn-lt"/>
+                <a:ea typeface="+mn-ea"/>
+                <a:cs typeface="+mn-cs"/>
+              </a:defRPr>
+            </a:lvl6pPr>
+            <a:lvl7pPr marL="1597025" indent="-222250" algn="l" defTabSz="1019175" rtl="0" eaLnBrk="1" fontAlgn="base" hangingPunct="1">
+              <a:lnSpc>
+                <a:spcPct val="110000"/>
+              </a:lnSpc>
+              <a:spcBef>
+                <a:spcPts val="336"/>
+              </a:spcBef>
+              <a:spcAft>
+                <a:spcPct val="0"/>
+              </a:spcAft>
+              <a:buClr>
+                <a:schemeClr val="tx2"/>
+              </a:buClr>
+              <a:buSzPct val="100000"/>
+              <a:buFont typeface="Wingdings" pitchFamily="2" charset="2"/>
+              <a:buChar char="w"/>
+              <a:defRPr lang="en-US" sz="1400" baseline="0" dirty="0" smtClean="0">
+                <a:solidFill>
+                  <a:schemeClr val="tx1"/>
+                </a:solidFill>
+                <a:latin typeface="+mn-lt"/>
+                <a:ea typeface="+mn-ea"/>
+                <a:cs typeface="+mn-cs"/>
+              </a:defRPr>
+            </a:lvl7pPr>
+            <a:lvl8pPr marL="1828800" indent="-231775" algn="l" defTabSz="1019175" rtl="0" eaLnBrk="1" fontAlgn="base" hangingPunct="1">
+              <a:lnSpc>
+                <a:spcPct val="110000"/>
+              </a:lnSpc>
+              <a:spcBef>
+                <a:spcPts val="336"/>
+              </a:spcBef>
+              <a:spcAft>
+                <a:spcPct val="0"/>
+              </a:spcAft>
+              <a:buClr>
+                <a:schemeClr val="tx2"/>
+              </a:buClr>
+              <a:buSzPct val="80000"/>
+              <a:buFont typeface="Wingdings 3" pitchFamily="18" charset="2"/>
+              <a:buChar char=""/>
+              <a:defRPr lang="en-US" sz="1400" baseline="0" dirty="0" smtClean="0">
+                <a:solidFill>
+                  <a:schemeClr val="tx1"/>
+                </a:solidFill>
+                <a:latin typeface="+mn-lt"/>
+                <a:ea typeface="+mn-ea"/>
+                <a:cs typeface="+mn-cs"/>
+              </a:defRPr>
+            </a:lvl8pPr>
+            <a:lvl9pPr marL="2057400" indent="-228600" algn="l" defTabSz="1019175" rtl="0" eaLnBrk="1" fontAlgn="base" hangingPunct="1">
+              <a:lnSpc>
+                <a:spcPct val="110000"/>
+              </a:lnSpc>
+              <a:spcBef>
+                <a:spcPts val="336"/>
+              </a:spcBef>
+              <a:spcAft>
+                <a:spcPct val="0"/>
+              </a:spcAft>
+              <a:buClr>
+                <a:schemeClr val="tx2"/>
+              </a:buClr>
+              <a:buSzPct val="100000"/>
+              <a:buFont typeface="Wingdings 2" pitchFamily="18" charset="2"/>
+              <a:buChar char=""/>
+              <a:defRPr lang="en-US" sz="1400" dirty="0" smtClean="0">
+                <a:solidFill>
+                  <a:schemeClr val="tx1"/>
+                </a:solidFill>
+                <a:latin typeface="+mn-lt"/>
+                <a:ea typeface="+mn-ea"/>
+                <a:cs typeface="+mn-cs"/>
+              </a:defRPr>
+            </a:lvl9pPr>
+          </a:lstStyle>
+          <a:p>
+            <a:pPr algn="l"/>
+            <a:endParaRPr kumimoji="0" lang="en-US" sz="1400" b="0" i="0" u="none" strike="noStrike" kern="0" cap="none" spc="0" normalizeH="0" baseline="0" noProof="0" dirty="0">
+              <a:ln>
+                <a:noFill/>
+              </a:ln>
+              <a:solidFill>
+                <a:srgbClr val="FF0000"/>
+              </a:solidFill>
+              <a:effectLst/>
+              <a:highlight>
+                <a:srgbClr val="FFFFFF"/>
+              </a:highlight>
+              <a:uLnTx/>
+              <a:uFillTx/>
+              <a:latin typeface="Barclays Effra" panose="020B0603020203020204" pitchFamily="34" charset="0"/>
+              <a:ea typeface="+mn-ea"/>
+              <a:cs typeface="Arial" pitchFamily="34" charset="0"/>
+            </a:endParaRPr>
+          </a:p>
+        </p:txBody>
+      </p:sp>
+      <p:pic>
+        <p:nvPicPr>
+          <p:cNvPr id="4" name="Picture 3">
+            <a:extLst>
+              <a:ext uri="{FF2B5EF4-FFF2-40B4-BE49-F238E27FC236}">
+                <a16:creationId xmlns:a16="http://schemas.microsoft.com/office/drawing/2014/main" id="{2D6BF519-FB94-B7F5-39CA-8DDE33726A29}"/>
+              </a:ext>
+            </a:extLst>
+          </p:cNvPr>
+          <p:cNvPicPr>
+            <a:picLocks noChangeAspect="1"/>
+          </p:cNvPicPr>
+          <p:nvPr userDrawn="1">
+            <p:custDataLst>
+              <p:tags r:id="rId12"/>
+            </p:custDataLst>
+          </p:nvPr>
+        </p:nvPicPr>
+        <p:blipFill>
+          <a:blip r:embed="rId15">
+            <a:extLst>
+              <a:ext uri="{28A0092B-C50C-407E-A947-70E740481C1C}">
+                <a14:useLocalDpi xmlns:a14="http://schemas.microsoft.com/office/drawing/2010/main" val="0"/>
+              </a:ext>
+            </a:extLst>
+          </a:blip>
+          <a:stretch>
+            <a:fillRect/>
+          </a:stretch>
+        </p:blipFill>
+        <p:spPr>
+          <a:xfrm>
+            <a:off x="1393200" y="5861304"/>
+            <a:ext cx="2548800" cy="432815"/>
+          </a:xfrm>
+          <a:prstGeom prst="rect">
+            <a:avLst/>
+          </a:prstGeom>
+        </p:spPr>
+      </p:pic>
+    </p:spTree>
+    <p:custDataLst>
+      <p:tags r:id="rId1"/>
+    </p:custDataLst>
+    <p:extLst>
+      <p:ext uri="{BB962C8B-B14F-4D97-AF65-F5344CB8AC3E}">
+        <p14:creationId xmlns:p14="http://schemas.microsoft.com/office/powerpoint/2010/main" val="776992413"/>
+      </p:ext>
+    </p:extLst>
+  </p:cSld>
+  <p:clrMapOvr>
+    <a:masterClrMapping/>
+  </p:clrMapOvr>
+  <p:extLst>
+    <p:ext uri="{DCECCB84-F9BA-43D5-87BE-67443E8EF086}">
+      <p15:sldGuideLst xmlns:p15="http://schemas.microsoft.com/office/powerpoint/2012/main">
+        <p15:guide id="1" orient="horz" pos="3720" userDrawn="1">
+          <p15:clr>
+            <a:srgbClr val="FBAE40"/>
+          </p15:clr>
+        </p15:guide>
+        <p15:guide id="2" orient="horz" pos="3960" userDrawn="1">
+          <p15:clr>
+            <a:srgbClr val="FBAE40"/>
+          </p15:clr>
+        </p15:guide>
+      </p15:sldGuideLst>
+    </p:ext>
+  </p:extLst>
+</p:sldLayout>
+</file>
+
+<file path=ppt/slideLayouts/slideLayout20.xml><?xml version="1.0" encoding="utf-8"?>
 <p:sldLayout xmlns:a="http://schemas.openxmlformats.org/drawingml/2006/main" xmlns:r="http://schemas.openxmlformats.org/officeDocument/2006/relationships" xmlns:p="http://schemas.openxmlformats.org/presentationml/2006/main" showMasterSp="0" preserve="1" userDrawn="1">
   <p:cSld name="CoverPage Single Logo">
     <p:bg>
@@ -9927,2134 +12190,7 @@
 </p:sldLayout>
 </file>
 
-<file path=ppt/slideLayouts/slideLayout2.xml><?xml version="1.0" encoding="utf-8"?>
-<p:sldLayout xmlns:a="http://schemas.openxmlformats.org/drawingml/2006/main" xmlns:r="http://schemas.openxmlformats.org/officeDocument/2006/relationships" xmlns:p="http://schemas.openxmlformats.org/presentationml/2006/main" showMasterSp="0" preserve="1" userDrawn="1">
-  <p:cSld name="CoverPage Single Logo">
-    <p:bg>
-      <p:bgPr>
-        <a:solidFill>
-          <a:schemeClr val="accent1"/>
-        </a:solidFill>
-        <a:effectLst/>
-      </p:bgPr>
-    </p:bg>
-    <p:spTree>
-      <p:nvGrpSpPr>
-        <p:cNvPr id="1" name=""/>
-        <p:cNvGrpSpPr/>
-        <p:nvPr/>
-      </p:nvGrpSpPr>
-      <p:grpSpPr>
-        <a:xfrm>
-          <a:off x="0" y="0"/>
-          <a:ext cx="0" cy="0"/>
-          <a:chOff x="0" y="0"/>
-          <a:chExt cx="0" cy="0"/>
-        </a:xfrm>
-      </p:grpSpPr>
-      <p:sp>
-        <p:nvSpPr>
-          <p:cNvPr id="13" name="Freeform 12" hidden="1"/>
-          <p:cNvSpPr/>
-          <p:nvPr userDrawn="1">
-            <p:custDataLst>
-              <p:tags r:id="rId2"/>
-            </p:custDataLst>
-          </p:nvPr>
-        </p:nvSpPr>
-        <p:spPr bwMode="auto">
-          <a:xfrm>
-            <a:off x="0" y="0"/>
-            <a:ext cx="10058400" cy="7772401"/>
-          </a:xfrm>
-          <a:custGeom>
-            <a:avLst/>
-            <a:gdLst>
-              <a:gd name="connsiteX0" fmla="*/ 874800 w 10058400"/>
-              <a:gd name="connsiteY0" fmla="*/ 873125 h 7772401"/>
-              <a:gd name="connsiteX1" fmla="*/ 874800 w 10058400"/>
-              <a:gd name="connsiteY1" fmla="*/ 6899276 h 7772401"/>
-              <a:gd name="connsiteX2" fmla="*/ 9183600 w 10058400"/>
-              <a:gd name="connsiteY2" fmla="*/ 6899276 h 7772401"/>
-              <a:gd name="connsiteX3" fmla="*/ 9183600 w 10058400"/>
-              <a:gd name="connsiteY3" fmla="*/ 873125 h 7772401"/>
-              <a:gd name="connsiteX4" fmla="*/ 0 w 10058400"/>
-              <a:gd name="connsiteY4" fmla="*/ 0 h 7772401"/>
-              <a:gd name="connsiteX5" fmla="*/ 874800 w 10058400"/>
-              <a:gd name="connsiteY5" fmla="*/ 0 h 7772401"/>
-              <a:gd name="connsiteX6" fmla="*/ 10058400 w 10058400"/>
-              <a:gd name="connsiteY6" fmla="*/ 0 h 7772401"/>
-              <a:gd name="connsiteX7" fmla="*/ 10058400 w 10058400"/>
-              <a:gd name="connsiteY7" fmla="*/ 1 h 7772401"/>
-              <a:gd name="connsiteX8" fmla="*/ 10058400 w 10058400"/>
-              <a:gd name="connsiteY8" fmla="*/ 873125 h 7772401"/>
-              <a:gd name="connsiteX9" fmla="*/ 10058400 w 10058400"/>
-              <a:gd name="connsiteY9" fmla="*/ 6899276 h 7772401"/>
-              <a:gd name="connsiteX10" fmla="*/ 10058400 w 10058400"/>
-              <a:gd name="connsiteY10" fmla="*/ 7772401 h 7772401"/>
-              <a:gd name="connsiteX11" fmla="*/ 9183600 w 10058400"/>
-              <a:gd name="connsiteY11" fmla="*/ 7772401 h 7772401"/>
-              <a:gd name="connsiteX12" fmla="*/ 0 w 10058400"/>
-              <a:gd name="connsiteY12" fmla="*/ 7772401 h 7772401"/>
-              <a:gd name="connsiteX13" fmla="*/ 0 w 10058400"/>
-              <a:gd name="connsiteY13" fmla="*/ 7772400 h 7772401"/>
-              <a:gd name="connsiteX14" fmla="*/ 0 w 10058400"/>
-              <a:gd name="connsiteY14" fmla="*/ 6899276 h 7772401"/>
-              <a:gd name="connsiteX15" fmla="*/ 0 w 10058400"/>
-              <a:gd name="connsiteY15" fmla="*/ 873125 h 7772401"/>
-            </a:gdLst>
-            <a:ahLst/>
-            <a:cxnLst>
-              <a:cxn ang="0">
-                <a:pos x="connsiteX0" y="connsiteY0"/>
-              </a:cxn>
-              <a:cxn ang="0">
-                <a:pos x="connsiteX1" y="connsiteY1"/>
-              </a:cxn>
-              <a:cxn ang="0">
-                <a:pos x="connsiteX2" y="connsiteY2"/>
-              </a:cxn>
-              <a:cxn ang="0">
-                <a:pos x="connsiteX3" y="connsiteY3"/>
-              </a:cxn>
-              <a:cxn ang="0">
-                <a:pos x="connsiteX4" y="connsiteY4"/>
-              </a:cxn>
-              <a:cxn ang="0">
-                <a:pos x="connsiteX5" y="connsiteY5"/>
-              </a:cxn>
-              <a:cxn ang="0">
-                <a:pos x="connsiteX6" y="connsiteY6"/>
-              </a:cxn>
-              <a:cxn ang="0">
-                <a:pos x="connsiteX7" y="connsiteY7"/>
-              </a:cxn>
-              <a:cxn ang="0">
-                <a:pos x="connsiteX8" y="connsiteY8"/>
-              </a:cxn>
-              <a:cxn ang="0">
-                <a:pos x="connsiteX9" y="connsiteY9"/>
-              </a:cxn>
-              <a:cxn ang="0">
-                <a:pos x="connsiteX10" y="connsiteY10"/>
-              </a:cxn>
-              <a:cxn ang="0">
-                <a:pos x="connsiteX11" y="connsiteY11"/>
-              </a:cxn>
-              <a:cxn ang="0">
-                <a:pos x="connsiteX12" y="connsiteY12"/>
-              </a:cxn>
-              <a:cxn ang="0">
-                <a:pos x="connsiteX13" y="connsiteY13"/>
-              </a:cxn>
-              <a:cxn ang="0">
-                <a:pos x="connsiteX14" y="connsiteY14"/>
-              </a:cxn>
-              <a:cxn ang="0">
-                <a:pos x="connsiteX15" y="connsiteY15"/>
-              </a:cxn>
-            </a:cxnLst>
-            <a:rect l="l" t="t" r="r" b="b"/>
-            <a:pathLst>
-              <a:path w="10058400" h="7772401">
-                <a:moveTo>
-                  <a:pt x="874800" y="873125"/>
-                </a:moveTo>
-                <a:lnTo>
-                  <a:pt x="874800" y="6899276"/>
-                </a:lnTo>
-                <a:lnTo>
-                  <a:pt x="9183600" y="6899276"/>
-                </a:lnTo>
-                <a:lnTo>
-                  <a:pt x="9183600" y="873125"/>
-                </a:lnTo>
-                <a:close/>
-                <a:moveTo>
-                  <a:pt x="0" y="0"/>
-                </a:moveTo>
-                <a:lnTo>
-                  <a:pt x="874800" y="0"/>
-                </a:lnTo>
-                <a:lnTo>
-                  <a:pt x="10058400" y="0"/>
-                </a:lnTo>
-                <a:lnTo>
-                  <a:pt x="10058400" y="1"/>
-                </a:lnTo>
-                <a:lnTo>
-                  <a:pt x="10058400" y="873125"/>
-                </a:lnTo>
-                <a:lnTo>
-                  <a:pt x="10058400" y="6899276"/>
-                </a:lnTo>
-                <a:lnTo>
-                  <a:pt x="10058400" y="7772401"/>
-                </a:lnTo>
-                <a:lnTo>
-                  <a:pt x="9183600" y="7772401"/>
-                </a:lnTo>
-                <a:lnTo>
-                  <a:pt x="0" y="7772401"/>
-                </a:lnTo>
-                <a:lnTo>
-                  <a:pt x="0" y="7772400"/>
-                </a:lnTo>
-                <a:lnTo>
-                  <a:pt x="0" y="6899276"/>
-                </a:lnTo>
-                <a:lnTo>
-                  <a:pt x="0" y="873125"/>
-                </a:lnTo>
-                <a:close/>
-              </a:path>
-            </a:pathLst>
-          </a:custGeom>
-          <a:solidFill>
-            <a:srgbClr val="00AEEF"/>
-          </a:solidFill>
-          <a:ln w="9525" cap="flat" cmpd="sng" algn="ctr">
-            <a:noFill/>
-            <a:prstDash val="solid"/>
-            <a:round/>
-            <a:headEnd type="none" w="med" len="med"/>
-            <a:tailEnd type="none" w="med" len="med"/>
-          </a:ln>
-          <a:effectLst/>
-        </p:spPr>
-        <p:txBody>
-          <a:bodyPr vert="horz" wrap="square" lIns="0" tIns="0" rIns="0" bIns="0" numCol="1" rtlCol="0" anchor="ctr" anchorCtr="0" compatLnSpc="1">
-            <a:prstTxWarp prst="textNoShape">
-              <a:avLst/>
-            </a:prstTxWarp>
-            <a:noAutofit/>
-          </a:bodyPr>
-          <a:lstStyle/>
-          <a:p>
-            <a:pPr marL="0" marR="0" indent="0" algn="l" defTabSz="836696" rtl="0" eaLnBrk="1" fontAlgn="base" latinLnBrk="0" hangingPunct="1">
-              <a:lnSpc>
-                <a:spcPct val="100000"/>
-              </a:lnSpc>
-              <a:spcBef>
-                <a:spcPct val="0"/>
-              </a:spcBef>
-              <a:spcAft>
-                <a:spcPct val="0"/>
-              </a:spcAft>
-              <a:buClrTx/>
-              <a:buSzTx/>
-              <a:buFontTx/>
-              <a:buNone/>
-              <a:tabLst/>
-            </a:pPr>
-            <a:endParaRPr kumimoji="0" lang="en-GB" sz="3294" b="0" i="0" u="none" strike="noStrike" cap="none" normalizeH="0" baseline="0">
-              <a:ln>
-                <a:noFill/>
-              </a:ln>
-              <a:solidFill>
-                <a:schemeClr val="bg2"/>
-              </a:solidFill>
-              <a:effectLst/>
-              <a:latin typeface="Barclays Effra" panose="020B0603020203020204" pitchFamily="34" charset="0"/>
-            </a:endParaRPr>
-          </a:p>
-        </p:txBody>
-      </p:sp>
-      <p:sp>
-        <p:nvSpPr>
-          <p:cNvPr id="11" name="Rectangle 10"/>
-          <p:cNvSpPr/>
-          <p:nvPr userDrawn="1"/>
-        </p:nvSpPr>
-        <p:spPr>
-          <a:xfrm>
-            <a:off x="960438" y="969963"/>
-            <a:ext cx="8137525" cy="5832476"/>
-          </a:xfrm>
-          <a:prstGeom prst="rect">
-            <a:avLst/>
-          </a:prstGeom>
-          <a:solidFill>
-            <a:schemeClr val="bg1"/>
-          </a:solidFill>
-          <a:ln>
-            <a:solidFill>
-              <a:schemeClr val="bg1"/>
-            </a:solidFill>
-          </a:ln>
-        </p:spPr>
-        <p:style>
-          <a:lnRef idx="2">
-            <a:schemeClr val="accent1">
-              <a:shade val="50000"/>
-            </a:schemeClr>
-          </a:lnRef>
-          <a:fillRef idx="1">
-            <a:schemeClr val="accent1"/>
-          </a:fillRef>
-          <a:effectRef idx="0">
-            <a:schemeClr val="accent1"/>
-          </a:effectRef>
-          <a:fontRef idx="minor">
-            <a:schemeClr val="lt1"/>
-          </a:fontRef>
-        </p:style>
-        <p:txBody>
-          <a:bodyPr rtlCol="0" anchor="ctr"/>
-          <a:lstStyle/>
-          <a:p>
-            <a:pPr algn="l"/>
-            <a:endParaRPr lang="en-GB" sz="2400" dirty="0">
-              <a:latin typeface="Barclays Effra" panose="020B0603020203020204" pitchFamily="34" charset="0"/>
-            </a:endParaRPr>
-          </a:p>
-        </p:txBody>
-      </p:sp>
-      <p:sp>
-        <p:nvSpPr>
-          <p:cNvPr id="22" name="CLOGO"/>
-          <p:cNvSpPr>
-            <a:spLocks noGrp="1"/>
-          </p:cNvSpPr>
-          <p:nvPr>
-            <p:ph type="body" sz="quarter" idx="12" hasCustomPrompt="1"/>
-            <p:custDataLst>
-              <p:tags r:id="rId3"/>
-            </p:custDataLst>
-          </p:nvPr>
-        </p:nvSpPr>
-        <p:spPr>
-          <a:xfrm>
-            <a:off x="6751500" y="5862377"/>
-            <a:ext cx="1929384" cy="630936"/>
-          </a:xfrm>
-          <a:prstGeom prst="rect">
-            <a:avLst/>
-          </a:prstGeom>
-        </p:spPr>
-        <p:txBody>
-          <a:bodyPr anchor="ctr"/>
-          <a:lstStyle>
-            <a:lvl1pPr marL="0" marR="0" indent="0" algn="ctr" defTabSz="860268" eaLnBrk="1" fontAlgn="auto" latinLnBrk="0" hangingPunct="1">
-              <a:lnSpc>
-                <a:spcPct val="100000"/>
-              </a:lnSpc>
-              <a:spcBef>
-                <a:spcPts val="0"/>
-              </a:spcBef>
-              <a:spcAft>
-                <a:spcPts val="0"/>
-              </a:spcAft>
-              <a:buClrTx/>
-              <a:buSzTx/>
-              <a:buFontTx/>
-              <a:buNone/>
-              <a:tabLst/>
-              <a:defRPr sz="1223" baseline="0">
-                <a:solidFill>
-                  <a:schemeClr val="accent1"/>
-                </a:solidFill>
-                <a:latin typeface="Barclays Effra" panose="020B0603020203020204" pitchFamily="34" charset="0"/>
-              </a:defRPr>
-            </a:lvl1pPr>
-          </a:lstStyle>
-          <a:p>
-            <a:pPr marL="0" marR="0" lvl="0" indent="0" algn="ctr" defTabSz="860268" eaLnBrk="1" fontAlgn="auto" latinLnBrk="0" hangingPunct="1">
-              <a:lnSpc>
-                <a:spcPct val="100000"/>
-              </a:lnSpc>
-              <a:spcBef>
-                <a:spcPts val="0"/>
-              </a:spcBef>
-              <a:spcAft>
-                <a:spcPts val="0"/>
-              </a:spcAft>
-              <a:buClrTx/>
-              <a:buSzTx/>
-              <a:buFontTx/>
-              <a:buNone/>
-              <a:tabLst/>
-              <a:defRPr/>
-            </a:pPr>
-            <a:r>
-              <a:rPr kumimoji="0" lang="en-US" sz="1223" b="0" i="0" u="none" strike="noStrike" kern="0" cap="none" spc="0" normalizeH="0" baseline="0" noProof="0" dirty="0">
-                <a:ln>
-                  <a:noFill/>
-                </a:ln>
-                <a:solidFill>
-                  <a:schemeClr val="tx1"/>
-                </a:solidFill>
-                <a:effectLst/>
-                <a:uLnTx/>
-                <a:uFillTx/>
-              </a:rPr>
-              <a:t>Client Cover Logo</a:t>
-            </a:r>
-          </a:p>
-        </p:txBody>
-      </p:sp>
-      <p:sp>
-        <p:nvSpPr>
-          <p:cNvPr id="20" name="PTITLE"/>
-          <p:cNvSpPr>
-            <a:spLocks noGrp="1" noChangeArrowheads="1"/>
-          </p:cNvSpPr>
-          <p:nvPr>
-            <p:ph type="ctrTitle" hasCustomPrompt="1"/>
-            <p:custDataLst>
-              <p:tags r:id="rId4"/>
-            </p:custDataLst>
-          </p:nvPr>
-        </p:nvSpPr>
-        <p:spPr>
-          <a:xfrm>
-            <a:off x="1393200" y="3042000"/>
-            <a:ext cx="7269480" cy="471600"/>
-          </a:xfrm>
-          <a:prstGeom prst="rect">
-            <a:avLst/>
-          </a:prstGeom>
-        </p:spPr>
-        <p:txBody>
-          <a:bodyPr vert="horz" wrap="square" lIns="0" tIns="0" rIns="0" bIns="0" rtlCol="0" anchor="b">
-            <a:noAutofit/>
-          </a:bodyPr>
-          <a:lstStyle>
-            <a:lvl1pPr>
-              <a:defRPr lang="en-US" sz="3400" b="1" kern="1200" dirty="0">
-                <a:latin typeface="Barclays Effra" panose="020B0603020203020204" pitchFamily="34" charset="0"/>
-              </a:defRPr>
-            </a:lvl1pPr>
-          </a:lstStyle>
-          <a:p>
-            <a:pPr lvl="0" defTabSz="920366" latinLnBrk="0">
-              <a:lnSpc>
-                <a:spcPct val="90000"/>
-              </a:lnSpc>
-              <a:buNone/>
-            </a:pPr>
-            <a:r>
-              <a:rPr lang="en-US" dirty="0"/>
-              <a:t>Heading</a:t>
-            </a:r>
-          </a:p>
-        </p:txBody>
-      </p:sp>
-      <p:sp>
-        <p:nvSpPr>
-          <p:cNvPr id="12" name="EAGLE_CYAN" hidden="1"/>
-          <p:cNvSpPr>
-            <a:spLocks/>
-          </p:cNvSpPr>
-          <p:nvPr userDrawn="1">
-            <p:custDataLst>
-              <p:tags r:id="rId5"/>
-            </p:custDataLst>
-          </p:nvPr>
-        </p:nvSpPr>
-        <p:spPr bwMode="auto">
-          <a:xfrm>
-            <a:off x="9207501" y="200025"/>
-            <a:ext cx="604837" cy="647700"/>
-          </a:xfrm>
-          <a:custGeom>
-            <a:avLst/>
-            <a:gdLst>
-              <a:gd name="T0" fmla="*/ 1112 w 1118"/>
-              <a:gd name="T1" fmla="*/ 561 h 1200"/>
-              <a:gd name="T2" fmla="*/ 1013 w 1118"/>
-              <a:gd name="T3" fmla="*/ 853 h 1200"/>
-              <a:gd name="T4" fmla="*/ 995 w 1118"/>
-              <a:gd name="T5" fmla="*/ 881 h 1200"/>
-              <a:gd name="T6" fmla="*/ 980 w 1118"/>
-              <a:gd name="T7" fmla="*/ 865 h 1200"/>
-              <a:gd name="T8" fmla="*/ 906 w 1118"/>
-              <a:gd name="T9" fmla="*/ 761 h 1200"/>
-              <a:gd name="T10" fmla="*/ 895 w 1118"/>
-              <a:gd name="T11" fmla="*/ 758 h 1200"/>
-              <a:gd name="T12" fmla="*/ 891 w 1118"/>
-              <a:gd name="T13" fmla="*/ 834 h 1200"/>
-              <a:gd name="T14" fmla="*/ 931 w 1118"/>
-              <a:gd name="T15" fmla="*/ 925 h 1200"/>
-              <a:gd name="T16" fmla="*/ 938 w 1118"/>
-              <a:gd name="T17" fmla="*/ 955 h 1200"/>
-              <a:gd name="T18" fmla="*/ 832 w 1118"/>
-              <a:gd name="T19" fmla="*/ 857 h 1200"/>
-              <a:gd name="T20" fmla="*/ 759 w 1118"/>
-              <a:gd name="T21" fmla="*/ 730 h 1200"/>
-              <a:gd name="T22" fmla="*/ 743 w 1118"/>
-              <a:gd name="T23" fmla="*/ 742 h 1200"/>
-              <a:gd name="T24" fmla="*/ 770 w 1118"/>
-              <a:gd name="T25" fmla="*/ 867 h 1200"/>
-              <a:gd name="T26" fmla="*/ 864 w 1118"/>
-              <a:gd name="T27" fmla="*/ 1015 h 1200"/>
-              <a:gd name="T28" fmla="*/ 854 w 1118"/>
-              <a:gd name="T29" fmla="*/ 1036 h 1200"/>
-              <a:gd name="T30" fmla="*/ 719 w 1118"/>
-              <a:gd name="T31" fmla="*/ 1129 h 1200"/>
-              <a:gd name="T32" fmla="*/ 399 w 1118"/>
-              <a:gd name="T33" fmla="*/ 1129 h 1200"/>
-              <a:gd name="T34" fmla="*/ 263 w 1118"/>
-              <a:gd name="T35" fmla="*/ 1035 h 1200"/>
-              <a:gd name="T36" fmla="*/ 257 w 1118"/>
-              <a:gd name="T37" fmla="*/ 1011 h 1200"/>
-              <a:gd name="T38" fmla="*/ 379 w 1118"/>
-              <a:gd name="T39" fmla="*/ 770 h 1200"/>
-              <a:gd name="T40" fmla="*/ 365 w 1118"/>
-              <a:gd name="T41" fmla="*/ 733 h 1200"/>
-              <a:gd name="T42" fmla="*/ 356 w 1118"/>
-              <a:gd name="T43" fmla="*/ 737 h 1200"/>
-              <a:gd name="T44" fmla="*/ 209 w 1118"/>
-              <a:gd name="T45" fmla="*/ 940 h 1200"/>
-              <a:gd name="T46" fmla="*/ 178 w 1118"/>
-              <a:gd name="T47" fmla="*/ 955 h 1200"/>
-              <a:gd name="T48" fmla="*/ 187 w 1118"/>
-              <a:gd name="T49" fmla="*/ 925 h 1200"/>
-              <a:gd name="T50" fmla="*/ 226 w 1118"/>
-              <a:gd name="T51" fmla="*/ 834 h 1200"/>
-              <a:gd name="T52" fmla="*/ 223 w 1118"/>
-              <a:gd name="T53" fmla="*/ 758 h 1200"/>
-              <a:gd name="T54" fmla="*/ 211 w 1118"/>
-              <a:gd name="T55" fmla="*/ 761 h 1200"/>
-              <a:gd name="T56" fmla="*/ 138 w 1118"/>
-              <a:gd name="T57" fmla="*/ 865 h 1200"/>
-              <a:gd name="T58" fmla="*/ 122 w 1118"/>
-              <a:gd name="T59" fmla="*/ 881 h 1200"/>
-              <a:gd name="T60" fmla="*/ 42 w 1118"/>
-              <a:gd name="T61" fmla="*/ 722 h 1200"/>
-              <a:gd name="T62" fmla="*/ 5 w 1118"/>
-              <a:gd name="T63" fmla="*/ 413 h 1200"/>
-              <a:gd name="T64" fmla="*/ 157 w 1118"/>
-              <a:gd name="T65" fmla="*/ 154 h 1200"/>
-              <a:gd name="T66" fmla="*/ 292 w 1118"/>
-              <a:gd name="T67" fmla="*/ 183 h 1200"/>
-              <a:gd name="T68" fmla="*/ 274 w 1118"/>
-              <a:gd name="T69" fmla="*/ 266 h 1200"/>
-              <a:gd name="T70" fmla="*/ 270 w 1118"/>
-              <a:gd name="T71" fmla="*/ 277 h 1200"/>
-              <a:gd name="T72" fmla="*/ 380 w 1118"/>
-              <a:gd name="T73" fmla="*/ 311 h 1200"/>
-              <a:gd name="T74" fmla="*/ 460 w 1118"/>
-              <a:gd name="T75" fmla="*/ 125 h 1200"/>
-              <a:gd name="T76" fmla="*/ 348 w 1118"/>
-              <a:gd name="T77" fmla="*/ 108 h 1200"/>
-              <a:gd name="T78" fmla="*/ 343 w 1118"/>
-              <a:gd name="T79" fmla="*/ 79 h 1200"/>
-              <a:gd name="T80" fmla="*/ 415 w 1118"/>
-              <a:gd name="T81" fmla="*/ 21 h 1200"/>
-              <a:gd name="T82" fmla="*/ 467 w 1118"/>
-              <a:gd name="T83" fmla="*/ 17 h 1200"/>
-              <a:gd name="T84" fmla="*/ 515 w 1118"/>
-              <a:gd name="T85" fmla="*/ 0 h 1200"/>
-              <a:gd name="T86" fmla="*/ 610 w 1118"/>
-              <a:gd name="T87" fmla="*/ 24 h 1200"/>
-              <a:gd name="T88" fmla="*/ 651 w 1118"/>
-              <a:gd name="T89" fmla="*/ 141 h 1200"/>
-              <a:gd name="T90" fmla="*/ 760 w 1118"/>
-              <a:gd name="T91" fmla="*/ 310 h 1200"/>
-              <a:gd name="T92" fmla="*/ 847 w 1118"/>
-              <a:gd name="T93" fmla="*/ 279 h 1200"/>
-              <a:gd name="T94" fmla="*/ 842 w 1118"/>
-              <a:gd name="T95" fmla="*/ 266 h 1200"/>
-              <a:gd name="T96" fmla="*/ 826 w 1118"/>
-              <a:gd name="T97" fmla="*/ 183 h 1200"/>
-              <a:gd name="T98" fmla="*/ 913 w 1118"/>
-              <a:gd name="T99" fmla="*/ 147 h 1200"/>
-              <a:gd name="T100" fmla="*/ 1013 w 1118"/>
-              <a:gd name="T101" fmla="*/ 182 h 1200"/>
-              <a:gd name="T102" fmla="*/ 1112 w 1118"/>
-              <a:gd name="T103" fmla="*/ 413 h 1200"/>
-            </a:gdLst>
-            <a:ahLst/>
-            <a:cxnLst>
-              <a:cxn ang="0">
-                <a:pos x="T0" y="T1"/>
-              </a:cxn>
-              <a:cxn ang="0">
-                <a:pos x="T2" y="T3"/>
-              </a:cxn>
-              <a:cxn ang="0">
-                <a:pos x="T4" y="T5"/>
-              </a:cxn>
-              <a:cxn ang="0">
-                <a:pos x="T6" y="T7"/>
-              </a:cxn>
-              <a:cxn ang="0">
-                <a:pos x="T8" y="T9"/>
-              </a:cxn>
-              <a:cxn ang="0">
-                <a:pos x="T10" y="T11"/>
-              </a:cxn>
-              <a:cxn ang="0">
-                <a:pos x="T12" y="T13"/>
-              </a:cxn>
-              <a:cxn ang="0">
-                <a:pos x="T14" y="T15"/>
-              </a:cxn>
-              <a:cxn ang="0">
-                <a:pos x="T16" y="T17"/>
-              </a:cxn>
-              <a:cxn ang="0">
-                <a:pos x="T18" y="T19"/>
-              </a:cxn>
-              <a:cxn ang="0">
-                <a:pos x="T20" y="T21"/>
-              </a:cxn>
-              <a:cxn ang="0">
-                <a:pos x="T22" y="T23"/>
-              </a:cxn>
-              <a:cxn ang="0">
-                <a:pos x="T24" y="T25"/>
-              </a:cxn>
-              <a:cxn ang="0">
-                <a:pos x="T26" y="T27"/>
-              </a:cxn>
-              <a:cxn ang="0">
-                <a:pos x="T28" y="T29"/>
-              </a:cxn>
-              <a:cxn ang="0">
-                <a:pos x="T30" y="T31"/>
-              </a:cxn>
-              <a:cxn ang="0">
-                <a:pos x="T32" y="T33"/>
-              </a:cxn>
-              <a:cxn ang="0">
-                <a:pos x="T34" y="T35"/>
-              </a:cxn>
-              <a:cxn ang="0">
-                <a:pos x="T36" y="T37"/>
-              </a:cxn>
-              <a:cxn ang="0">
-                <a:pos x="T38" y="T39"/>
-              </a:cxn>
-              <a:cxn ang="0">
-                <a:pos x="T40" y="T41"/>
-              </a:cxn>
-              <a:cxn ang="0">
-                <a:pos x="T42" y="T43"/>
-              </a:cxn>
-              <a:cxn ang="0">
-                <a:pos x="T44" y="T45"/>
-              </a:cxn>
-              <a:cxn ang="0">
-                <a:pos x="T46" y="T47"/>
-              </a:cxn>
-              <a:cxn ang="0">
-                <a:pos x="T48" y="T49"/>
-              </a:cxn>
-              <a:cxn ang="0">
-                <a:pos x="T50" y="T51"/>
-              </a:cxn>
-              <a:cxn ang="0">
-                <a:pos x="T52" y="T53"/>
-              </a:cxn>
-              <a:cxn ang="0">
-                <a:pos x="T54" y="T55"/>
-              </a:cxn>
-              <a:cxn ang="0">
-                <a:pos x="T56" y="T57"/>
-              </a:cxn>
-              <a:cxn ang="0">
-                <a:pos x="T58" y="T59"/>
-              </a:cxn>
-              <a:cxn ang="0">
-                <a:pos x="T60" y="T61"/>
-              </a:cxn>
-              <a:cxn ang="0">
-                <a:pos x="T62" y="T63"/>
-              </a:cxn>
-              <a:cxn ang="0">
-                <a:pos x="T64" y="T65"/>
-              </a:cxn>
-              <a:cxn ang="0">
-                <a:pos x="T66" y="T67"/>
-              </a:cxn>
-              <a:cxn ang="0">
-                <a:pos x="T68" y="T69"/>
-              </a:cxn>
-              <a:cxn ang="0">
-                <a:pos x="T70" y="T71"/>
-              </a:cxn>
-              <a:cxn ang="0">
-                <a:pos x="T72" y="T73"/>
-              </a:cxn>
-              <a:cxn ang="0">
-                <a:pos x="T74" y="T75"/>
-              </a:cxn>
-              <a:cxn ang="0">
-                <a:pos x="T76" y="T77"/>
-              </a:cxn>
-              <a:cxn ang="0">
-                <a:pos x="T78" y="T79"/>
-              </a:cxn>
-              <a:cxn ang="0">
-                <a:pos x="T80" y="T81"/>
-              </a:cxn>
-              <a:cxn ang="0">
-                <a:pos x="T82" y="T83"/>
-              </a:cxn>
-              <a:cxn ang="0">
-                <a:pos x="T84" y="T85"/>
-              </a:cxn>
-              <a:cxn ang="0">
-                <a:pos x="T86" y="T87"/>
-              </a:cxn>
-              <a:cxn ang="0">
-                <a:pos x="T88" y="T89"/>
-              </a:cxn>
-              <a:cxn ang="0">
-                <a:pos x="T90" y="T91"/>
-              </a:cxn>
-              <a:cxn ang="0">
-                <a:pos x="T92" y="T93"/>
-              </a:cxn>
-              <a:cxn ang="0">
-                <a:pos x="T94" y="T95"/>
-              </a:cxn>
-              <a:cxn ang="0">
-                <a:pos x="T96" y="T97"/>
-              </a:cxn>
-              <a:cxn ang="0">
-                <a:pos x="T98" y="T99"/>
-              </a:cxn>
-              <a:cxn ang="0">
-                <a:pos x="T100" y="T101"/>
-              </a:cxn>
-              <a:cxn ang="0">
-                <a:pos x="T102" y="T103"/>
-              </a:cxn>
-            </a:cxnLst>
-            <a:rect l="0" t="0" r="r" b="b"/>
-            <a:pathLst>
-              <a:path w="1118" h="1200">
-                <a:moveTo>
-                  <a:pt x="1112" y="413"/>
-                </a:moveTo>
-                <a:cubicBezTo>
-                  <a:pt x="1118" y="470"/>
-                  <a:pt x="1115" y="518"/>
-                  <a:pt x="1112" y="561"/>
-                </a:cubicBezTo>
-                <a:cubicBezTo>
-                  <a:pt x="1105" y="633"/>
-                  <a:pt x="1093" y="676"/>
-                  <a:pt x="1076" y="722"/>
-                </a:cubicBezTo>
-                <a:cubicBezTo>
-                  <a:pt x="1058" y="769"/>
-                  <a:pt x="1036" y="815"/>
-                  <a:pt x="1013" y="853"/>
-                </a:cubicBezTo>
-                <a:cubicBezTo>
-                  <a:pt x="1011" y="856"/>
-                  <a:pt x="1011" y="856"/>
-                  <a:pt x="1011" y="856"/>
-                </a:cubicBezTo>
-                <a:cubicBezTo>
-                  <a:pt x="1004" y="868"/>
-                  <a:pt x="998" y="877"/>
-                  <a:pt x="995" y="881"/>
-                </a:cubicBezTo>
-                <a:cubicBezTo>
-                  <a:pt x="995" y="881"/>
-                  <a:pt x="994" y="880"/>
-                  <a:pt x="993" y="879"/>
-                </a:cubicBezTo>
-                <a:cubicBezTo>
-                  <a:pt x="990" y="876"/>
-                  <a:pt x="986" y="872"/>
-                  <a:pt x="980" y="865"/>
-                </a:cubicBezTo>
-                <a:cubicBezTo>
-                  <a:pt x="970" y="856"/>
-                  <a:pt x="943" y="821"/>
-                  <a:pt x="936" y="810"/>
-                </a:cubicBezTo>
-                <a:cubicBezTo>
-                  <a:pt x="929" y="800"/>
-                  <a:pt x="914" y="778"/>
-                  <a:pt x="906" y="761"/>
-                </a:cubicBezTo>
-                <a:cubicBezTo>
-                  <a:pt x="902" y="752"/>
-                  <a:pt x="902" y="752"/>
-                  <a:pt x="902" y="752"/>
-                </a:cubicBezTo>
-                <a:cubicBezTo>
-                  <a:pt x="895" y="758"/>
-                  <a:pt x="895" y="758"/>
-                  <a:pt x="895" y="758"/>
-                </a:cubicBezTo>
-                <a:cubicBezTo>
-                  <a:pt x="887" y="765"/>
-                  <a:pt x="882" y="776"/>
-                  <a:pt x="882" y="788"/>
-                </a:cubicBezTo>
-                <a:cubicBezTo>
-                  <a:pt x="882" y="799"/>
-                  <a:pt x="885" y="811"/>
-                  <a:pt x="891" y="834"/>
-                </a:cubicBezTo>
-                <a:cubicBezTo>
-                  <a:pt x="899" y="859"/>
-                  <a:pt x="911" y="889"/>
-                  <a:pt x="926" y="916"/>
-                </a:cubicBezTo>
-                <a:cubicBezTo>
-                  <a:pt x="927" y="919"/>
-                  <a:pt x="929" y="922"/>
-                  <a:pt x="931" y="925"/>
-                </a:cubicBezTo>
-                <a:cubicBezTo>
-                  <a:pt x="941" y="943"/>
-                  <a:pt x="945" y="951"/>
-                  <a:pt x="940" y="955"/>
-                </a:cubicBezTo>
-                <a:cubicBezTo>
-                  <a:pt x="939" y="955"/>
-                  <a:pt x="938" y="955"/>
-                  <a:pt x="938" y="955"/>
-                </a:cubicBezTo>
-                <a:cubicBezTo>
-                  <a:pt x="932" y="955"/>
-                  <a:pt x="921" y="950"/>
-                  <a:pt x="908" y="940"/>
-                </a:cubicBezTo>
-                <a:cubicBezTo>
-                  <a:pt x="897" y="932"/>
-                  <a:pt x="868" y="907"/>
-                  <a:pt x="832" y="857"/>
-                </a:cubicBezTo>
-                <a:cubicBezTo>
-                  <a:pt x="805" y="819"/>
-                  <a:pt x="783" y="782"/>
-                  <a:pt x="762" y="737"/>
-                </a:cubicBezTo>
-                <a:cubicBezTo>
-                  <a:pt x="759" y="730"/>
-                  <a:pt x="759" y="730"/>
-                  <a:pt x="759" y="730"/>
-                </a:cubicBezTo>
-                <a:cubicBezTo>
-                  <a:pt x="759" y="730"/>
-                  <a:pt x="754" y="732"/>
-                  <a:pt x="750" y="735"/>
-                </a:cubicBezTo>
-                <a:cubicBezTo>
-                  <a:pt x="747" y="736"/>
-                  <a:pt x="745" y="739"/>
-                  <a:pt x="743" y="742"/>
-                </a:cubicBezTo>
-                <a:cubicBezTo>
-                  <a:pt x="739" y="749"/>
-                  <a:pt x="737" y="759"/>
-                  <a:pt x="739" y="770"/>
-                </a:cubicBezTo>
-                <a:cubicBezTo>
-                  <a:pt x="742" y="797"/>
-                  <a:pt x="758" y="838"/>
-                  <a:pt x="770" y="867"/>
-                </a:cubicBezTo>
-                <a:cubicBezTo>
-                  <a:pt x="792" y="917"/>
-                  <a:pt x="831" y="973"/>
-                  <a:pt x="860" y="1011"/>
-                </a:cubicBezTo>
-                <a:cubicBezTo>
-                  <a:pt x="861" y="1012"/>
-                  <a:pt x="863" y="1014"/>
-                  <a:pt x="864" y="1015"/>
-                </a:cubicBezTo>
-                <a:cubicBezTo>
-                  <a:pt x="866" y="1017"/>
-                  <a:pt x="868" y="1020"/>
-                  <a:pt x="870" y="1022"/>
-                </a:cubicBezTo>
-                <a:cubicBezTo>
-                  <a:pt x="867" y="1025"/>
-                  <a:pt x="861" y="1030"/>
-                  <a:pt x="854" y="1036"/>
-                </a:cubicBezTo>
-                <a:cubicBezTo>
-                  <a:pt x="843" y="1044"/>
-                  <a:pt x="843" y="1044"/>
-                  <a:pt x="843" y="1044"/>
-                </a:cubicBezTo>
-                <a:cubicBezTo>
-                  <a:pt x="804" y="1077"/>
-                  <a:pt x="765" y="1103"/>
-                  <a:pt x="719" y="1129"/>
-                </a:cubicBezTo>
-                <a:cubicBezTo>
-                  <a:pt x="682" y="1149"/>
-                  <a:pt x="608" y="1187"/>
-                  <a:pt x="559" y="1200"/>
-                </a:cubicBezTo>
-                <a:cubicBezTo>
-                  <a:pt x="510" y="1187"/>
-                  <a:pt x="435" y="1149"/>
-                  <a:pt x="399" y="1129"/>
-                </a:cubicBezTo>
-                <a:cubicBezTo>
-                  <a:pt x="352" y="1103"/>
-                  <a:pt x="314" y="1077"/>
-                  <a:pt x="274" y="1044"/>
-                </a:cubicBezTo>
-                <a:cubicBezTo>
-                  <a:pt x="263" y="1035"/>
-                  <a:pt x="263" y="1035"/>
-                  <a:pt x="263" y="1035"/>
-                </a:cubicBezTo>
-                <a:cubicBezTo>
-                  <a:pt x="256" y="1030"/>
-                  <a:pt x="250" y="1025"/>
-                  <a:pt x="248" y="1022"/>
-                </a:cubicBezTo>
-                <a:cubicBezTo>
-                  <a:pt x="249" y="1021"/>
-                  <a:pt x="256" y="1012"/>
-                  <a:pt x="257" y="1011"/>
-                </a:cubicBezTo>
-                <a:cubicBezTo>
-                  <a:pt x="286" y="973"/>
-                  <a:pt x="326" y="917"/>
-                  <a:pt x="347" y="867"/>
-                </a:cubicBezTo>
-                <a:cubicBezTo>
-                  <a:pt x="360" y="838"/>
-                  <a:pt x="375" y="797"/>
-                  <a:pt x="379" y="770"/>
-                </a:cubicBezTo>
-                <a:cubicBezTo>
-                  <a:pt x="380" y="759"/>
-                  <a:pt x="379" y="749"/>
-                  <a:pt x="375" y="742"/>
-                </a:cubicBezTo>
-                <a:cubicBezTo>
-                  <a:pt x="373" y="738"/>
-                  <a:pt x="369" y="735"/>
-                  <a:pt x="365" y="733"/>
-                </a:cubicBezTo>
-                <a:cubicBezTo>
-                  <a:pt x="359" y="731"/>
-                  <a:pt x="359" y="731"/>
-                  <a:pt x="359" y="731"/>
-                </a:cubicBezTo>
-                <a:cubicBezTo>
-                  <a:pt x="356" y="737"/>
-                  <a:pt x="356" y="737"/>
-                  <a:pt x="356" y="737"/>
-                </a:cubicBezTo>
-                <a:cubicBezTo>
-                  <a:pt x="334" y="782"/>
-                  <a:pt x="313" y="819"/>
-                  <a:pt x="286" y="857"/>
-                </a:cubicBezTo>
-                <a:cubicBezTo>
-                  <a:pt x="250" y="907"/>
-                  <a:pt x="220" y="932"/>
-                  <a:pt x="209" y="940"/>
-                </a:cubicBezTo>
-                <a:cubicBezTo>
-                  <a:pt x="197" y="950"/>
-                  <a:pt x="186" y="955"/>
-                  <a:pt x="180" y="955"/>
-                </a:cubicBezTo>
-                <a:cubicBezTo>
-                  <a:pt x="179" y="955"/>
-                  <a:pt x="178" y="955"/>
-                  <a:pt x="178" y="955"/>
-                </a:cubicBezTo>
-                <a:cubicBezTo>
-                  <a:pt x="177" y="954"/>
-                  <a:pt x="177" y="954"/>
-                  <a:pt x="177" y="954"/>
-                </a:cubicBezTo>
-                <a:cubicBezTo>
-                  <a:pt x="173" y="950"/>
-                  <a:pt x="177" y="942"/>
-                  <a:pt x="187" y="925"/>
-                </a:cubicBezTo>
-                <a:cubicBezTo>
-                  <a:pt x="188" y="922"/>
-                  <a:pt x="190" y="919"/>
-                  <a:pt x="192" y="916"/>
-                </a:cubicBezTo>
-                <a:cubicBezTo>
-                  <a:pt x="206" y="889"/>
-                  <a:pt x="219" y="859"/>
-                  <a:pt x="226" y="834"/>
-                </a:cubicBezTo>
-                <a:cubicBezTo>
-                  <a:pt x="233" y="811"/>
-                  <a:pt x="235" y="799"/>
-                  <a:pt x="235" y="788"/>
-                </a:cubicBezTo>
-                <a:cubicBezTo>
-                  <a:pt x="235" y="776"/>
-                  <a:pt x="231" y="765"/>
-                  <a:pt x="223" y="758"/>
-                </a:cubicBezTo>
-                <a:cubicBezTo>
-                  <a:pt x="215" y="752"/>
-                  <a:pt x="215" y="752"/>
-                  <a:pt x="215" y="752"/>
-                </a:cubicBezTo>
-                <a:cubicBezTo>
-                  <a:pt x="211" y="761"/>
-                  <a:pt x="211" y="761"/>
-                  <a:pt x="211" y="761"/>
-                </a:cubicBezTo>
-                <a:cubicBezTo>
-                  <a:pt x="204" y="777"/>
-                  <a:pt x="190" y="799"/>
-                  <a:pt x="182" y="810"/>
-                </a:cubicBezTo>
-                <a:cubicBezTo>
-                  <a:pt x="174" y="821"/>
-                  <a:pt x="147" y="856"/>
-                  <a:pt x="138" y="865"/>
-                </a:cubicBezTo>
-                <a:cubicBezTo>
-                  <a:pt x="131" y="872"/>
-                  <a:pt x="127" y="876"/>
-                  <a:pt x="124" y="879"/>
-                </a:cubicBezTo>
-                <a:cubicBezTo>
-                  <a:pt x="123" y="880"/>
-                  <a:pt x="123" y="881"/>
-                  <a:pt x="122" y="881"/>
-                </a:cubicBezTo>
-                <a:cubicBezTo>
-                  <a:pt x="119" y="877"/>
-                  <a:pt x="113" y="867"/>
-                  <a:pt x="105" y="854"/>
-                </a:cubicBezTo>
-                <a:cubicBezTo>
-                  <a:pt x="81" y="815"/>
-                  <a:pt x="59" y="769"/>
-                  <a:pt x="42" y="722"/>
-                </a:cubicBezTo>
-                <a:cubicBezTo>
-                  <a:pt x="24" y="676"/>
-                  <a:pt x="12" y="633"/>
-                  <a:pt x="6" y="561"/>
-                </a:cubicBezTo>
-                <a:cubicBezTo>
-                  <a:pt x="2" y="518"/>
-                  <a:pt x="0" y="470"/>
-                  <a:pt x="5" y="413"/>
-                </a:cubicBezTo>
-                <a:cubicBezTo>
-                  <a:pt x="11" y="356"/>
-                  <a:pt x="25" y="301"/>
-                  <a:pt x="46" y="260"/>
-                </a:cubicBezTo>
-                <a:cubicBezTo>
-                  <a:pt x="75" y="202"/>
-                  <a:pt x="111" y="167"/>
-                  <a:pt x="157" y="154"/>
-                </a:cubicBezTo>
-                <a:cubicBezTo>
-                  <a:pt x="168" y="151"/>
-                  <a:pt x="186" y="147"/>
-                  <a:pt x="206" y="147"/>
-                </a:cubicBezTo>
-                <a:cubicBezTo>
-                  <a:pt x="243" y="147"/>
-                  <a:pt x="271" y="159"/>
-                  <a:pt x="292" y="183"/>
-                </a:cubicBezTo>
-                <a:cubicBezTo>
-                  <a:pt x="304" y="196"/>
-                  <a:pt x="308" y="215"/>
-                  <a:pt x="304" y="233"/>
-                </a:cubicBezTo>
-                <a:cubicBezTo>
-                  <a:pt x="300" y="249"/>
-                  <a:pt x="289" y="259"/>
-                  <a:pt x="274" y="266"/>
-                </a:cubicBezTo>
-                <a:cubicBezTo>
-                  <a:pt x="270" y="268"/>
-                  <a:pt x="266" y="269"/>
-                  <a:pt x="266" y="269"/>
-                </a:cubicBezTo>
-                <a:cubicBezTo>
-                  <a:pt x="266" y="269"/>
-                  <a:pt x="266" y="271"/>
-                  <a:pt x="270" y="277"/>
-                </a:cubicBezTo>
-                <a:cubicBezTo>
-                  <a:pt x="285" y="301"/>
-                  <a:pt x="313" y="313"/>
-                  <a:pt x="352" y="313"/>
-                </a:cubicBezTo>
-                <a:cubicBezTo>
-                  <a:pt x="361" y="313"/>
-                  <a:pt x="371" y="312"/>
-                  <a:pt x="380" y="311"/>
-                </a:cubicBezTo>
-                <a:cubicBezTo>
-                  <a:pt x="436" y="303"/>
-                  <a:pt x="461" y="268"/>
-                  <a:pt x="470" y="201"/>
-                </a:cubicBezTo>
-                <a:cubicBezTo>
-                  <a:pt x="473" y="175"/>
-                  <a:pt x="477" y="153"/>
-                  <a:pt x="460" y="125"/>
-                </a:cubicBezTo>
-                <a:cubicBezTo>
-                  <a:pt x="448" y="106"/>
-                  <a:pt x="414" y="95"/>
-                  <a:pt x="389" y="95"/>
-                </a:cubicBezTo>
-                <a:cubicBezTo>
-                  <a:pt x="367" y="95"/>
-                  <a:pt x="355" y="101"/>
-                  <a:pt x="348" y="108"/>
-                </a:cubicBezTo>
-                <a:cubicBezTo>
-                  <a:pt x="348" y="107"/>
-                  <a:pt x="346" y="105"/>
-                  <a:pt x="346" y="104"/>
-                </a:cubicBezTo>
-                <a:cubicBezTo>
-                  <a:pt x="343" y="98"/>
-                  <a:pt x="341" y="91"/>
-                  <a:pt x="343" y="79"/>
-                </a:cubicBezTo>
-                <a:cubicBezTo>
-                  <a:pt x="346" y="65"/>
-                  <a:pt x="357" y="51"/>
-                  <a:pt x="363" y="46"/>
-                </a:cubicBezTo>
-                <a:cubicBezTo>
-                  <a:pt x="376" y="36"/>
-                  <a:pt x="391" y="26"/>
-                  <a:pt x="415" y="21"/>
-                </a:cubicBezTo>
-                <a:cubicBezTo>
-                  <a:pt x="426" y="19"/>
-                  <a:pt x="438" y="17"/>
-                  <a:pt x="451" y="17"/>
-                </a:cubicBezTo>
-                <a:cubicBezTo>
-                  <a:pt x="454" y="17"/>
-                  <a:pt x="463" y="17"/>
-                  <a:pt x="467" y="17"/>
-                </a:cubicBezTo>
-                <a:cubicBezTo>
-                  <a:pt x="469" y="17"/>
-                  <a:pt x="469" y="16"/>
-                  <a:pt x="471" y="15"/>
-                </a:cubicBezTo>
-                <a:cubicBezTo>
-                  <a:pt x="479" y="5"/>
-                  <a:pt x="492" y="0"/>
-                  <a:pt x="515" y="0"/>
-                </a:cubicBezTo>
-                <a:cubicBezTo>
-                  <a:pt x="533" y="1"/>
-                  <a:pt x="557" y="2"/>
-                  <a:pt x="575" y="8"/>
-                </a:cubicBezTo>
-                <a:cubicBezTo>
-                  <a:pt x="592" y="13"/>
-                  <a:pt x="600" y="18"/>
-                  <a:pt x="610" y="24"/>
-                </a:cubicBezTo>
-                <a:cubicBezTo>
-                  <a:pt x="621" y="32"/>
-                  <a:pt x="633" y="47"/>
-                  <a:pt x="638" y="61"/>
-                </a:cubicBezTo>
-                <a:cubicBezTo>
-                  <a:pt x="646" y="83"/>
-                  <a:pt x="650" y="110"/>
-                  <a:pt x="651" y="141"/>
-                </a:cubicBezTo>
-                <a:cubicBezTo>
-                  <a:pt x="652" y="204"/>
-                  <a:pt x="661" y="241"/>
-                  <a:pt x="679" y="264"/>
-                </a:cubicBezTo>
-                <a:cubicBezTo>
-                  <a:pt x="707" y="300"/>
-                  <a:pt x="731" y="308"/>
-                  <a:pt x="760" y="310"/>
-                </a:cubicBezTo>
-                <a:cubicBezTo>
-                  <a:pt x="763" y="310"/>
-                  <a:pt x="763" y="310"/>
-                  <a:pt x="763" y="310"/>
-                </a:cubicBezTo>
-                <a:cubicBezTo>
-                  <a:pt x="818" y="310"/>
-                  <a:pt x="838" y="292"/>
-                  <a:pt x="847" y="279"/>
-                </a:cubicBezTo>
-                <a:cubicBezTo>
-                  <a:pt x="847" y="279"/>
-                  <a:pt x="851" y="272"/>
-                  <a:pt x="853" y="268"/>
-                </a:cubicBezTo>
-                <a:cubicBezTo>
-                  <a:pt x="847" y="267"/>
-                  <a:pt x="842" y="266"/>
-                  <a:pt x="842" y="266"/>
-                </a:cubicBezTo>
-                <a:cubicBezTo>
-                  <a:pt x="828" y="260"/>
-                  <a:pt x="818" y="249"/>
-                  <a:pt x="814" y="234"/>
-                </a:cubicBezTo>
-                <a:cubicBezTo>
-                  <a:pt x="809" y="216"/>
-                  <a:pt x="814" y="197"/>
-                  <a:pt x="826" y="183"/>
-                </a:cubicBezTo>
-                <a:cubicBezTo>
-                  <a:pt x="852" y="153"/>
-                  <a:pt x="890" y="148"/>
-                  <a:pt x="911" y="147"/>
-                </a:cubicBezTo>
-                <a:cubicBezTo>
-                  <a:pt x="913" y="147"/>
-                  <a:pt x="913" y="147"/>
-                  <a:pt x="913" y="147"/>
-                </a:cubicBezTo>
-                <a:cubicBezTo>
-                  <a:pt x="930" y="147"/>
-                  <a:pt x="945" y="150"/>
-                  <a:pt x="960" y="155"/>
-                </a:cubicBezTo>
-                <a:cubicBezTo>
-                  <a:pt x="981" y="161"/>
-                  <a:pt x="998" y="170"/>
-                  <a:pt x="1013" y="182"/>
-                </a:cubicBezTo>
-                <a:cubicBezTo>
-                  <a:pt x="1041" y="204"/>
-                  <a:pt x="1059" y="235"/>
-                  <a:pt x="1072" y="260"/>
-                </a:cubicBezTo>
-                <a:cubicBezTo>
-                  <a:pt x="1092" y="300"/>
-                  <a:pt x="1107" y="357"/>
-                  <a:pt x="1112" y="413"/>
-                </a:cubicBezTo>
-                <a:close/>
-              </a:path>
-            </a:pathLst>
-          </a:custGeom>
-          <a:solidFill>
-            <a:srgbClr val="00AEEF"/>
-          </a:solidFill>
-          <a:ln>
-            <a:noFill/>
-          </a:ln>
-          <a:extLst>
-            <a:ext uri="{91240B29-F687-4F45-9708-019B960494DF}">
-              <a14:hiddenLine xmlns:a14="http://schemas.microsoft.com/office/drawing/2010/main" w="9525">
-                <a:solidFill>
-                  <a:srgbClr val="000000"/>
-                </a:solidFill>
-                <a:round/>
-                <a:headEnd/>
-                <a:tailEnd/>
-              </a14:hiddenLine>
-            </a:ext>
-          </a:extLst>
-        </p:spPr>
-        <p:txBody>
-          <a:bodyPr vert="horz" wrap="square" lIns="91440" tIns="45720" rIns="91440" bIns="45720" numCol="1" anchor="t" anchorCtr="0" compatLnSpc="1">
-            <a:prstTxWarp prst="textNoShape">
-              <a:avLst/>
-            </a:prstTxWarp>
-          </a:bodyPr>
-          <a:lstStyle/>
-          <a:p>
-            <a:endParaRPr lang="en-GB">
-              <a:latin typeface="Barclays Effra" panose="020B0603020203020204" pitchFamily="34" charset="0"/>
-            </a:endParaRPr>
-          </a:p>
-        </p:txBody>
-      </p:sp>
-      <p:pic>
-        <p:nvPicPr>
-          <p:cNvPr id="14" name="EAGLE_WHITE" hidden="1"/>
-          <p:cNvPicPr>
-            <a:picLocks noChangeAspect="1"/>
-          </p:cNvPicPr>
-          <p:nvPr userDrawn="1">
-            <p:custDataLst>
-              <p:tags r:id="rId6"/>
-            </p:custDataLst>
-          </p:nvPr>
-        </p:nvPicPr>
-        <p:blipFill>
-          <a:blip r:embed="rId14" cstate="print">
-            <a:biLevel thresh="25000"/>
-            <a:extLst>
-              <a:ext uri="{28A0092B-C50C-407E-A947-70E740481C1C}">
-                <a14:useLocalDpi xmlns:a14="http://schemas.microsoft.com/office/drawing/2010/main" val="0"/>
-              </a:ext>
-            </a:extLst>
-          </a:blip>
-          <a:stretch>
-            <a:fillRect/>
-          </a:stretch>
-        </p:blipFill>
-        <p:spPr>
-          <a:xfrm>
-            <a:off x="9209209" y="200415"/>
-            <a:ext cx="601138" cy="648000"/>
-          </a:xfrm>
-          <a:prstGeom prst="rect">
-            <a:avLst/>
-          </a:prstGeom>
-        </p:spPr>
-      </p:pic>
-      <p:sp>
-        <p:nvSpPr>
-          <p:cNvPr id="17" name="TRACKINGCODE" hidden="1"/>
-          <p:cNvSpPr txBox="1">
-            <a:spLocks/>
-          </p:cNvSpPr>
-          <p:nvPr userDrawn="1">
-            <p:custDataLst>
-              <p:tags r:id="rId7"/>
-            </p:custDataLst>
-          </p:nvPr>
-        </p:nvSpPr>
-        <p:spPr>
-          <a:xfrm>
-            <a:off x="493200" y="228602"/>
-            <a:ext cx="8686800" cy="129363"/>
-          </a:xfrm>
-          <a:prstGeom prst="rect">
-            <a:avLst/>
-          </a:prstGeom>
-        </p:spPr>
-        <p:txBody>
-          <a:bodyPr wrap="square" lIns="0" tIns="0" rIns="16733" bIns="16733">
-            <a:spAutoFit/>
-          </a:bodyPr>
-          <a:lstStyle>
-            <a:lvl1pPr marL="228600" indent="-228600" algn="r" defTabSz="1019175" rtl="0" eaLnBrk="1" fontAlgn="base" hangingPunct="1">
-              <a:lnSpc>
-                <a:spcPct val="110000"/>
-              </a:lnSpc>
-              <a:spcBef>
-                <a:spcPts val="1008"/>
-              </a:spcBef>
-              <a:spcAft>
-                <a:spcPct val="0"/>
-              </a:spcAft>
-              <a:buClr>
-                <a:schemeClr val="tx2"/>
-              </a:buClr>
-              <a:buSzPct val="100000"/>
-              <a:buFont typeface="Wingdings 2" pitchFamily="18" charset="2"/>
-              <a:buNone/>
-              <a:defRPr lang="en-US" sz="800" b="1">
-                <a:solidFill>
-                  <a:srgbClr val="00395C"/>
-                </a:solidFill>
-                <a:latin typeface="+mn-lt"/>
-                <a:ea typeface="+mn-ea"/>
-                <a:cs typeface="Arial" pitchFamily="34" charset="0"/>
-              </a:defRPr>
-            </a:lvl1pPr>
-            <a:lvl2pPr marL="457200" indent="-227013" algn="l" defTabSz="1019175" rtl="0" eaLnBrk="1" fontAlgn="base" hangingPunct="1">
-              <a:lnSpc>
-                <a:spcPct val="110000"/>
-              </a:lnSpc>
-              <a:spcBef>
-                <a:spcPts val="336"/>
-              </a:spcBef>
-              <a:spcAft>
-                <a:spcPct val="0"/>
-              </a:spcAft>
-              <a:buClr>
-                <a:schemeClr val="tx2"/>
-              </a:buClr>
-              <a:buSzPct val="85000"/>
-              <a:buFont typeface="Wingdings 2" pitchFamily="18" charset="2"/>
-              <a:buChar char=""/>
-              <a:defRPr lang="en-US" sz="1400" dirty="0" smtClean="0">
-                <a:solidFill>
-                  <a:schemeClr val="tx1"/>
-                </a:solidFill>
-                <a:latin typeface="+mn-lt"/>
-                <a:ea typeface="+mn-ea"/>
-                <a:cs typeface="+mn-cs"/>
-              </a:defRPr>
-            </a:lvl2pPr>
-            <a:lvl3pPr marL="685800" indent="-227013" algn="l" defTabSz="1019175" rtl="0" eaLnBrk="1" fontAlgn="base" hangingPunct="1">
-              <a:lnSpc>
-                <a:spcPct val="110000"/>
-              </a:lnSpc>
-              <a:spcBef>
-                <a:spcPts val="336"/>
-              </a:spcBef>
-              <a:spcAft>
-                <a:spcPct val="0"/>
-              </a:spcAft>
-              <a:buClr>
-                <a:schemeClr val="tx2"/>
-              </a:buClr>
-              <a:buSzPct val="100000"/>
-              <a:buFont typeface="Wingdings" pitchFamily="2" charset="2"/>
-              <a:buChar char=""/>
-              <a:defRPr lang="en-US" sz="1400" dirty="0" smtClean="0">
-                <a:solidFill>
-                  <a:schemeClr val="tx1"/>
-                </a:solidFill>
-                <a:latin typeface="+mn-lt"/>
-                <a:ea typeface="+mn-ea"/>
-                <a:cs typeface="+mn-cs"/>
-              </a:defRPr>
-            </a:lvl3pPr>
-            <a:lvl4pPr marL="912813" indent="-225425" algn="l" defTabSz="1019175" rtl="0" eaLnBrk="1" fontAlgn="base" hangingPunct="1">
-              <a:lnSpc>
-                <a:spcPct val="110000"/>
-              </a:lnSpc>
-              <a:spcBef>
-                <a:spcPts val="336"/>
-              </a:spcBef>
-              <a:spcAft>
-                <a:spcPct val="0"/>
-              </a:spcAft>
-              <a:buClr>
-                <a:schemeClr val="tx2"/>
-              </a:buClr>
-              <a:buSzPct val="80000"/>
-              <a:buFont typeface="Wingdings 3" pitchFamily="18" charset="2"/>
-              <a:buChar char=""/>
-              <a:defRPr lang="en-US" sz="1400" dirty="0" smtClean="0">
-                <a:solidFill>
-                  <a:schemeClr val="tx1"/>
-                </a:solidFill>
-                <a:latin typeface="+mn-lt"/>
-                <a:ea typeface="+mn-ea"/>
-                <a:cs typeface="+mn-cs"/>
-              </a:defRPr>
-            </a:lvl4pPr>
-            <a:lvl5pPr marL="1143000" indent="-228600" algn="l" defTabSz="1019175" rtl="0" eaLnBrk="1" fontAlgn="base" hangingPunct="1">
-              <a:lnSpc>
-                <a:spcPct val="110000"/>
-              </a:lnSpc>
-              <a:spcBef>
-                <a:spcPts val="336"/>
-              </a:spcBef>
-              <a:spcAft>
-                <a:spcPct val="0"/>
-              </a:spcAft>
-              <a:buClr>
-                <a:schemeClr val="tx2"/>
-              </a:buClr>
-              <a:buSzPct val="100000"/>
-              <a:buFont typeface="Wingdings 2" pitchFamily="18" charset="2"/>
-              <a:buChar char=""/>
-              <a:defRPr lang="en-US" sz="1400" dirty="0" smtClean="0">
-                <a:solidFill>
-                  <a:schemeClr val="tx1"/>
-                </a:solidFill>
-                <a:latin typeface="+mn-lt"/>
-                <a:ea typeface="+mn-ea"/>
-                <a:cs typeface="+mn-cs"/>
-              </a:defRPr>
-            </a:lvl5pPr>
-            <a:lvl6pPr marL="1374775" indent="-228600" algn="l" defTabSz="1019175" rtl="0" eaLnBrk="1" fontAlgn="base" hangingPunct="1">
-              <a:lnSpc>
-                <a:spcPct val="110000"/>
-              </a:lnSpc>
-              <a:spcBef>
-                <a:spcPts val="336"/>
-              </a:spcBef>
-              <a:spcAft>
-                <a:spcPct val="0"/>
-              </a:spcAft>
-              <a:buClr>
-                <a:schemeClr val="tx2"/>
-              </a:buClr>
-              <a:buSzPct val="85000"/>
-              <a:buFont typeface="Wingdings 2" pitchFamily="18" charset="2"/>
-              <a:buChar char="¡"/>
-              <a:defRPr lang="en-US" sz="1400" baseline="0" dirty="0" smtClean="0">
-                <a:solidFill>
-                  <a:schemeClr val="tx1"/>
-                </a:solidFill>
-                <a:latin typeface="+mn-lt"/>
-                <a:ea typeface="+mn-ea"/>
-                <a:cs typeface="+mn-cs"/>
-              </a:defRPr>
-            </a:lvl6pPr>
-            <a:lvl7pPr marL="1597025" indent="-222250" algn="l" defTabSz="1019175" rtl="0" eaLnBrk="1" fontAlgn="base" hangingPunct="1">
-              <a:lnSpc>
-                <a:spcPct val="110000"/>
-              </a:lnSpc>
-              <a:spcBef>
-                <a:spcPts val="336"/>
-              </a:spcBef>
-              <a:spcAft>
-                <a:spcPct val="0"/>
-              </a:spcAft>
-              <a:buClr>
-                <a:schemeClr val="tx2"/>
-              </a:buClr>
-              <a:buSzPct val="100000"/>
-              <a:buFont typeface="Wingdings" pitchFamily="2" charset="2"/>
-              <a:buChar char="w"/>
-              <a:defRPr lang="en-US" sz="1400" baseline="0" dirty="0" smtClean="0">
-                <a:solidFill>
-                  <a:schemeClr val="tx1"/>
-                </a:solidFill>
-                <a:latin typeface="+mn-lt"/>
-                <a:ea typeface="+mn-ea"/>
-                <a:cs typeface="+mn-cs"/>
-              </a:defRPr>
-            </a:lvl7pPr>
-            <a:lvl8pPr marL="1828800" indent="-231775" algn="l" defTabSz="1019175" rtl="0" eaLnBrk="1" fontAlgn="base" hangingPunct="1">
-              <a:lnSpc>
-                <a:spcPct val="110000"/>
-              </a:lnSpc>
-              <a:spcBef>
-                <a:spcPts val="336"/>
-              </a:spcBef>
-              <a:spcAft>
-                <a:spcPct val="0"/>
-              </a:spcAft>
-              <a:buClr>
-                <a:schemeClr val="tx2"/>
-              </a:buClr>
-              <a:buSzPct val="80000"/>
-              <a:buFont typeface="Wingdings 3" pitchFamily="18" charset="2"/>
-              <a:buChar char=""/>
-              <a:defRPr lang="en-US" sz="1400" baseline="0" dirty="0" smtClean="0">
-                <a:solidFill>
-                  <a:schemeClr val="tx1"/>
-                </a:solidFill>
-                <a:latin typeface="+mn-lt"/>
-                <a:ea typeface="+mn-ea"/>
-                <a:cs typeface="+mn-cs"/>
-              </a:defRPr>
-            </a:lvl8pPr>
-            <a:lvl9pPr marL="2057400" indent="-228600" algn="l" defTabSz="1019175" rtl="0" eaLnBrk="1" fontAlgn="base" hangingPunct="1">
-              <a:lnSpc>
-                <a:spcPct val="110000"/>
-              </a:lnSpc>
-              <a:spcBef>
-                <a:spcPts val="336"/>
-              </a:spcBef>
-              <a:spcAft>
-                <a:spcPct val="0"/>
-              </a:spcAft>
-              <a:buClr>
-                <a:schemeClr val="tx2"/>
-              </a:buClr>
-              <a:buSzPct val="100000"/>
-              <a:buFont typeface="Wingdings 2" pitchFamily="18" charset="2"/>
-              <a:buChar char=""/>
-              <a:defRPr lang="en-US" sz="1400" dirty="0" smtClean="0">
-                <a:solidFill>
-                  <a:schemeClr val="tx1"/>
-                </a:solidFill>
-                <a:latin typeface="+mn-lt"/>
-                <a:ea typeface="+mn-ea"/>
-                <a:cs typeface="+mn-cs"/>
-              </a:defRPr>
-            </a:lvl9pPr>
-          </a:lstStyle>
-          <a:p>
-            <a:pPr algn="l"/>
-            <a:endParaRPr lang="en-US" sz="700" b="0" kern="0" dirty="0">
-              <a:solidFill>
-                <a:schemeClr val="bg1">
-                  <a:lumMod val="50000"/>
-                </a:schemeClr>
-              </a:solidFill>
-              <a:latin typeface="Barclays Effra" panose="020B0603020203020204" pitchFamily="34" charset="0"/>
-            </a:endParaRPr>
-          </a:p>
-        </p:txBody>
-      </p:sp>
-      <p:sp>
-        <p:nvSpPr>
-          <p:cNvPr id="16" name="PSUBTITLE"/>
-          <p:cNvSpPr>
-            <a:spLocks noGrp="1" noChangeArrowheads="1"/>
-          </p:cNvSpPr>
-          <p:nvPr>
-            <p:ph type="subTitle" idx="1" hasCustomPrompt="1"/>
-            <p:custDataLst>
-              <p:tags r:id="rId8"/>
-            </p:custDataLst>
-          </p:nvPr>
-        </p:nvSpPr>
-        <p:spPr>
-          <a:xfrm>
-            <a:off x="1393200" y="3619503"/>
-            <a:ext cx="7268930" cy="370800"/>
-          </a:xfrm>
-          <a:prstGeom prst="rect">
-            <a:avLst/>
-          </a:prstGeom>
-        </p:spPr>
-        <p:txBody>
-          <a:bodyPr wrap="square" lIns="0" tIns="0" rIns="0" bIns="0">
-            <a:spAutoFit/>
-          </a:bodyPr>
-          <a:lstStyle>
-            <a:lvl1pPr marL="0" indent="0">
-              <a:lnSpc>
-                <a:spcPct val="100000"/>
-              </a:lnSpc>
-              <a:spcBef>
-                <a:spcPts val="847"/>
-              </a:spcBef>
-              <a:buClr>
-                <a:schemeClr val="tx2"/>
-              </a:buClr>
-              <a:buSzTx/>
-              <a:buFont typeface="Wingdings" pitchFamily="2" charset="2"/>
-              <a:buNone/>
-              <a:defRPr lang="en-US" sz="2400" kern="1200" dirty="0" smtClean="0">
-                <a:solidFill>
-                  <a:schemeClr val="tx1"/>
-                </a:solidFill>
-                <a:latin typeface="Barclays Effra" panose="020B0603020203020204" pitchFamily="34" charset="0"/>
-                <a:ea typeface="+mn-ea"/>
-                <a:cs typeface="+mn-cs"/>
-              </a:defRPr>
-            </a:lvl1pPr>
-          </a:lstStyle>
-          <a:p>
-            <a:r>
-              <a:rPr lang="en-US" dirty="0"/>
-              <a:t>Sub Header</a:t>
-            </a:r>
-          </a:p>
-        </p:txBody>
-      </p:sp>
-      <p:sp>
-        <p:nvSpPr>
-          <p:cNvPr id="21" name="PDATETIME"/>
-          <p:cNvSpPr>
-            <a:spLocks noGrp="1"/>
-          </p:cNvSpPr>
-          <p:nvPr>
-            <p:ph type="body" sz="quarter" idx="13" hasCustomPrompt="1"/>
-            <p:custDataLst>
-              <p:tags r:id="rId9"/>
-            </p:custDataLst>
-          </p:nvPr>
-        </p:nvSpPr>
-        <p:spPr>
-          <a:xfrm>
-            <a:off x="1393200" y="4086000"/>
-            <a:ext cx="1929384" cy="565200"/>
-          </a:xfrm>
-          <a:prstGeom prst="rect">
-            <a:avLst/>
-          </a:prstGeom>
-        </p:spPr>
-        <p:txBody>
-          <a:bodyPr lIns="36000" tIns="0" rIns="0" bIns="0" anchor="t" anchorCtr="0"/>
-          <a:lstStyle>
-            <a:lvl1pPr marL="0" marR="0" indent="0" algn="l" defTabSz="860268" rtl="0" eaLnBrk="1" fontAlgn="auto" latinLnBrk="0" hangingPunct="1">
-              <a:lnSpc>
-                <a:spcPct val="100000"/>
-              </a:lnSpc>
-              <a:spcBef>
-                <a:spcPts val="0"/>
-              </a:spcBef>
-              <a:spcAft>
-                <a:spcPts val="0"/>
-              </a:spcAft>
-              <a:buClrTx/>
-              <a:buSzTx/>
-              <a:buFontTx/>
-              <a:buNone/>
-              <a:tabLst/>
-              <a:defRPr sz="1100" baseline="0">
-                <a:solidFill>
-                  <a:schemeClr val="tx1"/>
-                </a:solidFill>
-                <a:latin typeface="Barclays Effra" panose="020B0603020203020204" pitchFamily="34" charset="0"/>
-              </a:defRPr>
-            </a:lvl1pPr>
-          </a:lstStyle>
-          <a:p>
-            <a:pPr lvl="0"/>
-            <a:r>
-              <a:rPr lang="en-US" dirty="0"/>
-              <a:t>Day Month Year</a:t>
-            </a:r>
-          </a:p>
-          <a:p>
-            <a:pPr marL="0" marR="0" lvl="0" indent="0" algn="l" defTabSz="860268" rtl="0" eaLnBrk="1" fontAlgn="auto" latinLnBrk="0" hangingPunct="1">
-              <a:lnSpc>
-                <a:spcPct val="100000"/>
-              </a:lnSpc>
-              <a:spcBef>
-                <a:spcPts val="0"/>
-              </a:spcBef>
-              <a:spcAft>
-                <a:spcPts val="0"/>
-              </a:spcAft>
-              <a:buClrTx/>
-              <a:buSzTx/>
-              <a:buFontTx/>
-              <a:buNone/>
-              <a:tabLst/>
-              <a:defRPr/>
-            </a:pPr>
-            <a:r>
-              <a:rPr lang="en-US" dirty="0"/>
-              <a:t>Version</a:t>
-            </a:r>
-            <a:endParaRPr lang="en-GB" dirty="0"/>
-          </a:p>
-          <a:p>
-            <a:pPr marL="0" marR="0" lvl="0" indent="0" algn="l" defTabSz="860268" rtl="0" eaLnBrk="1" fontAlgn="auto" latinLnBrk="0" hangingPunct="1">
-              <a:lnSpc>
-                <a:spcPct val="100000"/>
-              </a:lnSpc>
-              <a:spcBef>
-                <a:spcPts val="0"/>
-              </a:spcBef>
-              <a:spcAft>
-                <a:spcPts val="0"/>
-              </a:spcAft>
-              <a:buClrTx/>
-              <a:buSzTx/>
-              <a:buFontTx/>
-              <a:buNone/>
-              <a:tabLst/>
-              <a:defRPr/>
-            </a:pPr>
-            <a:r>
-              <a:rPr lang="en-US" dirty="0"/>
-              <a:t>First name Last name</a:t>
-            </a:r>
-          </a:p>
-        </p:txBody>
-      </p:sp>
-      <p:sp>
-        <p:nvSpPr>
-          <p:cNvPr id="18" name="PSIGNPOST"/>
-          <p:cNvSpPr>
-            <a:spLocks noGrp="1"/>
-          </p:cNvSpPr>
-          <p:nvPr>
-            <p:ph type="body" sz="quarter" idx="14" hasCustomPrompt="1"/>
-            <p:custDataLst>
-              <p:tags r:id="rId10"/>
-            </p:custDataLst>
-          </p:nvPr>
-        </p:nvSpPr>
-        <p:spPr>
-          <a:xfrm>
-            <a:off x="8337600" y="1051200"/>
-            <a:ext cx="679400" cy="345800"/>
-          </a:xfrm>
-          <a:prstGeom prst="rect">
-            <a:avLst/>
-          </a:prstGeom>
-        </p:spPr>
-        <p:txBody>
-          <a:bodyPr wrap="none" lIns="0" tIns="46800" rIns="0" bIns="46800" anchor="t" anchorCtr="0"/>
-          <a:lstStyle>
-            <a:lvl1pPr marL="0" marR="0" indent="0" algn="r" defTabSz="860268" rtl="0" eaLnBrk="1" fontAlgn="auto" latinLnBrk="0" hangingPunct="1">
-              <a:lnSpc>
-                <a:spcPct val="100000"/>
-              </a:lnSpc>
-              <a:spcBef>
-                <a:spcPts val="0"/>
-              </a:spcBef>
-              <a:spcAft>
-                <a:spcPts val="0"/>
-              </a:spcAft>
-              <a:buClrTx/>
-              <a:buSzTx/>
-              <a:buFontTx/>
-              <a:buNone/>
-              <a:tabLst/>
-              <a:defRPr sz="1100" b="1" baseline="0">
-                <a:solidFill>
-                  <a:schemeClr val="tx1"/>
-                </a:solidFill>
-                <a:latin typeface="Barclays Effra" panose="020B0603020203020204" pitchFamily="34" charset="0"/>
-              </a:defRPr>
-            </a:lvl1pPr>
-          </a:lstStyle>
-          <a:p>
-            <a:pPr lvl="0"/>
-            <a:r>
-              <a:rPr lang="en-IN" dirty="0"/>
-              <a:t>Signpost</a:t>
-            </a:r>
-            <a:endParaRPr lang="en-US" dirty="0"/>
-          </a:p>
-        </p:txBody>
-      </p:sp>
-      <p:sp>
-        <p:nvSpPr>
-          <p:cNvPr id="2" name="STAMP" hidden="1">
-            <a:extLst>
-              <a:ext uri="{FF2B5EF4-FFF2-40B4-BE49-F238E27FC236}">
-                <a16:creationId xmlns:a16="http://schemas.microsoft.com/office/drawing/2014/main" id="{D111351E-6EF2-CA8F-7BE1-4195F1A00EE9}"/>
-              </a:ext>
-            </a:extLst>
-          </p:cNvPr>
-          <p:cNvSpPr txBox="1">
-            <a:spLocks/>
-          </p:cNvSpPr>
-          <p:nvPr userDrawn="1">
-            <p:custDataLst>
-              <p:tags r:id="rId11"/>
-            </p:custDataLst>
-          </p:nvPr>
-        </p:nvSpPr>
-        <p:spPr>
-          <a:xfrm>
-            <a:off x="1393200" y="1393200"/>
-            <a:ext cx="65" cy="319384"/>
-          </a:xfrm>
-          <a:prstGeom prst="rect">
-            <a:avLst/>
-          </a:prstGeom>
-        </p:spPr>
-        <p:txBody>
-          <a:bodyPr wrap="none" lIns="0" tIns="46800" rIns="0" bIns="46800">
-            <a:spAutoFit/>
-          </a:bodyPr>
-          <a:lstStyle>
-            <a:lvl1pPr marL="228600" indent="-228600" algn="r" defTabSz="1019175" rtl="0" eaLnBrk="1" fontAlgn="base" hangingPunct="1">
-              <a:lnSpc>
-                <a:spcPct val="110000"/>
-              </a:lnSpc>
-              <a:spcBef>
-                <a:spcPts val="1008"/>
-              </a:spcBef>
-              <a:spcAft>
-                <a:spcPct val="0"/>
-              </a:spcAft>
-              <a:buClr>
-                <a:schemeClr val="tx2"/>
-              </a:buClr>
-              <a:buSzPct val="100000"/>
-              <a:buFont typeface="Wingdings 2" pitchFamily="18" charset="2"/>
-              <a:buNone/>
-              <a:defRPr lang="en-US" sz="800" b="1">
-                <a:solidFill>
-                  <a:srgbClr val="00395C"/>
-                </a:solidFill>
-                <a:latin typeface="+mn-lt"/>
-                <a:ea typeface="+mn-ea"/>
-                <a:cs typeface="Arial" pitchFamily="34" charset="0"/>
-              </a:defRPr>
-            </a:lvl1pPr>
-            <a:lvl2pPr marL="457200" indent="-227013" algn="l" defTabSz="1019175" rtl="0" eaLnBrk="1" fontAlgn="base" hangingPunct="1">
-              <a:lnSpc>
-                <a:spcPct val="110000"/>
-              </a:lnSpc>
-              <a:spcBef>
-                <a:spcPts val="336"/>
-              </a:spcBef>
-              <a:spcAft>
-                <a:spcPct val="0"/>
-              </a:spcAft>
-              <a:buClr>
-                <a:schemeClr val="tx2"/>
-              </a:buClr>
-              <a:buSzPct val="85000"/>
-              <a:buFont typeface="Wingdings 2" pitchFamily="18" charset="2"/>
-              <a:buChar char=""/>
-              <a:defRPr lang="en-US" sz="1400" dirty="0" smtClean="0">
-                <a:solidFill>
-                  <a:schemeClr val="tx1"/>
-                </a:solidFill>
-                <a:latin typeface="+mn-lt"/>
-                <a:ea typeface="+mn-ea"/>
-                <a:cs typeface="+mn-cs"/>
-              </a:defRPr>
-            </a:lvl2pPr>
-            <a:lvl3pPr marL="685800" indent="-227013" algn="l" defTabSz="1019175" rtl="0" eaLnBrk="1" fontAlgn="base" hangingPunct="1">
-              <a:lnSpc>
-                <a:spcPct val="110000"/>
-              </a:lnSpc>
-              <a:spcBef>
-                <a:spcPts val="336"/>
-              </a:spcBef>
-              <a:spcAft>
-                <a:spcPct val="0"/>
-              </a:spcAft>
-              <a:buClr>
-                <a:schemeClr val="tx2"/>
-              </a:buClr>
-              <a:buSzPct val="100000"/>
-              <a:buFont typeface="Wingdings" pitchFamily="2" charset="2"/>
-              <a:buChar char=""/>
-              <a:defRPr lang="en-US" sz="1400" dirty="0" smtClean="0">
-                <a:solidFill>
-                  <a:schemeClr val="tx1"/>
-                </a:solidFill>
-                <a:latin typeface="+mn-lt"/>
-                <a:ea typeface="+mn-ea"/>
-                <a:cs typeface="+mn-cs"/>
-              </a:defRPr>
-            </a:lvl3pPr>
-            <a:lvl4pPr marL="912813" indent="-225425" algn="l" defTabSz="1019175" rtl="0" eaLnBrk="1" fontAlgn="base" hangingPunct="1">
-              <a:lnSpc>
-                <a:spcPct val="110000"/>
-              </a:lnSpc>
-              <a:spcBef>
-                <a:spcPts val="336"/>
-              </a:spcBef>
-              <a:spcAft>
-                <a:spcPct val="0"/>
-              </a:spcAft>
-              <a:buClr>
-                <a:schemeClr val="tx2"/>
-              </a:buClr>
-              <a:buSzPct val="80000"/>
-              <a:buFont typeface="Wingdings 3" pitchFamily="18" charset="2"/>
-              <a:buChar char=""/>
-              <a:defRPr lang="en-US" sz="1400" dirty="0" smtClean="0">
-                <a:solidFill>
-                  <a:schemeClr val="tx1"/>
-                </a:solidFill>
-                <a:latin typeface="+mn-lt"/>
-                <a:ea typeface="+mn-ea"/>
-                <a:cs typeface="+mn-cs"/>
-              </a:defRPr>
-            </a:lvl4pPr>
-            <a:lvl5pPr marL="1143000" indent="-228600" algn="l" defTabSz="1019175" rtl="0" eaLnBrk="1" fontAlgn="base" hangingPunct="1">
-              <a:lnSpc>
-                <a:spcPct val="110000"/>
-              </a:lnSpc>
-              <a:spcBef>
-                <a:spcPts val="336"/>
-              </a:spcBef>
-              <a:spcAft>
-                <a:spcPct val="0"/>
-              </a:spcAft>
-              <a:buClr>
-                <a:schemeClr val="tx2"/>
-              </a:buClr>
-              <a:buSzPct val="100000"/>
-              <a:buFont typeface="Wingdings 2" pitchFamily="18" charset="2"/>
-              <a:buChar char=""/>
-              <a:defRPr lang="en-US" sz="1400" dirty="0" smtClean="0">
-                <a:solidFill>
-                  <a:schemeClr val="tx1"/>
-                </a:solidFill>
-                <a:latin typeface="+mn-lt"/>
-                <a:ea typeface="+mn-ea"/>
-                <a:cs typeface="+mn-cs"/>
-              </a:defRPr>
-            </a:lvl5pPr>
-            <a:lvl6pPr marL="1374775" indent="-228600" algn="l" defTabSz="1019175" rtl="0" eaLnBrk="1" fontAlgn="base" hangingPunct="1">
-              <a:lnSpc>
-                <a:spcPct val="110000"/>
-              </a:lnSpc>
-              <a:spcBef>
-                <a:spcPts val="336"/>
-              </a:spcBef>
-              <a:spcAft>
-                <a:spcPct val="0"/>
-              </a:spcAft>
-              <a:buClr>
-                <a:schemeClr val="tx2"/>
-              </a:buClr>
-              <a:buSzPct val="85000"/>
-              <a:buFont typeface="Wingdings 2" pitchFamily="18" charset="2"/>
-              <a:buChar char="¡"/>
-              <a:defRPr lang="en-US" sz="1400" baseline="0" dirty="0" smtClean="0">
-                <a:solidFill>
-                  <a:schemeClr val="tx1"/>
-                </a:solidFill>
-                <a:latin typeface="+mn-lt"/>
-                <a:ea typeface="+mn-ea"/>
-                <a:cs typeface="+mn-cs"/>
-              </a:defRPr>
-            </a:lvl6pPr>
-            <a:lvl7pPr marL="1597025" indent="-222250" algn="l" defTabSz="1019175" rtl="0" eaLnBrk="1" fontAlgn="base" hangingPunct="1">
-              <a:lnSpc>
-                <a:spcPct val="110000"/>
-              </a:lnSpc>
-              <a:spcBef>
-                <a:spcPts val="336"/>
-              </a:spcBef>
-              <a:spcAft>
-                <a:spcPct val="0"/>
-              </a:spcAft>
-              <a:buClr>
-                <a:schemeClr val="tx2"/>
-              </a:buClr>
-              <a:buSzPct val="100000"/>
-              <a:buFont typeface="Wingdings" pitchFamily="2" charset="2"/>
-              <a:buChar char="w"/>
-              <a:defRPr lang="en-US" sz="1400" baseline="0" dirty="0" smtClean="0">
-                <a:solidFill>
-                  <a:schemeClr val="tx1"/>
-                </a:solidFill>
-                <a:latin typeface="+mn-lt"/>
-                <a:ea typeface="+mn-ea"/>
-                <a:cs typeface="+mn-cs"/>
-              </a:defRPr>
-            </a:lvl7pPr>
-            <a:lvl8pPr marL="1828800" indent="-231775" algn="l" defTabSz="1019175" rtl="0" eaLnBrk="1" fontAlgn="base" hangingPunct="1">
-              <a:lnSpc>
-                <a:spcPct val="110000"/>
-              </a:lnSpc>
-              <a:spcBef>
-                <a:spcPts val="336"/>
-              </a:spcBef>
-              <a:spcAft>
-                <a:spcPct val="0"/>
-              </a:spcAft>
-              <a:buClr>
-                <a:schemeClr val="tx2"/>
-              </a:buClr>
-              <a:buSzPct val="80000"/>
-              <a:buFont typeface="Wingdings 3" pitchFamily="18" charset="2"/>
-              <a:buChar char=""/>
-              <a:defRPr lang="en-US" sz="1400" baseline="0" dirty="0" smtClean="0">
-                <a:solidFill>
-                  <a:schemeClr val="tx1"/>
-                </a:solidFill>
-                <a:latin typeface="+mn-lt"/>
-                <a:ea typeface="+mn-ea"/>
-                <a:cs typeface="+mn-cs"/>
-              </a:defRPr>
-            </a:lvl8pPr>
-            <a:lvl9pPr marL="2057400" indent="-228600" algn="l" defTabSz="1019175" rtl="0" eaLnBrk="1" fontAlgn="base" hangingPunct="1">
-              <a:lnSpc>
-                <a:spcPct val="110000"/>
-              </a:lnSpc>
-              <a:spcBef>
-                <a:spcPts val="336"/>
-              </a:spcBef>
-              <a:spcAft>
-                <a:spcPct val="0"/>
-              </a:spcAft>
-              <a:buClr>
-                <a:schemeClr val="tx2"/>
-              </a:buClr>
-              <a:buSzPct val="100000"/>
-              <a:buFont typeface="Wingdings 2" pitchFamily="18" charset="2"/>
-              <a:buChar char=""/>
-              <a:defRPr lang="en-US" sz="1400" dirty="0" smtClean="0">
-                <a:solidFill>
-                  <a:schemeClr val="tx1"/>
-                </a:solidFill>
-                <a:latin typeface="+mn-lt"/>
-                <a:ea typeface="+mn-ea"/>
-                <a:cs typeface="+mn-cs"/>
-              </a:defRPr>
-            </a:lvl9pPr>
-          </a:lstStyle>
-          <a:p>
-            <a:pPr algn="l"/>
-            <a:endParaRPr kumimoji="0" lang="en-US" sz="1400" b="0" i="0" u="none" strike="noStrike" kern="0" cap="none" spc="0" normalizeH="0" baseline="0" noProof="0" dirty="0">
-              <a:ln>
-                <a:noFill/>
-              </a:ln>
-              <a:solidFill>
-                <a:srgbClr val="FF0000"/>
-              </a:solidFill>
-              <a:effectLst/>
-              <a:highlight>
-                <a:srgbClr val="FFFFFF"/>
-              </a:highlight>
-              <a:uLnTx/>
-              <a:uFillTx/>
-              <a:latin typeface="Barclays Effra" panose="020B0603020203020204" pitchFamily="34" charset="0"/>
-              <a:ea typeface="+mn-ea"/>
-              <a:cs typeface="Arial" pitchFamily="34" charset="0"/>
-            </a:endParaRPr>
-          </a:p>
-        </p:txBody>
-      </p:sp>
-      <p:pic>
-        <p:nvPicPr>
-          <p:cNvPr id="4" name="Picture 3">
-            <a:extLst>
-              <a:ext uri="{FF2B5EF4-FFF2-40B4-BE49-F238E27FC236}">
-                <a16:creationId xmlns:a16="http://schemas.microsoft.com/office/drawing/2014/main" id="{2D6BF519-FB94-B7F5-39CA-8DDE33726A29}"/>
-              </a:ext>
-            </a:extLst>
-          </p:cNvPr>
-          <p:cNvPicPr>
-            <a:picLocks noChangeAspect="1"/>
-          </p:cNvPicPr>
-          <p:nvPr userDrawn="1">
-            <p:custDataLst>
-              <p:tags r:id="rId12"/>
-            </p:custDataLst>
-          </p:nvPr>
-        </p:nvPicPr>
-        <p:blipFill>
-          <a:blip r:embed="rId15">
-            <a:extLst>
-              <a:ext uri="{28A0092B-C50C-407E-A947-70E740481C1C}">
-                <a14:useLocalDpi xmlns:a14="http://schemas.microsoft.com/office/drawing/2010/main" val="0"/>
-              </a:ext>
-            </a:extLst>
-          </a:blip>
-          <a:stretch>
-            <a:fillRect/>
-          </a:stretch>
-        </p:blipFill>
-        <p:spPr>
-          <a:xfrm>
-            <a:off x="1393200" y="5861304"/>
-            <a:ext cx="2548800" cy="432815"/>
-          </a:xfrm>
-          <a:prstGeom prst="rect">
-            <a:avLst/>
-          </a:prstGeom>
-        </p:spPr>
-      </p:pic>
-    </p:spTree>
-    <p:custDataLst>
-      <p:tags r:id="rId1"/>
-    </p:custDataLst>
-    <p:extLst>
-      <p:ext uri="{BB962C8B-B14F-4D97-AF65-F5344CB8AC3E}">
-        <p14:creationId xmlns:p14="http://schemas.microsoft.com/office/powerpoint/2010/main" val="776992413"/>
-      </p:ext>
-    </p:extLst>
-  </p:cSld>
-  <p:clrMapOvr>
-    <a:masterClrMapping/>
-  </p:clrMapOvr>
-  <p:extLst>
-    <p:ext uri="{DCECCB84-F9BA-43D5-87BE-67443E8EF086}">
-      <p15:sldGuideLst xmlns:p15="http://schemas.microsoft.com/office/powerpoint/2012/main">
-        <p15:guide id="1" orient="horz" pos="3720" userDrawn="1">
-          <p15:clr>
-            <a:srgbClr val="FBAE40"/>
-          </p15:clr>
-        </p15:guide>
-        <p15:guide id="2" orient="horz" pos="3960" userDrawn="1">
-          <p15:clr>
-            <a:srgbClr val="FBAE40"/>
-          </p15:clr>
-        </p15:guide>
-      </p15:sldGuideLst>
-    </p:ext>
-  </p:extLst>
-</p:sldLayout>
-</file>
-
-<file path=ppt/slideLayouts/slideLayout20.xml><?xml version="1.0" encoding="utf-8"?>
+<file path=ppt/slideLayouts/slideLayout21.xml><?xml version="1.0" encoding="utf-8"?>
 <p:sldLayout xmlns:a="http://schemas.openxmlformats.org/drawingml/2006/main" xmlns:r="http://schemas.openxmlformats.org/officeDocument/2006/relationships" xmlns:p="http://schemas.openxmlformats.org/presentationml/2006/main" showMasterSp="0" preserve="1" userDrawn="1">
   <p:cSld name="CoverPage">
     <p:bg>
@@ -14093,7 +14229,7 @@
 </p:sldLayout>
 </file>
 
-<file path=ppt/slideLayouts/slideLayout21.xml><?xml version="1.0" encoding="utf-8"?>
+<file path=ppt/slideLayouts/slideLayout22.xml><?xml version="1.0" encoding="utf-8"?>
 <p:sldLayout xmlns:a="http://schemas.openxmlformats.org/drawingml/2006/main" xmlns:r="http://schemas.openxmlformats.org/officeDocument/2006/relationships" xmlns:p="http://schemas.openxmlformats.org/presentationml/2006/main" showMasterSp="0" preserve="1" userDrawn="1">
   <p:cSld name="CoverPage Dark">
     <p:bg>
@@ -16124,7 +16260,7 @@
 </p:sldLayout>
 </file>
 
-<file path=ppt/slideLayouts/slideLayout22.xml><?xml version="1.0" encoding="utf-8"?>
+<file path=ppt/slideLayouts/slideLayout23.xml><?xml version="1.0" encoding="utf-8"?>
 <p:sldLayout xmlns:a="http://schemas.openxmlformats.org/drawingml/2006/main" xmlns:r="http://schemas.openxmlformats.org/officeDocument/2006/relationships" xmlns:p="http://schemas.openxmlformats.org/presentationml/2006/main" showMasterSp="0" preserve="1" userDrawn="1">
   <p:cSld name="CoverPage Logo Thin">
     <p:bg>
@@ -18357,7 +18493,7 @@
 </p:sldLayout>
 </file>
 
-<file path=ppt/slideLayouts/slideLayout23.xml><?xml version="1.0" encoding="utf-8"?>
+<file path=ppt/slideLayouts/slideLayout24.xml><?xml version="1.0" encoding="utf-8"?>
 <p:sldLayout xmlns:a="http://schemas.openxmlformats.org/drawingml/2006/main" xmlns:r="http://schemas.openxmlformats.org/officeDocument/2006/relationships" xmlns:p="http://schemas.openxmlformats.org/presentationml/2006/main" showMasterSp="0" preserve="1" userDrawn="1">
   <p:cSld name="CoverPage Single Logo Thin">
     <p:bg>
@@ -20486,7 +20622,7 @@
 </p:sldLayout>
 </file>
 
-<file path=ppt/slideLayouts/slideLayout24.xml><?xml version="1.0" encoding="utf-8"?>
+<file path=ppt/slideLayouts/slideLayout25.xml><?xml version="1.0" encoding="utf-8"?>
 <p:sldLayout xmlns:a="http://schemas.openxmlformats.org/drawingml/2006/main" xmlns:r="http://schemas.openxmlformats.org/officeDocument/2006/relationships" xmlns:p="http://schemas.openxmlformats.org/presentationml/2006/main" showMasterSp="0" preserve="1" userDrawn="1">
   <p:cSld name="CoverPage Thin">
     <p:bg>
@@ -22521,7 +22657,7 @@
 </p:sldLayout>
 </file>
 
-<file path=ppt/slideLayouts/slideLayout25.xml><?xml version="1.0" encoding="utf-8"?>
+<file path=ppt/slideLayouts/slideLayout26.xml><?xml version="1.0" encoding="utf-8"?>
 <p:sldLayout xmlns:a="http://schemas.openxmlformats.org/drawingml/2006/main" xmlns:r="http://schemas.openxmlformats.org/officeDocument/2006/relationships" xmlns:p="http://schemas.openxmlformats.org/presentationml/2006/main" showMasterSp="0" preserve="1" userDrawn="1">
   <p:cSld name="CoverPage Dark Thin">
     <p:bg>
@@ -24549,7 +24685,7 @@
 </p:sldLayout>
 </file>
 
-<file path=ppt/slideLayouts/slideLayout26.xml><?xml version="1.0" encoding="utf-8"?>
+<file path=ppt/slideLayouts/slideLayout27.xml><?xml version="1.0" encoding="utf-8"?>
 <p:sldLayout xmlns:a="http://schemas.openxmlformats.org/drawingml/2006/main" xmlns:r="http://schemas.openxmlformats.org/officeDocument/2006/relationships" xmlns:p="http://schemas.openxmlformats.org/presentationml/2006/main" showMasterSp="0" preserve="1" userDrawn="1">
   <p:cSld name="Section">
     <p:bg>
@@ -25030,7 +25166,7 @@
 </p:sldLayout>
 </file>
 
-<file path=ppt/slideLayouts/slideLayout27.xml><?xml version="1.0" encoding="utf-8"?>
+<file path=ppt/slideLayouts/slideLayout28.xml><?xml version="1.0" encoding="utf-8"?>
 <p:sldLayout xmlns:a="http://schemas.openxmlformats.org/drawingml/2006/main" xmlns:r="http://schemas.openxmlformats.org/officeDocument/2006/relationships" xmlns:p="http://schemas.openxmlformats.org/presentationml/2006/main" showMasterSp="0" preserve="1" userDrawn="1">
   <p:cSld name="Section Thin">
     <p:bg>
@@ -25511,7 +25647,7 @@
 </p:sldLayout>
 </file>
 
-<file path=ppt/slideLayouts/slideLayout28.xml><?xml version="1.0" encoding="utf-8"?>
+<file path=ppt/slideLayouts/slideLayout29.xml><?xml version="1.0" encoding="utf-8"?>
 <p:sldLayout xmlns:a="http://schemas.openxmlformats.org/drawingml/2006/main" xmlns:r="http://schemas.openxmlformats.org/officeDocument/2006/relationships" xmlns:p="http://schemas.openxmlformats.org/presentationml/2006/main" preserve="1" userDrawn="1">
   <p:cSld name="ToC">
     <p:spTree>
@@ -25768,561 +25904,6 @@
     <p:extLst>
       <p:ext uri="{BB962C8B-B14F-4D97-AF65-F5344CB8AC3E}">
         <p14:creationId xmlns:p14="http://schemas.microsoft.com/office/powerpoint/2010/main" val="4081270712"/>
-      </p:ext>
-    </p:extLst>
-  </p:cSld>
-  <p:clrMapOvr>
-    <a:masterClrMapping/>
-  </p:clrMapOvr>
-  <p:extLst>
-    <p:ext uri="{DCECCB84-F9BA-43D5-87BE-67443E8EF086}">
-      <p15:sldGuideLst xmlns:p15="http://schemas.microsoft.com/office/powerpoint/2012/main"/>
-    </p:ext>
-  </p:extLst>
-</p:sldLayout>
-</file>
-
-<file path=ppt/slideLayouts/slideLayout29.xml><?xml version="1.0" encoding="utf-8"?>
-<p:sldLayout xmlns:a="http://schemas.openxmlformats.org/drawingml/2006/main" xmlns:r="http://schemas.openxmlformats.org/officeDocument/2006/relationships" xmlns:p="http://schemas.openxmlformats.org/presentationml/2006/main" preserve="1" userDrawn="1">
-  <p:cSld name="Title and Content">
-    <p:spTree>
-      <p:nvGrpSpPr>
-        <p:cNvPr id="1" name=""/>
-        <p:cNvGrpSpPr/>
-        <p:nvPr/>
-      </p:nvGrpSpPr>
-      <p:grpSpPr>
-        <a:xfrm>
-          <a:off x="0" y="0"/>
-          <a:ext cx="0" cy="0"/>
-          <a:chOff x="0" y="0"/>
-          <a:chExt cx="0" cy="0"/>
-        </a:xfrm>
-      </p:grpSpPr>
-      <p:sp>
-        <p:nvSpPr>
-          <p:cNvPr id="2" name="TITLE"/>
-          <p:cNvSpPr>
-            <a:spLocks noGrp="1"/>
-          </p:cNvSpPr>
-          <p:nvPr>
-            <p:ph type="title" hasCustomPrompt="1"/>
-            <p:custDataLst>
-              <p:tags r:id="rId1"/>
-            </p:custDataLst>
-          </p:nvPr>
-        </p:nvSpPr>
-        <p:spPr>
-          <a:xfrm>
-            <a:off x="687600" y="529200"/>
-            <a:ext cx="8686800" cy="532800"/>
-          </a:xfrm>
-          <a:prstGeom prst="rect">
-            <a:avLst/>
-          </a:prstGeom>
-          <a:noFill/>
-          <a:ln w="9525">
-            <a:noFill/>
-            <a:miter lim="800000"/>
-            <a:headEnd/>
-            <a:tailEnd/>
-          </a:ln>
-        </p:spPr>
-        <p:txBody>
-          <a:bodyPr vert="horz" wrap="square" lIns="0" tIns="0" rIns="0" bIns="0" numCol="1" anchor="b" anchorCtr="0" compatLnSpc="1">
-            <a:prstTxWarp prst="textNoShape">
-              <a:avLst/>
-            </a:prstTxWarp>
-            <a:noAutofit/>
-          </a:bodyPr>
-          <a:lstStyle>
-            <a:lvl1pPr>
-              <a:lnSpc>
-                <a:spcPct val="90000"/>
-              </a:lnSpc>
-              <a:defRPr lang="en-US" sz="2400" b="1" kern="1200" dirty="0" smtClean="0">
-                <a:solidFill>
-                  <a:schemeClr val="tx1"/>
-                </a:solidFill>
-                <a:latin typeface="Barclays Effra" panose="020B0603020203020204" pitchFamily="34" charset="0"/>
-                <a:ea typeface="+mj-ea"/>
-                <a:cs typeface="+mj-cs"/>
-              </a:defRPr>
-            </a:lvl1pPr>
-          </a:lstStyle>
-          <a:p>
-            <a:pPr lvl="0"/>
-            <a:r>
-              <a:rPr lang="en-US" dirty="0"/>
-              <a:t>Headline: Enter your headline here</a:t>
-            </a:r>
-          </a:p>
-        </p:txBody>
-      </p:sp>
-      <p:sp>
-        <p:nvSpPr>
-          <p:cNvPr id="16" name="FOOTNOTE"/>
-          <p:cNvSpPr>
-            <a:spLocks noGrp="1"/>
-          </p:cNvSpPr>
-          <p:nvPr>
-            <p:ph type="body" sz="quarter" idx="25" hasCustomPrompt="1"/>
-            <p:custDataLst>
-              <p:tags r:id="rId2"/>
-            </p:custDataLst>
-          </p:nvPr>
-        </p:nvSpPr>
-        <p:spPr>
-          <a:xfrm>
-            <a:off x="687600" y="6476400"/>
-            <a:ext cx="8686800" cy="529200"/>
-          </a:xfrm>
-          <a:prstGeom prst="rect">
-            <a:avLst/>
-          </a:prstGeom>
-        </p:spPr>
-        <p:txBody>
-          <a:bodyPr wrap="square" lIns="0" tIns="0" rIns="0" bIns="0" anchor="b">
-            <a:noAutofit/>
-          </a:bodyPr>
-          <a:lstStyle>
-            <a:lvl1pPr marL="0" indent="0">
-              <a:lnSpc>
-                <a:spcPct val="100000"/>
-              </a:lnSpc>
-              <a:spcBef>
-                <a:spcPts val="0"/>
-              </a:spcBef>
-              <a:buFontTx/>
-              <a:buNone/>
-              <a:defRPr sz="800" i="1">
-                <a:solidFill>
-                  <a:schemeClr val="tx1"/>
-                </a:solidFill>
-                <a:latin typeface="Barclays Effra" panose="020B0603020203020204" pitchFamily="34" charset="0"/>
-              </a:defRPr>
-            </a:lvl1pPr>
-            <a:lvl2pPr marL="171450" indent="-171450">
-              <a:lnSpc>
-                <a:spcPct val="100000"/>
-              </a:lnSpc>
-              <a:spcBef>
-                <a:spcPts val="0"/>
-              </a:spcBef>
-              <a:buClr>
-                <a:schemeClr val="tx1"/>
-              </a:buClr>
-              <a:buFont typeface="+mj-lt"/>
-              <a:buAutoNum type="arabicPeriod"/>
-              <a:defRPr sz="800" i="1">
-                <a:solidFill>
-                  <a:schemeClr val="tx1"/>
-                </a:solidFill>
-                <a:latin typeface="Barclays Effra" panose="020B0603020203020204" pitchFamily="34" charset="0"/>
-              </a:defRPr>
-            </a:lvl2pPr>
-            <a:lvl3pPr marL="461963" indent="-236538">
-              <a:lnSpc>
-                <a:spcPct val="100000"/>
-              </a:lnSpc>
-              <a:spcBef>
-                <a:spcPts val="0"/>
-              </a:spcBef>
-              <a:buClr>
-                <a:schemeClr val="tx1"/>
-              </a:buClr>
-              <a:buSzPct val="90000"/>
-              <a:buFont typeface="+mj-lt"/>
-              <a:buAutoNum type="alphaLcParenR"/>
-              <a:defRPr sz="800" i="1">
-                <a:solidFill>
-                  <a:schemeClr val="tx1"/>
-                </a:solidFill>
-                <a:latin typeface="Barclays Effra" panose="020B0603020203020204" pitchFamily="34" charset="0"/>
-              </a:defRPr>
-            </a:lvl3pPr>
-            <a:lvl4pPr marL="628976" indent="0">
-              <a:lnSpc>
-                <a:spcPct val="100000"/>
-              </a:lnSpc>
-              <a:spcBef>
-                <a:spcPts val="0"/>
-              </a:spcBef>
-              <a:buClr>
-                <a:schemeClr val="tx1"/>
-              </a:buClr>
-              <a:buFont typeface="+mj-lt"/>
-              <a:buNone/>
-              <a:defRPr sz="732">
-                <a:solidFill>
-                  <a:schemeClr val="tx1"/>
-                </a:solidFill>
-              </a:defRPr>
-            </a:lvl4pPr>
-            <a:lvl5pPr marL="1150457" indent="-313762">
-              <a:lnSpc>
-                <a:spcPct val="100000"/>
-              </a:lnSpc>
-              <a:spcBef>
-                <a:spcPts val="0"/>
-              </a:spcBef>
-              <a:buClr>
-                <a:schemeClr val="tx1"/>
-              </a:buClr>
-              <a:buFont typeface="+mj-lt"/>
-              <a:buAutoNum type="alphaLcPeriod"/>
-              <a:defRPr sz="732">
-                <a:solidFill>
-                  <a:schemeClr val="tx1"/>
-                </a:solidFill>
-              </a:defRPr>
-            </a:lvl5pPr>
-          </a:lstStyle>
-          <a:p>
-            <a:pPr lvl="0"/>
-            <a:r>
-              <a:rPr lang="en-US" dirty="0"/>
-              <a:t>Source:</a:t>
-            </a:r>
-          </a:p>
-          <a:p>
-            <a:pPr lvl="1"/>
-            <a:r>
-              <a:rPr lang="en-US" dirty="0"/>
-              <a:t>Footnotes</a:t>
-            </a:r>
-          </a:p>
-          <a:p>
-            <a:pPr lvl="2"/>
-            <a:r>
-              <a:rPr lang="en-US" dirty="0"/>
-              <a:t>Third level</a:t>
-            </a:r>
-          </a:p>
-        </p:txBody>
-      </p:sp>
-      <p:sp>
-        <p:nvSpPr>
-          <p:cNvPr id="7" name="CONTENT_BODY"/>
-          <p:cNvSpPr>
-            <a:spLocks noGrp="1"/>
-          </p:cNvSpPr>
-          <p:nvPr>
-            <p:ph sz="quarter" idx="19" hasCustomPrompt="1"/>
-            <p:custDataLst>
-              <p:tags r:id="rId3"/>
-            </p:custDataLst>
-          </p:nvPr>
-        </p:nvSpPr>
-        <p:spPr>
-          <a:xfrm>
-            <a:off x="687600" y="1674000"/>
-            <a:ext cx="8686800" cy="5029200"/>
-          </a:xfrm>
-          <a:prstGeom prst="rect">
-            <a:avLst/>
-          </a:prstGeom>
-        </p:spPr>
-        <p:txBody>
-          <a:bodyPr lIns="0" tIns="46800" rIns="18000" bIns="46800"/>
-          <a:lstStyle>
-            <a:lvl1pPr marL="230400" indent="-230400">
-              <a:lnSpc>
-                <a:spcPct val="110000"/>
-              </a:lnSpc>
-              <a:spcBef>
-                <a:spcPts val="1008"/>
-              </a:spcBef>
-              <a:buClr>
-                <a:schemeClr val="tx1"/>
-              </a:buClr>
-              <a:buFont typeface="Wingdings 2" panose="05020102010507070707" pitchFamily="18" charset="2"/>
-              <a:buChar char=""/>
-              <a:defRPr sz="1400">
-                <a:latin typeface="Barclays Effra" panose="020B0603020203020204" pitchFamily="34" charset="0"/>
-              </a:defRPr>
-            </a:lvl1pPr>
-            <a:lvl2pPr marL="457200" indent="-226800">
-              <a:lnSpc>
-                <a:spcPct val="110000"/>
-              </a:lnSpc>
-              <a:spcBef>
-                <a:spcPts val="336"/>
-              </a:spcBef>
-              <a:buClr>
-                <a:schemeClr val="tx1"/>
-              </a:buClr>
-              <a:buSzPct val="85000"/>
-              <a:buFont typeface="Wingdings 2" panose="05020102010507070707" pitchFamily="18" charset="2"/>
-              <a:buChar char=""/>
-              <a:defRPr sz="1400">
-                <a:latin typeface="Barclays Effra" panose="020B0603020203020204" pitchFamily="34" charset="0"/>
-              </a:defRPr>
-            </a:lvl2pPr>
-            <a:lvl3pPr marL="687600" indent="-226800">
-              <a:lnSpc>
-                <a:spcPct val="110000"/>
-              </a:lnSpc>
-              <a:spcBef>
-                <a:spcPts val="336"/>
-              </a:spcBef>
-              <a:buClr>
-                <a:schemeClr val="tx1"/>
-              </a:buClr>
-              <a:buFont typeface="Wingdings" panose="05000000000000000000" pitchFamily="2" charset="2"/>
-              <a:buChar char=""/>
-              <a:defRPr sz="1400">
-                <a:latin typeface="Barclays Effra" panose="020B0603020203020204" pitchFamily="34" charset="0"/>
-              </a:defRPr>
-            </a:lvl3pPr>
-            <a:lvl4pPr marL="914400" indent="-226800">
-              <a:lnSpc>
-                <a:spcPct val="110000"/>
-              </a:lnSpc>
-              <a:spcBef>
-                <a:spcPts val="336"/>
-              </a:spcBef>
-              <a:buClr>
-                <a:schemeClr val="tx1"/>
-              </a:buClr>
-              <a:buSzPct val="80000"/>
-              <a:buFont typeface="Wingdings 3" panose="05040102010807070707" pitchFamily="18" charset="2"/>
-              <a:buChar char=""/>
-              <a:defRPr sz="1400">
-                <a:latin typeface="Barclays Effra" panose="020B0603020203020204" pitchFamily="34" charset="0"/>
-              </a:defRPr>
-            </a:lvl4pPr>
-            <a:lvl5pPr marL="230400" indent="-230400">
-              <a:lnSpc>
-                <a:spcPct val="110000"/>
-              </a:lnSpc>
-              <a:spcBef>
-                <a:spcPts val="1200"/>
-              </a:spcBef>
-              <a:buClr>
-                <a:schemeClr val="tx1"/>
-              </a:buClr>
-              <a:buFont typeface="Arial" panose="020B0604020202020204" pitchFamily="34" charset="0"/>
-              <a:buChar char="•"/>
-              <a:defRPr sz="1400"/>
-            </a:lvl5pPr>
-          </a:lstStyle>
-          <a:p>
-            <a:pPr lvl="0"/>
-            <a:r>
-              <a:rPr lang="en-US" dirty="0"/>
-              <a:t>Enter your text here</a:t>
-            </a:r>
-          </a:p>
-          <a:p>
-            <a:pPr lvl="1"/>
-            <a:r>
-              <a:rPr lang="en-US" dirty="0"/>
-              <a:t>Second level</a:t>
-            </a:r>
-          </a:p>
-          <a:p>
-            <a:pPr lvl="2"/>
-            <a:r>
-              <a:rPr lang="en-US" dirty="0"/>
-              <a:t>Third level</a:t>
-            </a:r>
-          </a:p>
-          <a:p>
-            <a:pPr lvl="3"/>
-            <a:r>
-              <a:rPr lang="en-US" dirty="0"/>
-              <a:t>Fourth level</a:t>
-            </a:r>
-          </a:p>
-        </p:txBody>
-      </p:sp>
-      <p:sp>
-        <p:nvSpPr>
-          <p:cNvPr id="8" name="PAGENUMBER"/>
-          <p:cNvSpPr>
-            <a:spLocks noGrp="1"/>
-          </p:cNvSpPr>
-          <p:nvPr>
-            <p:ph type="body" sz="quarter" idx="23" hasCustomPrompt="1"/>
-            <p:custDataLst>
-              <p:tags r:id="rId4"/>
-            </p:custDataLst>
-          </p:nvPr>
-        </p:nvSpPr>
-        <p:spPr>
-          <a:xfrm>
-            <a:off x="687600" y="7203600"/>
-            <a:ext cx="4420800" cy="169277"/>
-          </a:xfrm>
-          <a:prstGeom prst="rect">
-            <a:avLst/>
-          </a:prstGeom>
-        </p:spPr>
-        <p:txBody>
-          <a:bodyPr lIns="0" tIns="0" rIns="0" bIns="0" anchor="b" anchorCtr="0">
-            <a:spAutoFit/>
-          </a:bodyPr>
-          <a:lstStyle>
-            <a:lvl1pPr marL="0" indent="0" algn="l">
-              <a:lnSpc>
-                <a:spcPct val="100000"/>
-              </a:lnSpc>
-              <a:spcBef>
-                <a:spcPts val="480"/>
-              </a:spcBef>
-              <a:buNone/>
-              <a:defRPr sz="1100">
-                <a:latin typeface="Barclays Effra" panose="020B0603020203020204" pitchFamily="34" charset="0"/>
-              </a:defRPr>
-            </a:lvl1pPr>
-          </a:lstStyle>
-          <a:p>
-            <a:pPr lvl="0"/>
-            <a:r>
-              <a:rPr lang="en-US" dirty="0"/>
-              <a:t>#</a:t>
-            </a:r>
-          </a:p>
-        </p:txBody>
-      </p:sp>
-      <p:sp>
-        <p:nvSpPr>
-          <p:cNvPr id="6" name="SUBTITLE"/>
-          <p:cNvSpPr>
-            <a:spLocks noGrp="1"/>
-          </p:cNvSpPr>
-          <p:nvPr>
-            <p:ph type="body" sz="quarter" idx="13" hasCustomPrompt="1"/>
-            <p:custDataLst>
-              <p:tags r:id="rId5"/>
-            </p:custDataLst>
-          </p:nvPr>
-        </p:nvSpPr>
-        <p:spPr>
-          <a:xfrm>
-            <a:off x="687600" y="1299600"/>
-            <a:ext cx="8686800" cy="381600"/>
-          </a:xfrm>
-          <a:prstGeom prst="rect">
-            <a:avLst/>
-          </a:prstGeom>
-          <a:noFill/>
-          <a:ln w="9525">
-            <a:noFill/>
-            <a:miter lim="800000"/>
-            <a:headEnd/>
-            <a:tailEnd/>
-          </a:ln>
-          <a:effectLst/>
-        </p:spPr>
-        <p:txBody>
-          <a:bodyPr lIns="0" tIns="0" rIns="100800" bIns="18000" anchor="t" anchorCtr="0">
-            <a:noAutofit/>
-          </a:bodyPr>
-          <a:lstStyle>
-            <a:lvl1pPr marL="0" indent="0" algn="l" rtl="0" fontAlgn="base">
-              <a:lnSpc>
-                <a:spcPct val="100000"/>
-              </a:lnSpc>
-              <a:spcBef>
-                <a:spcPct val="0"/>
-              </a:spcBef>
-              <a:spcAft>
-                <a:spcPct val="0"/>
-              </a:spcAft>
-              <a:buNone/>
-              <a:defRPr lang="en-US" sz="1400" b="1" kern="1200" dirty="0" smtClean="0">
-                <a:solidFill>
-                  <a:schemeClr val="tx1"/>
-                </a:solidFill>
-                <a:latin typeface="Barclays Effra" panose="020B0603020203020204" pitchFamily="34" charset="0"/>
-                <a:ea typeface="+mn-ea"/>
-                <a:cs typeface="Arial" charset="0"/>
-              </a:defRPr>
-            </a:lvl1pPr>
-            <a:lvl2pPr algn="l" rtl="0" fontAlgn="base">
-              <a:spcBef>
-                <a:spcPct val="0"/>
-              </a:spcBef>
-              <a:spcAft>
-                <a:spcPct val="0"/>
-              </a:spcAft>
-              <a:buNone/>
-              <a:defRPr lang="en-US" sz="1464" b="1" kern="1200" dirty="0" smtClean="0">
-                <a:solidFill>
-                  <a:schemeClr val="tx1"/>
-                </a:solidFill>
-                <a:latin typeface="Arial" charset="0"/>
-                <a:ea typeface="+mn-ea"/>
-                <a:cs typeface="Arial" charset="0"/>
-              </a:defRPr>
-            </a:lvl2pPr>
-            <a:lvl3pPr algn="l" rtl="0" fontAlgn="base">
-              <a:spcBef>
-                <a:spcPct val="0"/>
-              </a:spcBef>
-              <a:spcAft>
-                <a:spcPct val="0"/>
-              </a:spcAft>
-              <a:buNone/>
-              <a:defRPr lang="en-US" sz="1464" b="1" kern="1200" dirty="0" smtClean="0">
-                <a:solidFill>
-                  <a:schemeClr val="tx1"/>
-                </a:solidFill>
-                <a:latin typeface="Arial" charset="0"/>
-                <a:ea typeface="+mn-ea"/>
-                <a:cs typeface="Arial" charset="0"/>
-              </a:defRPr>
-            </a:lvl3pPr>
-            <a:lvl4pPr algn="l" rtl="0" fontAlgn="base">
-              <a:spcBef>
-                <a:spcPct val="0"/>
-              </a:spcBef>
-              <a:spcAft>
-                <a:spcPct val="0"/>
-              </a:spcAft>
-              <a:buNone/>
-              <a:defRPr lang="en-US" sz="1464" b="1" kern="1200" dirty="0" smtClean="0">
-                <a:solidFill>
-                  <a:schemeClr val="tx1"/>
-                </a:solidFill>
-                <a:latin typeface="Arial" charset="0"/>
-                <a:ea typeface="+mn-ea"/>
-                <a:cs typeface="Arial" charset="0"/>
-              </a:defRPr>
-            </a:lvl4pPr>
-            <a:lvl5pPr algn="l" rtl="0" fontAlgn="base">
-              <a:spcBef>
-                <a:spcPct val="0"/>
-              </a:spcBef>
-              <a:spcAft>
-                <a:spcPct val="0"/>
-              </a:spcAft>
-              <a:buNone/>
-              <a:defRPr lang="en-US" sz="1464" b="1" kern="1200" dirty="0">
-                <a:solidFill>
-                  <a:schemeClr val="tx1"/>
-                </a:solidFill>
-                <a:latin typeface="Arial" charset="0"/>
-                <a:ea typeface="+mn-ea"/>
-                <a:cs typeface="Arial" charset="0"/>
-              </a:defRPr>
-            </a:lvl5pPr>
-          </a:lstStyle>
-          <a:p>
-            <a:pPr lvl="0"/>
-            <a:r>
-              <a:rPr lang="en-US" dirty="0"/>
-              <a:t>Sub-Header: Enter your optional sub-heading here</a:t>
-            </a:r>
-          </a:p>
-        </p:txBody>
-      </p:sp>
-    </p:spTree>
-    <p:extLst>
-      <p:ext uri="{BB962C8B-B14F-4D97-AF65-F5344CB8AC3E}">
-        <p14:creationId xmlns:p14="http://schemas.microsoft.com/office/powerpoint/2010/main" val="501744617"/>
       </p:ext>
     </p:extLst>
   </p:cSld>
@@ -28372,6 +27953,561 @@
 
 <file path=ppt/slideLayouts/slideLayout30.xml><?xml version="1.0" encoding="utf-8"?>
 <p:sldLayout xmlns:a="http://schemas.openxmlformats.org/drawingml/2006/main" xmlns:r="http://schemas.openxmlformats.org/officeDocument/2006/relationships" xmlns:p="http://schemas.openxmlformats.org/presentationml/2006/main" preserve="1" userDrawn="1">
+  <p:cSld name="Title and Content">
+    <p:spTree>
+      <p:nvGrpSpPr>
+        <p:cNvPr id="1" name=""/>
+        <p:cNvGrpSpPr/>
+        <p:nvPr/>
+      </p:nvGrpSpPr>
+      <p:grpSpPr>
+        <a:xfrm>
+          <a:off x="0" y="0"/>
+          <a:ext cx="0" cy="0"/>
+          <a:chOff x="0" y="0"/>
+          <a:chExt cx="0" cy="0"/>
+        </a:xfrm>
+      </p:grpSpPr>
+      <p:sp>
+        <p:nvSpPr>
+          <p:cNvPr id="2" name="TITLE"/>
+          <p:cNvSpPr>
+            <a:spLocks noGrp="1"/>
+          </p:cNvSpPr>
+          <p:nvPr>
+            <p:ph type="title" hasCustomPrompt="1"/>
+            <p:custDataLst>
+              <p:tags r:id="rId1"/>
+            </p:custDataLst>
+          </p:nvPr>
+        </p:nvSpPr>
+        <p:spPr>
+          <a:xfrm>
+            <a:off x="687600" y="529200"/>
+            <a:ext cx="8686800" cy="532800"/>
+          </a:xfrm>
+          <a:prstGeom prst="rect">
+            <a:avLst/>
+          </a:prstGeom>
+          <a:noFill/>
+          <a:ln w="9525">
+            <a:noFill/>
+            <a:miter lim="800000"/>
+            <a:headEnd/>
+            <a:tailEnd/>
+          </a:ln>
+        </p:spPr>
+        <p:txBody>
+          <a:bodyPr vert="horz" wrap="square" lIns="0" tIns="0" rIns="0" bIns="0" numCol="1" anchor="b" anchorCtr="0" compatLnSpc="1">
+            <a:prstTxWarp prst="textNoShape">
+              <a:avLst/>
+            </a:prstTxWarp>
+            <a:noAutofit/>
+          </a:bodyPr>
+          <a:lstStyle>
+            <a:lvl1pPr>
+              <a:lnSpc>
+                <a:spcPct val="90000"/>
+              </a:lnSpc>
+              <a:defRPr lang="en-US" sz="2400" b="1" kern="1200" dirty="0" smtClean="0">
+                <a:solidFill>
+                  <a:schemeClr val="tx1"/>
+                </a:solidFill>
+                <a:latin typeface="Barclays Effra" panose="020B0603020203020204" pitchFamily="34" charset="0"/>
+                <a:ea typeface="+mj-ea"/>
+                <a:cs typeface="+mj-cs"/>
+              </a:defRPr>
+            </a:lvl1pPr>
+          </a:lstStyle>
+          <a:p>
+            <a:pPr lvl="0"/>
+            <a:r>
+              <a:rPr lang="en-US" dirty="0"/>
+              <a:t>Headline: Enter your headline here</a:t>
+            </a:r>
+          </a:p>
+        </p:txBody>
+      </p:sp>
+      <p:sp>
+        <p:nvSpPr>
+          <p:cNvPr id="16" name="FOOTNOTE"/>
+          <p:cNvSpPr>
+            <a:spLocks noGrp="1"/>
+          </p:cNvSpPr>
+          <p:nvPr>
+            <p:ph type="body" sz="quarter" idx="25" hasCustomPrompt="1"/>
+            <p:custDataLst>
+              <p:tags r:id="rId2"/>
+            </p:custDataLst>
+          </p:nvPr>
+        </p:nvSpPr>
+        <p:spPr>
+          <a:xfrm>
+            <a:off x="687600" y="6476400"/>
+            <a:ext cx="8686800" cy="529200"/>
+          </a:xfrm>
+          <a:prstGeom prst="rect">
+            <a:avLst/>
+          </a:prstGeom>
+        </p:spPr>
+        <p:txBody>
+          <a:bodyPr wrap="square" lIns="0" tIns="0" rIns="0" bIns="0" anchor="b">
+            <a:noAutofit/>
+          </a:bodyPr>
+          <a:lstStyle>
+            <a:lvl1pPr marL="0" indent="0">
+              <a:lnSpc>
+                <a:spcPct val="100000"/>
+              </a:lnSpc>
+              <a:spcBef>
+                <a:spcPts val="0"/>
+              </a:spcBef>
+              <a:buFontTx/>
+              <a:buNone/>
+              <a:defRPr sz="800" i="1">
+                <a:solidFill>
+                  <a:schemeClr val="tx1"/>
+                </a:solidFill>
+                <a:latin typeface="Barclays Effra" panose="020B0603020203020204" pitchFamily="34" charset="0"/>
+              </a:defRPr>
+            </a:lvl1pPr>
+            <a:lvl2pPr marL="171450" indent="-171450">
+              <a:lnSpc>
+                <a:spcPct val="100000"/>
+              </a:lnSpc>
+              <a:spcBef>
+                <a:spcPts val="0"/>
+              </a:spcBef>
+              <a:buClr>
+                <a:schemeClr val="tx1"/>
+              </a:buClr>
+              <a:buFont typeface="+mj-lt"/>
+              <a:buAutoNum type="arabicPeriod"/>
+              <a:defRPr sz="800" i="1">
+                <a:solidFill>
+                  <a:schemeClr val="tx1"/>
+                </a:solidFill>
+                <a:latin typeface="Barclays Effra" panose="020B0603020203020204" pitchFamily="34" charset="0"/>
+              </a:defRPr>
+            </a:lvl2pPr>
+            <a:lvl3pPr marL="461963" indent="-236538">
+              <a:lnSpc>
+                <a:spcPct val="100000"/>
+              </a:lnSpc>
+              <a:spcBef>
+                <a:spcPts val="0"/>
+              </a:spcBef>
+              <a:buClr>
+                <a:schemeClr val="tx1"/>
+              </a:buClr>
+              <a:buSzPct val="90000"/>
+              <a:buFont typeface="+mj-lt"/>
+              <a:buAutoNum type="alphaLcParenR"/>
+              <a:defRPr sz="800" i="1">
+                <a:solidFill>
+                  <a:schemeClr val="tx1"/>
+                </a:solidFill>
+                <a:latin typeface="Barclays Effra" panose="020B0603020203020204" pitchFamily="34" charset="0"/>
+              </a:defRPr>
+            </a:lvl3pPr>
+            <a:lvl4pPr marL="628976" indent="0">
+              <a:lnSpc>
+                <a:spcPct val="100000"/>
+              </a:lnSpc>
+              <a:spcBef>
+                <a:spcPts val="0"/>
+              </a:spcBef>
+              <a:buClr>
+                <a:schemeClr val="tx1"/>
+              </a:buClr>
+              <a:buFont typeface="+mj-lt"/>
+              <a:buNone/>
+              <a:defRPr sz="732">
+                <a:solidFill>
+                  <a:schemeClr val="tx1"/>
+                </a:solidFill>
+              </a:defRPr>
+            </a:lvl4pPr>
+            <a:lvl5pPr marL="1150457" indent="-313762">
+              <a:lnSpc>
+                <a:spcPct val="100000"/>
+              </a:lnSpc>
+              <a:spcBef>
+                <a:spcPts val="0"/>
+              </a:spcBef>
+              <a:buClr>
+                <a:schemeClr val="tx1"/>
+              </a:buClr>
+              <a:buFont typeface="+mj-lt"/>
+              <a:buAutoNum type="alphaLcPeriod"/>
+              <a:defRPr sz="732">
+                <a:solidFill>
+                  <a:schemeClr val="tx1"/>
+                </a:solidFill>
+              </a:defRPr>
+            </a:lvl5pPr>
+          </a:lstStyle>
+          <a:p>
+            <a:pPr lvl="0"/>
+            <a:r>
+              <a:rPr lang="en-US" dirty="0"/>
+              <a:t>Source:</a:t>
+            </a:r>
+          </a:p>
+          <a:p>
+            <a:pPr lvl="1"/>
+            <a:r>
+              <a:rPr lang="en-US" dirty="0"/>
+              <a:t>Footnotes</a:t>
+            </a:r>
+          </a:p>
+          <a:p>
+            <a:pPr lvl="2"/>
+            <a:r>
+              <a:rPr lang="en-US" dirty="0"/>
+              <a:t>Third level</a:t>
+            </a:r>
+          </a:p>
+        </p:txBody>
+      </p:sp>
+      <p:sp>
+        <p:nvSpPr>
+          <p:cNvPr id="7" name="CONTENT_BODY"/>
+          <p:cNvSpPr>
+            <a:spLocks noGrp="1"/>
+          </p:cNvSpPr>
+          <p:nvPr>
+            <p:ph sz="quarter" idx="19" hasCustomPrompt="1"/>
+            <p:custDataLst>
+              <p:tags r:id="rId3"/>
+            </p:custDataLst>
+          </p:nvPr>
+        </p:nvSpPr>
+        <p:spPr>
+          <a:xfrm>
+            <a:off x="687600" y="1674000"/>
+            <a:ext cx="8686800" cy="5029200"/>
+          </a:xfrm>
+          <a:prstGeom prst="rect">
+            <a:avLst/>
+          </a:prstGeom>
+        </p:spPr>
+        <p:txBody>
+          <a:bodyPr lIns="0" tIns="46800" rIns="18000" bIns="46800"/>
+          <a:lstStyle>
+            <a:lvl1pPr marL="230400" indent="-230400">
+              <a:lnSpc>
+                <a:spcPct val="110000"/>
+              </a:lnSpc>
+              <a:spcBef>
+                <a:spcPts val="1008"/>
+              </a:spcBef>
+              <a:buClr>
+                <a:schemeClr val="tx1"/>
+              </a:buClr>
+              <a:buFont typeface="Wingdings 2" panose="05020102010507070707" pitchFamily="18" charset="2"/>
+              <a:buChar char=""/>
+              <a:defRPr sz="1400">
+                <a:latin typeface="Barclays Effra" panose="020B0603020203020204" pitchFamily="34" charset="0"/>
+              </a:defRPr>
+            </a:lvl1pPr>
+            <a:lvl2pPr marL="457200" indent="-226800">
+              <a:lnSpc>
+                <a:spcPct val="110000"/>
+              </a:lnSpc>
+              <a:spcBef>
+                <a:spcPts val="336"/>
+              </a:spcBef>
+              <a:buClr>
+                <a:schemeClr val="tx1"/>
+              </a:buClr>
+              <a:buSzPct val="85000"/>
+              <a:buFont typeface="Wingdings 2" panose="05020102010507070707" pitchFamily="18" charset="2"/>
+              <a:buChar char=""/>
+              <a:defRPr sz="1400">
+                <a:latin typeface="Barclays Effra" panose="020B0603020203020204" pitchFamily="34" charset="0"/>
+              </a:defRPr>
+            </a:lvl2pPr>
+            <a:lvl3pPr marL="687600" indent="-226800">
+              <a:lnSpc>
+                <a:spcPct val="110000"/>
+              </a:lnSpc>
+              <a:spcBef>
+                <a:spcPts val="336"/>
+              </a:spcBef>
+              <a:buClr>
+                <a:schemeClr val="tx1"/>
+              </a:buClr>
+              <a:buFont typeface="Wingdings" panose="05000000000000000000" pitchFamily="2" charset="2"/>
+              <a:buChar char=""/>
+              <a:defRPr sz="1400">
+                <a:latin typeface="Barclays Effra" panose="020B0603020203020204" pitchFamily="34" charset="0"/>
+              </a:defRPr>
+            </a:lvl3pPr>
+            <a:lvl4pPr marL="914400" indent="-226800">
+              <a:lnSpc>
+                <a:spcPct val="110000"/>
+              </a:lnSpc>
+              <a:spcBef>
+                <a:spcPts val="336"/>
+              </a:spcBef>
+              <a:buClr>
+                <a:schemeClr val="tx1"/>
+              </a:buClr>
+              <a:buSzPct val="80000"/>
+              <a:buFont typeface="Wingdings 3" panose="05040102010807070707" pitchFamily="18" charset="2"/>
+              <a:buChar char=""/>
+              <a:defRPr sz="1400">
+                <a:latin typeface="Barclays Effra" panose="020B0603020203020204" pitchFamily="34" charset="0"/>
+              </a:defRPr>
+            </a:lvl4pPr>
+            <a:lvl5pPr marL="230400" indent="-230400">
+              <a:lnSpc>
+                <a:spcPct val="110000"/>
+              </a:lnSpc>
+              <a:spcBef>
+                <a:spcPts val="1200"/>
+              </a:spcBef>
+              <a:buClr>
+                <a:schemeClr val="tx1"/>
+              </a:buClr>
+              <a:buFont typeface="Arial" panose="020B0604020202020204" pitchFamily="34" charset="0"/>
+              <a:buChar char="•"/>
+              <a:defRPr sz="1400"/>
+            </a:lvl5pPr>
+          </a:lstStyle>
+          <a:p>
+            <a:pPr lvl="0"/>
+            <a:r>
+              <a:rPr lang="en-US" dirty="0"/>
+              <a:t>Enter your text here</a:t>
+            </a:r>
+          </a:p>
+          <a:p>
+            <a:pPr lvl="1"/>
+            <a:r>
+              <a:rPr lang="en-US" dirty="0"/>
+              <a:t>Second level</a:t>
+            </a:r>
+          </a:p>
+          <a:p>
+            <a:pPr lvl="2"/>
+            <a:r>
+              <a:rPr lang="en-US" dirty="0"/>
+              <a:t>Third level</a:t>
+            </a:r>
+          </a:p>
+          <a:p>
+            <a:pPr lvl="3"/>
+            <a:r>
+              <a:rPr lang="en-US" dirty="0"/>
+              <a:t>Fourth level</a:t>
+            </a:r>
+          </a:p>
+        </p:txBody>
+      </p:sp>
+      <p:sp>
+        <p:nvSpPr>
+          <p:cNvPr id="8" name="PAGENUMBER"/>
+          <p:cNvSpPr>
+            <a:spLocks noGrp="1"/>
+          </p:cNvSpPr>
+          <p:nvPr>
+            <p:ph type="body" sz="quarter" idx="23" hasCustomPrompt="1"/>
+            <p:custDataLst>
+              <p:tags r:id="rId4"/>
+            </p:custDataLst>
+          </p:nvPr>
+        </p:nvSpPr>
+        <p:spPr>
+          <a:xfrm>
+            <a:off x="687600" y="7203600"/>
+            <a:ext cx="4420800" cy="169277"/>
+          </a:xfrm>
+          <a:prstGeom prst="rect">
+            <a:avLst/>
+          </a:prstGeom>
+        </p:spPr>
+        <p:txBody>
+          <a:bodyPr lIns="0" tIns="0" rIns="0" bIns="0" anchor="b" anchorCtr="0">
+            <a:spAutoFit/>
+          </a:bodyPr>
+          <a:lstStyle>
+            <a:lvl1pPr marL="0" indent="0" algn="l">
+              <a:lnSpc>
+                <a:spcPct val="100000"/>
+              </a:lnSpc>
+              <a:spcBef>
+                <a:spcPts val="480"/>
+              </a:spcBef>
+              <a:buNone/>
+              <a:defRPr sz="1100">
+                <a:latin typeface="Barclays Effra" panose="020B0603020203020204" pitchFamily="34" charset="0"/>
+              </a:defRPr>
+            </a:lvl1pPr>
+          </a:lstStyle>
+          <a:p>
+            <a:pPr lvl="0"/>
+            <a:r>
+              <a:rPr lang="en-US" dirty="0"/>
+              <a:t>#</a:t>
+            </a:r>
+          </a:p>
+        </p:txBody>
+      </p:sp>
+      <p:sp>
+        <p:nvSpPr>
+          <p:cNvPr id="6" name="SUBTITLE"/>
+          <p:cNvSpPr>
+            <a:spLocks noGrp="1"/>
+          </p:cNvSpPr>
+          <p:nvPr>
+            <p:ph type="body" sz="quarter" idx="13" hasCustomPrompt="1"/>
+            <p:custDataLst>
+              <p:tags r:id="rId5"/>
+            </p:custDataLst>
+          </p:nvPr>
+        </p:nvSpPr>
+        <p:spPr>
+          <a:xfrm>
+            <a:off x="687600" y="1299600"/>
+            <a:ext cx="8686800" cy="381600"/>
+          </a:xfrm>
+          <a:prstGeom prst="rect">
+            <a:avLst/>
+          </a:prstGeom>
+          <a:noFill/>
+          <a:ln w="9525">
+            <a:noFill/>
+            <a:miter lim="800000"/>
+            <a:headEnd/>
+            <a:tailEnd/>
+          </a:ln>
+          <a:effectLst/>
+        </p:spPr>
+        <p:txBody>
+          <a:bodyPr lIns="0" tIns="0" rIns="100800" bIns="18000" anchor="t" anchorCtr="0">
+            <a:noAutofit/>
+          </a:bodyPr>
+          <a:lstStyle>
+            <a:lvl1pPr marL="0" indent="0" algn="l" rtl="0" fontAlgn="base">
+              <a:lnSpc>
+                <a:spcPct val="100000"/>
+              </a:lnSpc>
+              <a:spcBef>
+                <a:spcPct val="0"/>
+              </a:spcBef>
+              <a:spcAft>
+                <a:spcPct val="0"/>
+              </a:spcAft>
+              <a:buNone/>
+              <a:defRPr lang="en-US" sz="1400" b="1" kern="1200" dirty="0" smtClean="0">
+                <a:solidFill>
+                  <a:schemeClr val="tx1"/>
+                </a:solidFill>
+                <a:latin typeface="Barclays Effra" panose="020B0603020203020204" pitchFamily="34" charset="0"/>
+                <a:ea typeface="+mn-ea"/>
+                <a:cs typeface="Arial" charset="0"/>
+              </a:defRPr>
+            </a:lvl1pPr>
+            <a:lvl2pPr algn="l" rtl="0" fontAlgn="base">
+              <a:spcBef>
+                <a:spcPct val="0"/>
+              </a:spcBef>
+              <a:spcAft>
+                <a:spcPct val="0"/>
+              </a:spcAft>
+              <a:buNone/>
+              <a:defRPr lang="en-US" sz="1464" b="1" kern="1200" dirty="0" smtClean="0">
+                <a:solidFill>
+                  <a:schemeClr val="tx1"/>
+                </a:solidFill>
+                <a:latin typeface="Arial" charset="0"/>
+                <a:ea typeface="+mn-ea"/>
+                <a:cs typeface="Arial" charset="0"/>
+              </a:defRPr>
+            </a:lvl2pPr>
+            <a:lvl3pPr algn="l" rtl="0" fontAlgn="base">
+              <a:spcBef>
+                <a:spcPct val="0"/>
+              </a:spcBef>
+              <a:spcAft>
+                <a:spcPct val="0"/>
+              </a:spcAft>
+              <a:buNone/>
+              <a:defRPr lang="en-US" sz="1464" b="1" kern="1200" dirty="0" smtClean="0">
+                <a:solidFill>
+                  <a:schemeClr val="tx1"/>
+                </a:solidFill>
+                <a:latin typeface="Arial" charset="0"/>
+                <a:ea typeface="+mn-ea"/>
+                <a:cs typeface="Arial" charset="0"/>
+              </a:defRPr>
+            </a:lvl3pPr>
+            <a:lvl4pPr algn="l" rtl="0" fontAlgn="base">
+              <a:spcBef>
+                <a:spcPct val="0"/>
+              </a:spcBef>
+              <a:spcAft>
+                <a:spcPct val="0"/>
+              </a:spcAft>
+              <a:buNone/>
+              <a:defRPr lang="en-US" sz="1464" b="1" kern="1200" dirty="0" smtClean="0">
+                <a:solidFill>
+                  <a:schemeClr val="tx1"/>
+                </a:solidFill>
+                <a:latin typeface="Arial" charset="0"/>
+                <a:ea typeface="+mn-ea"/>
+                <a:cs typeface="Arial" charset="0"/>
+              </a:defRPr>
+            </a:lvl4pPr>
+            <a:lvl5pPr algn="l" rtl="0" fontAlgn="base">
+              <a:spcBef>
+                <a:spcPct val="0"/>
+              </a:spcBef>
+              <a:spcAft>
+                <a:spcPct val="0"/>
+              </a:spcAft>
+              <a:buNone/>
+              <a:defRPr lang="en-US" sz="1464" b="1" kern="1200" dirty="0">
+                <a:solidFill>
+                  <a:schemeClr val="tx1"/>
+                </a:solidFill>
+                <a:latin typeface="Arial" charset="0"/>
+                <a:ea typeface="+mn-ea"/>
+                <a:cs typeface="Arial" charset="0"/>
+              </a:defRPr>
+            </a:lvl5pPr>
+          </a:lstStyle>
+          <a:p>
+            <a:pPr lvl="0"/>
+            <a:r>
+              <a:rPr lang="en-US" dirty="0"/>
+              <a:t>Sub-Header: Enter your optional sub-heading here</a:t>
+            </a:r>
+          </a:p>
+        </p:txBody>
+      </p:sp>
+    </p:spTree>
+    <p:extLst>
+      <p:ext uri="{BB962C8B-B14F-4D97-AF65-F5344CB8AC3E}">
+        <p14:creationId xmlns:p14="http://schemas.microsoft.com/office/powerpoint/2010/main" val="501744617"/>
+      </p:ext>
+    </p:extLst>
+  </p:cSld>
+  <p:clrMapOvr>
+    <a:masterClrMapping/>
+  </p:clrMapOvr>
+  <p:extLst>
+    <p:ext uri="{DCECCB84-F9BA-43D5-87BE-67443E8EF086}">
+      <p15:sldGuideLst xmlns:p15="http://schemas.microsoft.com/office/powerpoint/2012/main"/>
+    </p:ext>
+  </p:extLst>
+</p:sldLayout>
+</file>
+
+<file path=ppt/slideLayouts/slideLayout31.xml><?xml version="1.0" encoding="utf-8"?>
+<p:sldLayout xmlns:a="http://schemas.openxmlformats.org/drawingml/2006/main" xmlns:r="http://schemas.openxmlformats.org/officeDocument/2006/relationships" xmlns:p="http://schemas.openxmlformats.org/presentationml/2006/main" preserve="1" userDrawn="1">
   <p:cSld name="Title and Content - Large">
     <p:spTree>
       <p:nvGrpSpPr>
@@ -28919,7 +29055,7 @@
 </p:sldLayout>
 </file>
 
-<file path=ppt/slideLayouts/slideLayout31.xml><?xml version="1.0" encoding="utf-8"?>
+<file path=ppt/slideLayouts/slideLayout32.xml><?xml version="1.0" encoding="utf-8"?>
 <p:sldLayout xmlns:a="http://schemas.openxmlformats.org/drawingml/2006/main" xmlns:r="http://schemas.openxmlformats.org/officeDocument/2006/relationships" xmlns:p="http://schemas.openxmlformats.org/presentationml/2006/main" preserve="1" userDrawn="1">
   <p:cSld name="Disclaimer">
     <p:spTree>
@@ -29096,7 +29232,7 @@
 </p:sldLayout>
 </file>
 
-<file path=ppt/slideLayouts/slideLayout32.xml><?xml version="1.0" encoding="utf-8"?>
+<file path=ppt/slideLayouts/slideLayout33.xml><?xml version="1.0" encoding="utf-8"?>
 <p:sldLayout xmlns:a="http://schemas.openxmlformats.org/drawingml/2006/main" xmlns:r="http://schemas.openxmlformats.org/officeDocument/2006/relationships" xmlns:p="http://schemas.openxmlformats.org/presentationml/2006/main" preserve="1" userDrawn="1">
   <p:cSld name="Disclaimer with Title">
     <p:spTree>
@@ -40235,7 +40371,7 @@
           </p:cNvSpPr>
           <p:nvPr>
             <p:custDataLst>
-              <p:tags r:id="rId20"/>
+              <p:tags r:id="rId21"/>
             </p:custDataLst>
           </p:nvPr>
         </p:nvSpPr>
@@ -40290,7 +40426,7 @@
           </p:cNvSpPr>
           <p:nvPr userDrawn="1">
             <p:custDataLst>
-              <p:tags r:id="rId21"/>
+              <p:tags r:id="rId22"/>
             </p:custDataLst>
           </p:nvPr>
         </p:nvSpPr>
@@ -40554,7 +40690,7 @@
           </p:cNvSpPr>
           <p:nvPr userDrawn="1">
             <p:custDataLst>
-              <p:tags r:id="rId22"/>
+              <p:tags r:id="rId23"/>
             </p:custDataLst>
           </p:nvPr>
         </p:nvSpPr>
@@ -40833,7 +40969,7 @@
           </p:cNvSpPr>
           <p:nvPr userDrawn="1">
             <p:custDataLst>
-              <p:tags r:id="rId23"/>
+              <p:tags r:id="rId24"/>
             </p:custDataLst>
           </p:nvPr>
         </p:nvSpPr>
@@ -41113,12 +41249,12 @@
           </p:cNvPicPr>
           <p:nvPr userDrawn="1">
             <p:custDataLst>
-              <p:tags r:id="rId24"/>
+              <p:tags r:id="rId25"/>
             </p:custDataLst>
           </p:nvPr>
         </p:nvPicPr>
         <p:blipFill>
-          <a:blip r:embed="rId25" cstate="print">
+          <a:blip r:embed="rId26" cstate="print">
             <a:extLst>
               <a:ext uri="{28A0092B-C50C-407E-A947-70E740481C1C}">
                 <a14:useLocalDpi xmlns:a14="http://schemas.microsoft.com/office/drawing/2010/main" val="0"/>
@@ -41141,7 +41277,7 @@
       </p:pic>
     </p:spTree>
     <p:custDataLst>
-      <p:tags r:id="rId19"/>
+      <p:tags r:id="rId20"/>
     </p:custDataLst>
     <p:extLst>
       <p:ext uri="{BB962C8B-B14F-4D97-AF65-F5344CB8AC3E}">
@@ -41166,8 +41302,9 @@
     <p:sldLayoutId id="2147483701" r:id="rId13"/>
     <p:sldLayoutId id="2147483702" r:id="rId14"/>
     <p:sldLayoutId id="2147483703" r:id="rId15"/>
-    <p:sldLayoutId id="2147483751" r:id="rId16"/>
-    <p:sldLayoutId id="2147483737" r:id="rId17"/>
+    <p:sldLayoutId id="2147483752" r:id="rId16"/>
+    <p:sldLayoutId id="2147483751" r:id="rId17"/>
+    <p:sldLayoutId id="2147483737" r:id="rId18"/>
   </p:sldLayoutIdLst>
   <p:hf hdr="0" ftr="0"/>
   <p:txStyles>
@@ -43440,7 +43577,7 @@
 
 <file path=ppt/tags/tag129.xml><?xml version="1.0" encoding="utf-8"?>
 <p:tagLst xmlns:a="http://schemas.openxmlformats.org/drawingml/2006/main" xmlns:r="http://schemas.openxmlformats.org/officeDocument/2006/relationships" xmlns:p="http://schemas.openxmlformats.org/presentationml/2006/main">
-  <p:tag name="COVER" val="{&quot;selection&quot;:0,&quot;v&quot;:0,&quot;handler&quot;:&quot;PresBuilder.PowerPoint.Components.CoverSlide.CoverSlideObject, PresBuilder.PowerPoint.dll&quot;}"/>
+  <p:tag name="3024383624" val="H08aWFt3alEkDywMCCIeUWtlWlxGGXdPbQMXQlJUXkNNZ2QfblRxUEpxVEtncVRQRhp3T24DDVpXVVtPTWdkG25UcVhKcV1HYHAF"/>
 </p:tagLst>
 </file>
 
@@ -43452,61 +43589,61 @@
 
 <file path=ppt/tags/tag130.xml><?xml version="1.0" encoding="utf-8"?>
 <p:tagLst xmlns:a="http://schemas.openxmlformats.org/drawingml/2006/main" xmlns:r="http://schemas.openxmlformats.org/officeDocument/2006/relationships" xmlns:p="http://schemas.openxmlformats.org/presentationml/2006/main">
-  <p:tag name="342F25342708" val="H08aWFt3alEkDywMCCIeUWtlWlxETzQALVpWBkZXTgwINC4SIAlsGAUzBR8RJRkCBwE0DCocWhsJT0BYFCVkSTdMNkpedl9Gf3dARVNBdxl7CAxFSlVYVkMwZEl6VnRGVXFAUTllQkNcWXtBbwUMCRk="/>
+  <p:tag name="20243F392D060F3E093C1D2A2B0335" val="H08aWFt3alE4THhZVHRCR2dzTlxETzlXYwcNWlVZXU1Sa2ZRO0x4XlxzQFNzL1pKUFhkW2wBDEAZ"/>
 </p:tagLst>
 </file>
 
 <file path=ppt/tags/tag131.xml><?xml version="1.0" encoding="utf-8"?>
 <p:tagLst xmlns:a="http://schemas.openxmlformats.org/drawingml/2006/main" xmlns:r="http://schemas.openxmlformats.org/officeDocument/2006/relationships" xmlns:p="http://schemas.openxmlformats.org/presentationml/2006/main">
-  <p:tag name="28222B35" val="H08YA0N9d19uHi4JByJOSWBrWgZGV2VZe0YbTlFbWVRZdHdKYEwuSl5yXEN/dEBIVkF3AnsICEZVQ19PUmtkG25UcF5KdF9FY3UF"/>
+  <p:tag name="COVER" val="{&quot;selection&quot;:0,&quot;v&quot;:0,&quot;handler&quot;:&quot;PresBuilder.PowerPoint.Components.CoverSlide.CoverSlideObject, PresBuilder.PowerPoint.dll&quot;}"/>
 </p:tagLst>
 </file>
 
 <file path=ppt/tags/tag132.xml><?xml version="1.0" encoding="utf-8"?>
 <p:tagLst xmlns:a="http://schemas.openxmlformats.org/drawingml/2006/main" xmlns:r="http://schemas.openxmlformats.org/officeDocument/2006/relationships" xmlns:p="http://schemas.openxmlformats.org/presentationml/2006/main">
-  <p:tag name="342F3F2E200A1620" val="H08YWFt2dF11WG5KCGVWRWJ0VkdSVGJZe0UbTlxcQklXa2QbblRwUEp/EQ=="/>
+  <p:tag name="342F25342708" val="H08aWFt3alEkDywMCCIeUWtlWlxETzQALVpWBkZXTgwINC4SIAlsGAUzBR8RJRkCBwE0DCocWhsJT0BYFCVkSTdMNkpedl9Gf3dARVNBdxl7CAxFSlVYVkMwZEl6VnRGVXFAUTllQkNcWXtBbwUMCRk="/>
 </p:tagLst>
 </file>
 
 <file path=ppt/tags/tag133.xml><?xml version="1.0" encoding="utf-8"?>
 <p:tagLst xmlns:a="http://schemas.openxmlformats.org/drawingml/2006/main" xmlns:r="http://schemas.openxmlformats.org/officeDocument/2006/relationships" xmlns:p="http://schemas.openxmlformats.org/presentationml/2006/main">
-  <p:tag name="303F2D392A0E08340F21062D" val="H08PFQUiZEluTG5KEGVWQmlpSEBUXGBNah4bGEZXWU5PdnJCe11uShNlVkVpc1ZASE89V2MDCVpVVVpKV3V+Dg=="/>
+  <p:tag name="28222B35" val="H08YA0N9d19uHi4JByJOSWBrWgZGV2VZe0YbTlFbWVRZdHdKYEwuSl5yXEN/dEBIVkF3AnsICEZVQ19PUmtkG25UcF5KdF9FY3UF"/>
 </p:tagLst>
 </file>
 
 <file path=ppt/tags/tag134.xml><?xml version="1.0" encoding="utf-8"?>
 <p:tagLst xmlns:a="http://schemas.openxmlformats.org/drawingml/2006/main" xmlns:r="http://schemas.openxmlformats.org/officeDocument/2006/relationships" xmlns:p="http://schemas.openxmlformats.org/presentationml/2006/main">
-  <p:tag name="28222B35" val="H08iGwwiZEluLA4nIwhOX3MzWkpRW2JbawMLQkhPAFhbcXdGYlpyWVFyQFEmZUJBVlx7Q2EeGxxGV15KT3FwQXpZdVAZ"/>
+  <p:tag name="342F3F2E200A1620" val="H08YWFt2dF11WG5KCGVWRWJ0VkdSVGJZe0UbTlxcQklXa2QbblRwUEp/EQ=="/>
 </p:tagLst>
 </file>
 
 <file path=ppt/tags/tag135.xml><?xml version="1.0" encoding="utf-8"?>
 <p:tagLst xmlns:a="http://schemas.openxmlformats.org/drawingml/2006/main" xmlns:r="http://schemas.openxmlformats.org/officeDocument/2006/relationships" xmlns:p="http://schemas.openxmlformats.org/presentationml/2006/main">
-  <p:tag name="COVER" val="{&quot;selection&quot;:0,&quot;ObjectType&quot;:0,&quot;v&quot;:0,&quot;handler&quot;:&quot;PresBuilder.PowerPoint.Components.CoverSlide.CoverSlideObject, PresBuilder.PowerPoint.dll&quot;}"/>
+  <p:tag name="303F2D392A0E08340F21062D" val="H08PFQUiZEluTG5KEGVWQmlpSEBUXGBNah4bGEZXWU5PdnJCe11uShNlVkVpc1ZASE89V2MDCVpVVVpKV3V+Dg=="/>
 </p:tagLst>
 </file>
 
 <file path=ppt/tags/tag136.xml><?xml version="1.0" encoding="utf-8"?>
 <p:tagLst xmlns:a="http://schemas.openxmlformats.org/drawingml/2006/main" xmlns:r="http://schemas.openxmlformats.org/officeDocument/2006/relationships" xmlns:p="http://schemas.openxmlformats.org/presentationml/2006/main">
-  <p:tag name="26223E3E2415" val="H08aWFt3alNuGmBSVGtMUT1lQkBITXcCewgBQFVDVE1UdmpTbgZgUlF+WV1jckhBGQ=="/>
+  <p:tag name="28222B35" val="H08iGwwiZEluLA4nIwhOX3MzWkpRW2JbawMLQkhPAFhbcXdGYlpyWVFyQFEmZUJBVlx7Q2EeGxxGV15KT3FwQXpZdVAZ"/>
 </p:tagLst>
 </file>
 
 <file path=ppt/tags/tag137.xml><?xml version="1.0" encoding="utf-8"?>
 <p:tagLst xmlns:a="http://schemas.openxmlformats.org/drawingml/2006/main" xmlns:r="http://schemas.openxmlformats.org/officeDocument/2006/relationships" xmlns:p="http://schemas.openxmlformats.org/presentationml/2006/main">
-  <p:tag name="28222B35" val="H08YA0N9d19uHi4JByJOSWFrWhMJHXdPexAVVgJPVlhDa2QFblRyREYzTkllcUpeXFpgQXUSGxhGV1hDVWlwR2BOYB9GfV1BZGlMQFNceVV7WhtOV1lCTFBwc0Ux"/>
+  <p:tag name="COVER" val="{&quot;selection&quot;:0,&quot;ObjectType&quot;:0,&quot;v&quot;:0,&quot;handler&quot;:&quot;PresBuilder.PowerPoint.Components.CoverSlide.CoverSlideObject, PresBuilder.PowerPoint.dll&quot;}"/>
 </p:tagLst>
 </file>
 
 <file path=ppt/tags/tag138.xml><?xml version="1.0" encoding="utf-8"?>
 <p:tagLst xmlns:a="http://schemas.openxmlformats.org/drawingml/2006/main" xmlns:r="http://schemas.openxmlformats.org/officeDocument/2006/relationships" xmlns:p="http://schemas.openxmlformats.org/presentationml/2006/main">
-  <p:tag name="3439252E2D02" val="H08aWFt3alE4THhaV35CRmNwTlxETzlXYwMJTUpaXEpZa2ZRO0x4XVN1Qkd9Z1oYRldmQncDCkdcWxE="/>
+  <p:tag name="26223E3E2415" val="H08aWFt3alNuGmBSVGtMUT1lQkBITXcCewgBQFVDVE1UdmpTbgZgUlF+WV1jckhBGQ=="/>
 </p:tagLst>
 </file>
 
 <file path=ppt/tags/tag139.xml><?xml version="1.0" encoding="utf-8"?>
 <p:tagLst xmlns:a="http://schemas.openxmlformats.org/drawingml/2006/main" xmlns:r="http://schemas.openxmlformats.org/officeDocument/2006/relationships" xmlns:p="http://schemas.openxmlformats.org/presentationml/2006/main">
-  <p:tag name="212C2B362418052A0D20" val="H08aWFt3alE4THhZUWlbRn1nWhxGV2JHbBwJRFRcQFpDMGRJeFlsXlZzVUV9Z1oYRldgRCQ="/>
+  <p:tag name="28222B35" val="H08YA0N9d19uHi4JByJOSWFrWhMJHXdPexAVVgJPVlhDa2QFblRyREYzTkllcUpeXFpgQXUSGxhGV1hDVWlwR2BOYB9GfV1BZGlMQFNceVV7WhtOV1lCTFBwc0Ux"/>
 </p:tagLst>
 </file>
 
@@ -43518,61 +43655,61 @@
 
 <file path=ppt/tags/tag140.xml><?xml version="1.0" encoding="utf-8"?>
 <p:tagLst xmlns:a="http://schemas.openxmlformats.org/drawingml/2006/main" xmlns:r="http://schemas.openxmlformats.org/officeDocument/2006/relationships" xmlns:p="http://schemas.openxmlformats.org/presentationml/2006/main">
-  <p:tag name="212C2B362418113B053A07" val="H08aWFt3alE4THhZUWlbS2FwSVxETzlXYwULQUpcX05Xa2ZRO0x4XFNpX0BicFRQRgV3T2wDF0RWXlpIHA=="/>
+  <p:tag name="3439252E2D02" val="H08aWFt3alE4THhaV35CRmNwTlxETzlXYwMJTUpaXEpZa2ZRO0x4XVN1Qkd9Z1oYRldmQncDCkdcWxE="/>
 </p:tagLst>
 </file>
 
 <file path=ppt/tags/tag141.xml><?xml version="1.0" encoding="utf-8"?>
 <p:tagLst xmlns:a="http://schemas.openxmlformats.org/drawingml/2006/main" xmlns:r="http://schemas.openxmlformats.org/officeDocument/2006/relationships" xmlns:p="http://schemas.openxmlformats.org/presentationml/2006/main">
-  <p:tag name="303F2D392A0E08340F21062D" val="H08PFQUiZEluTG5KEGVWQmlpSEBUXGBNah4bGEZXX0JPf3VHelp2W0hlG1FrcUBESl15VzEQA0VUQ11CV3dwQXQT"/>
+  <p:tag name="212C2B362418052A0D20" val="H08aWFt3alE4THhZUWlbRn1nWhxGV2JHbBwJRFRcQFpDMGRJeFlsXlZzVUV9Z1oYRldgRCQ="/>
 </p:tagLst>
 </file>
 
 <file path=ppt/tags/tag142.xml><?xml version="1.0" encoding="utf-8"?>
 <p:tagLst xmlns:a="http://schemas.openxmlformats.org/drawingml/2006/main" xmlns:r="http://schemas.openxmlformats.org/officeDocument/2006/relationships" xmlns:p="http://schemas.openxmlformats.org/presentationml/2006/main">
-  <p:tag name="373D2D392415" val="H08aWFt3alNuGmBSUHFcXWFxS1xETzlXYwEKR0peWU5Sa2ZRO0x4WEhnThtzfUtESl1kTGwBRA=="/>
+  <p:tag name="212C2B362418113B053A07" val="H08aWFt3alE4THhZUWlbS2FwSVxETzlXYwULQUpcX05Xa2ZRO0x4XFNpX0BicFRQRgV3T2wDF0RWXlpIHA=="/>
 </p:tagLst>
 </file>
 
 <file path=ppt/tags/tag143.xml><?xml version="1.0" encoding="utf-8"?>
 <p:tagLst xmlns:a="http://schemas.openxmlformats.org/drawingml/2006/main" xmlns:r="http://schemas.openxmlformats.org/officeDocument/2006/relationships" xmlns:p="http://schemas.openxmlformats.org/presentationml/2006/main">
-  <p:tag name="373D2D392415" val="H08aWFt3alNuGmBSUHFcXWFxS1xETzlXYwYBR0pcXlZBZTFRdl5uSEYvTklic1ZAVVRgRiQ="/>
+  <p:tag name="303F2D392A0E08340F21062D" val="H08PFQUiZEluTG5KEGVWQmlpSEBUXGBNah4bGEZXX0JPf3VHelp2W0hlG1FrcUBESl15VzEQA0VUQ11CV3dwQXQT"/>
 </p:tagLst>
 </file>
 
 <file path=ppt/tags/tag144.xml><?xml version="1.0" encoding="utf-8"?>
 <p:tagLst xmlns:a="http://schemas.openxmlformats.org/drawingml/2006/main" xmlns:r="http://schemas.openxmlformats.org/officeDocument/2006/relationships" xmlns:p="http://schemas.openxmlformats.org/presentationml/2006/main">
-  <p:tag name="343E3938350E123F09" val="H08aWFt3alE4THhaXHJCQ2F3SlxETzlXYwMJTUpaXEpZa2ZRO0x4XVN1QkBkcU9cRE89V2MAAFpVVFpCVDo="/>
+  <p:tag name="373D2D392415" val="H08aWFt3alNuGmBSUHFcXWFxS1xETzlXYwEKR0peWU5Sa2ZRO0x4WEhnThtzfUtESl1kTGwBRA=="/>
 </p:tagLst>
 </file>
 
 <file path=ppt/tags/tag145.xml><?xml version="1.0" encoding="utf-8"?>
 <p:tagLst xmlns:a="http://schemas.openxmlformats.org/drawingml/2006/main" xmlns:r="http://schemas.openxmlformats.org/officeDocument/2006/relationships" xmlns:p="http://schemas.openxmlformats.org/presentationml/2006/main">
-  <p:tag name="34292D2E24130F3E09" val="H08aWFt3alE4THhbVnZCRGJ1S1xETzlXYwMJTUpaXEpZa2ZRO0x4WVF2Qkpja1hSDE9vQW0cDERXVFgH"/>
+  <p:tag name="373D2D392415" val="H08aWFt3alNuGmBSUHFcXWFxS1xETzlXYwYBR0pcXlZBZTFRdl5uSEYvTklic1ZAVVRgRiQ="/>
 </p:tagLst>
 </file>
 
 <file path=ppt/tags/tag146.xml><?xml version="1.0" encoding="utf-8"?>
 <p:tagLst xmlns:a="http://schemas.openxmlformats.org/drawingml/2006/main" xmlns:r="http://schemas.openxmlformats.org/officeDocument/2006/relationships" xmlns:p="http://schemas.openxmlformats.org/presentationml/2006/main">
-  <p:tag name="343E253D2F17092018" val="H08aWFt3alE4THhbVnNCS2R3TFxETzlXYwMIQkpaVE1Va2ZRO0x4WVF2Qkpja1hSDE9vQW0cDERXVFgH"/>
+  <p:tag name="343E3938350E123F09" val="H08aWFt3alE4THhaXHJCQ2F3SlxETzlXYwMJTUpaXEpZa2ZRO0x4XVN1QkBkcU9cRE89V2MAAFpVVFpCVDo="/>
 </p:tagLst>
 </file>
 
 <file path=ppt/tags/tag147.xml><?xml version="1.0" encoding="utf-8"?>
 <p:tagLst xmlns:a="http://schemas.openxmlformats.org/drawingml/2006/main" xmlns:r="http://schemas.openxmlformats.org/officeDocument/2006/relationships" xmlns:p="http://schemas.openxmlformats.org/presentationml/2006/main">
-  <p:tag name="342F3F2E200A1620" val="H08YWFt2dkpiWXJYU35AUT1lQkFUVHtCaQIORFJBTg1DfXRLeEB6UFV+QFE5ZUJCUENjQGoHDUdREA=="/>
+  <p:tag name="34292D2E24130F3E09" val="H08aWFt3alE4THhbVnZCRGJ1S1xETzlXYwMJTUpaXEpZa2ZRO0x4WVF2Qkpja1hSDE9vQW0cDERXVFgH"/>
 </p:tagLst>
 </file>
 
 <file path=ppt/tags/tag148.xml><?xml version="1.0" encoding="utf-8"?>
 <p:tagLst xmlns:a="http://schemas.openxmlformats.org/drawingml/2006/main" xmlns:r="http://schemas.openxmlformats.org/officeDocument/2006/relationships" xmlns:p="http://schemas.openxmlformats.org/presentationml/2006/main">
-  <p:tag name="28222B35" val="H08iGwwiZEluLA4nIwhOX3MkFQBGV3dXdRBfVl5PTlZDM2RJeFhzRlF1QFE9ZUJBVFR7QmkCDk1ITxtYW3V2Q2JYe1pddltfcy9aSldZe0VuCwBGGQ=="/>
+  <p:tag name="343E253D2F17092018" val="H08aWFt3alE4THhbVnNCS2R3TFxETzlXYwMIQkpaVE1Va2ZRO0x4WVF2Qkpja1hSDE9vQW0cDERXVFgH"/>
 </p:tagLst>
 </file>
 
 <file path=ppt/tags/tag149.xml><?xml version="1.0" encoding="utf-8"?>
 <p:tagLst xmlns:a="http://schemas.openxmlformats.org/drawingml/2006/main" xmlns:r="http://schemas.openxmlformats.org/officeDocument/2006/relationships" xmlns:p="http://schemas.openxmlformats.org/presentationml/2006/main">
-  <p:tag name="COVER" val="{&quot;selection&quot;:0,&quot;ObjectType&quot;:0,&quot;v&quot;:0,&quot;handler&quot;:&quot;PresBuilder.PowerPoint.Components.CoverSlide.CoverSlideObject, PresBuilder.PowerPoint.dll&quot;}"/>
+  <p:tag name="342F3F2E200A1620" val="H08YWFt2dkpiWXJYU35AUT1lQkFUVHtCaQIORFJBTg1DfXRLeEB6UFV+QFE5ZUJCUENjQGoHDUdREA=="/>
 </p:tagLst>
 </file>
 
@@ -43584,61 +43721,61 @@
 
 <file path=ppt/tags/tag150.xml><?xml version="1.0" encoding="utf-8"?>
 <p:tagLst xmlns:a="http://schemas.openxmlformats.org/drawingml/2006/main" xmlns:r="http://schemas.openxmlformats.org/officeDocument/2006/relationships" xmlns:p="http://schemas.openxmlformats.org/presentationml/2006/main">
-  <p:tag name="26223E3E2415" val="H08aWFt3alNuGmBSVGtMUT1lQkBITXcCewgBQFVDVE1UdmpTbgZgUlF+WV1jckhBGQ=="/>
+  <p:tag name="28222B35" val="H08iGwwiZEluLA4nIwhOX3MkFQBGV3dXdRBfVl5PTlZDM2RJeFhzRlF1QFE9ZUJBVFR7QmkCDk1ITxtYW3V2Q2JYe1pddltfcy9aSldZe0VuCwBGGQ=="/>
 </p:tagLst>
 </file>
 
 <file path=ppt/tags/tag151.xml><?xml version="1.0" encoding="utf-8"?>
 <p:tagLst xmlns:a="http://schemas.openxmlformats.org/drawingml/2006/main" xmlns:r="http://schemas.openxmlformats.org/officeDocument/2006/relationships" xmlns:p="http://schemas.openxmlformats.org/presentationml/2006/main">
-  <p:tag name="28222B35" val="H08YA0N9d19uHi4JByJOSWFrWhMJHXdPexAVVgJPVlhDa2QFblRyREYzTkllcUleUl1hQHUQVVZeWF9LT3F3R35CYB9GfV1GYGlBQkhPPVdjBgBaUlUR"/>
+  <p:tag name="COVER" val="{&quot;selection&quot;:0,&quot;ObjectType&quot;:0,&quot;v&quot;:0,&quot;handler&quot;:&quot;PresBuilder.PowerPoint.Components.CoverSlide.CoverSlideObject, PresBuilder.PowerPoint.dll&quot;}"/>
 </p:tagLst>
 </file>
 
 <file path=ppt/tags/tag152.xml><?xml version="1.0" encoding="utf-8"?>
 <p:tagLst xmlns:a="http://schemas.openxmlformats.org/drawingml/2006/main" xmlns:r="http://schemas.openxmlformats.org/officeDocument/2006/relationships" xmlns:p="http://schemas.openxmlformats.org/presentationml/2006/main">
-  <p:tag name="3439252E2D02" val="H08aWFt3alE4THhaV35CRmNwTlxETzlXYwMJTUpaXEpZa2ZRO0x4XVN1Qkd9Z1oYRldmQncDCkdcWxE="/>
+  <p:tag name="26223E3E2415" val="H08aWFt3alNuGmBSVGtMUT1lQkBITXcCewgBQFVDVE1UdmpTbgZgUlF+WV1jckhBGQ=="/>
 </p:tagLst>
 </file>
 
 <file path=ppt/tags/tag153.xml><?xml version="1.0" encoding="utf-8"?>
 <p:tagLst xmlns:a="http://schemas.openxmlformats.org/drawingml/2006/main" xmlns:r="http://schemas.openxmlformats.org/officeDocument/2006/relationships" xmlns:p="http://schemas.openxmlformats.org/presentationml/2006/main">
-  <p:tag name="212C2B362418052A0D20" val="H08aWFt3alE4THhZUWlbRn1nWhxGV2JHbBwJRFRcQFpDMGRJeFlsXlZzVUV9Z1oYRldgRCQ="/>
+  <p:tag name="28222B35" val="H08YA0N9d19uHi4JByJOSWFrWhMJHXdPexAVVgJPVlhDa2QFblRyREYzTkllcUleUl1hQHUQVVZeWF9LT3F3R35CYB9GfV1GYGlBQkhPPVdjBgBaUlUR"/>
 </p:tagLst>
 </file>
 
 <file path=ppt/tags/tag154.xml><?xml version="1.0" encoding="utf-8"?>
 <p:tagLst xmlns:a="http://schemas.openxmlformats.org/drawingml/2006/main" xmlns:r="http://schemas.openxmlformats.org/officeDocument/2006/relationships" xmlns:p="http://schemas.openxmlformats.org/presentationml/2006/main">
-  <p:tag name="212C2B362418113B053A07" val="H08aWFt3alE4THhZUWlbS2FwSVxETzlXYwULQUpcX05Xa2ZRO0x4XFNpX0BicFRQRgV3T2wDF0RWXlpIHA=="/>
+  <p:tag name="3439252E2D02" val="H08aWFt3alE4THhaV35CRmNwTlxETzlXYwMJTUpaXEpZa2ZRO0x4XVN1Qkd9Z1oYRldmQncDCkdcWxE="/>
 </p:tagLst>
 </file>
 
 <file path=ppt/tags/tag155.xml><?xml version="1.0" encoding="utf-8"?>
 <p:tagLst xmlns:a="http://schemas.openxmlformats.org/drawingml/2006/main" xmlns:r="http://schemas.openxmlformats.org/officeDocument/2006/relationships" xmlns:p="http://schemas.openxmlformats.org/presentationml/2006/main">
-  <p:tag name="303F2D392A0E08340F21062D" val="H08PFQUiZEluTG5KEGVWQmlpSEBUXGBNah4bGEZXX0JPf3VHelp2W0hlG1FrcUBESl15VzEQA0VUQ11CV3dwQXQT"/>
+  <p:tag name="212C2B362418052A0D20" val="H08aWFt3alE4THhZUWlbRn1nWhxGV2JHbBwJRFRcQFpDMGRJeFlsXlZzVUV9Z1oYRldgRCQ="/>
 </p:tagLst>
 </file>
 
 <file path=ppt/tags/tag156.xml><?xml version="1.0" encoding="utf-8"?>
 <p:tagLst xmlns:a="http://schemas.openxmlformats.org/drawingml/2006/main" xmlns:r="http://schemas.openxmlformats.org/officeDocument/2006/relationships" xmlns:p="http://schemas.openxmlformats.org/presentationml/2006/main">
-  <p:tag name="343E3938350E123F09" val="H08aWFt3alE4THhaXHJCQ2F3SlxETzlXYwMJTUpaXEpZa2ZRO0x4XVN1QkBkcU9cRE89V2MAAFpVVFpCVDo="/>
+  <p:tag name="212C2B362418113B053A07" val="H08aWFt3alE4THhZUWlbS2FwSVxETzlXYwULQUpcX05Xa2ZRO0x4XFNpX0BicFRQRgV3T2wDF0RWXlpIHA=="/>
 </p:tagLst>
 </file>
 
 <file path=ppt/tags/tag157.xml><?xml version="1.0" encoding="utf-8"?>
 <p:tagLst xmlns:a="http://schemas.openxmlformats.org/drawingml/2006/main" xmlns:r="http://schemas.openxmlformats.org/officeDocument/2006/relationships" xmlns:p="http://schemas.openxmlformats.org/presentationml/2006/main">
-  <p:tag name="34292D2E24130F3E09" val="H08aWFt3alE4THhbVnZCRGJ1S1xETzlXYwMJTUpaXEpZa2ZRO0x4WVF2Qkpja1hSDE9vQW0cDERXVFgH"/>
+  <p:tag name="303F2D392A0E08340F21062D" val="H08PFQUiZEluTG5KEGVWQmlpSEBUXGBNah4bGEZXX0JPf3VHelp2W0hlG1FrcUBESl15VzEQA0VUQ11CV3dwQXQT"/>
 </p:tagLst>
 </file>
 
 <file path=ppt/tags/tag158.xml><?xml version="1.0" encoding="utf-8"?>
 <p:tagLst xmlns:a="http://schemas.openxmlformats.org/drawingml/2006/main" xmlns:r="http://schemas.openxmlformats.org/officeDocument/2006/relationships" xmlns:p="http://schemas.openxmlformats.org/presentationml/2006/main">
-  <p:tag name="343E253D2F17092018" val="H08aWFt3alE4THhbVnNCS2R3TFxETzlXYwMIQkpaVE1Va2ZRO0x4WVF2Qkpja1hSDE9vQW0cDERXVFgH"/>
+  <p:tag name="343E3938350E123F09" val="H08aWFt3alE4THhaXHJCQ2F3SlxETzlXYwMJTUpaXEpZa2ZRO0x4XVN1QkBkcU9cRE89V2MAAFpVVFpCVDo="/>
 </p:tagLst>
 </file>
 
 <file path=ppt/tags/tag159.xml><?xml version="1.0" encoding="utf-8"?>
 <p:tagLst xmlns:a="http://schemas.openxmlformats.org/drawingml/2006/main" xmlns:r="http://schemas.openxmlformats.org/officeDocument/2006/relationships" xmlns:p="http://schemas.openxmlformats.org/presentationml/2006/main">
-  <p:tag name="342F3F2E200A1620" val="H08YWFt2dkpiWXJYU35AUT1lQkFUVHtCaQIORFJBTg1DfXRLeEB6UFV+QFE5ZUJCUENjQGoHDUdREA=="/>
+  <p:tag name="34292D2E24130F3E09" val="H08aWFt3alE4THhbVnZCRGJ1S1xETzlXYwMJTUpaXEpZa2ZRO0x4WVF2Qkpja1hSDE9vQW0cDERXVFgH"/>
 </p:tagLst>
 </file>
 
@@ -43650,61 +43787,61 @@
 
 <file path=ppt/tags/tag160.xml><?xml version="1.0" encoding="utf-8"?>
 <p:tagLst xmlns:a="http://schemas.openxmlformats.org/drawingml/2006/main" xmlns:r="http://schemas.openxmlformats.org/officeDocument/2006/relationships" xmlns:p="http://schemas.openxmlformats.org/presentationml/2006/main">
-  <p:tag name="28222B35" val="H08iGwwiZEluLA4nIwhOX3MkFQBGV3dXdRBfVl5PTlZDM2RJeFhzRlF1QFE9ZUJBVFR7QmkCDk1ITxtYW3V2Q2JYe1pddltfcy9aSldZe0VuCwBGGQ=="/>
+  <p:tag name="343E253D2F17092018" val="H08aWFt3alE4THhbVnNCS2R3TFxETzlXYwMIQkpaVE1Va2ZRO0x4WVF2Qkpja1hSDE9vQW0cDERXVFgH"/>
 </p:tagLst>
 </file>
 
 <file path=ppt/tags/tag161.xml><?xml version="1.0" encoding="utf-8"?>
 <p:tagLst xmlns:a="http://schemas.openxmlformats.org/drawingml/2006/main" xmlns:r="http://schemas.openxmlformats.org/officeDocument/2006/relationships" xmlns:p="http://schemas.openxmlformats.org/presentationml/2006/main">
-  <p:tag name="COVER" val="{&quot;selection&quot;:0,&quot;ObjectType&quot;:0,&quot;v&quot;:0,&quot;handler&quot;:&quot;PresBuilder.PowerPoint.Components.CoverSlide.CoverSlideObject, PresBuilder.PowerPoint.dll&quot;}"/>
+  <p:tag name="342F3F2E200A1620" val="H08YWFt2dkpiWXJYU35AUT1lQkFUVHtCaQIORFJBTg1DfXRLeEB6UFV+QFE5ZUJCUENjQGoHDUdREA=="/>
 </p:tagLst>
 </file>
 
 <file path=ppt/tags/tag162.xml><?xml version="1.0" encoding="utf-8"?>
 <p:tagLst xmlns:a="http://schemas.openxmlformats.org/drawingml/2006/main" xmlns:r="http://schemas.openxmlformats.org/officeDocument/2006/relationships" xmlns:p="http://schemas.openxmlformats.org/presentationml/2006/main">
-  <p:tag name="26223E3E2415" val="H08aWFt3alNuGmBSVGtMUT1lQkBITXcCewgBQFVDVE1UdmpTbgZgUlF+WV1jckhBGQ=="/>
+  <p:tag name="28222B35" val="H08iGwwiZEluLA4nIwhOX3MkFQBGV3dXdRBfVl5PTlZDM2RJeFhzRlF1QFE9ZUJBVFR7QmkCDk1ITxtYW3V2Q2JYe1pddltfcy9aSldZe0VuCwBGGQ=="/>
 </p:tagLst>
 </file>
 
 <file path=ppt/tags/tag163.xml><?xml version="1.0" encoding="utf-8"?>
 <p:tagLst xmlns:a="http://schemas.openxmlformats.org/drawingml/2006/main" xmlns:r="http://schemas.openxmlformats.org/officeDocument/2006/relationships" xmlns:p="http://schemas.openxmlformats.org/presentationml/2006/main">
-  <p:tag name="3439252E2D02" val="H08aWFt3alE4THhaV35CRmNwTlxETzlXYwMJTUpaXEpZa2ZRO0x4XVN1Qkd9Z1oYRldmQncDCkdcWxE="/>
+  <p:tag name="COVER" val="{&quot;selection&quot;:0,&quot;ObjectType&quot;:0,&quot;v&quot;:0,&quot;handler&quot;:&quot;PresBuilder.PowerPoint.Components.CoverSlide.CoverSlideObject, PresBuilder.PowerPoint.dll&quot;}"/>
 </p:tagLst>
 </file>
 
 <file path=ppt/tags/tag164.xml><?xml version="1.0" encoding="utf-8"?>
 <p:tagLst xmlns:a="http://schemas.openxmlformats.org/drawingml/2006/main" xmlns:r="http://schemas.openxmlformats.org/officeDocument/2006/relationships" xmlns:p="http://schemas.openxmlformats.org/presentationml/2006/main">
-  <p:tag name="212C2B362418052A0D20" val="H08aWFt3alE4THhZUWlbRn1nWhxGV2JHbBwJRFRcQFpDMGRJeFlsXlZzVUV9Z1oYRldgRCQ="/>
+  <p:tag name="26223E3E2415" val="H08aWFt3alNuGmBSVGtMUT1lQkBITXcCewgBQFVDVE1UdmpTbgZgUlF+WV1jckhBGQ=="/>
 </p:tagLst>
 </file>
 
 <file path=ppt/tags/tag165.xml><?xml version="1.0" encoding="utf-8"?>
 <p:tagLst xmlns:a="http://schemas.openxmlformats.org/drawingml/2006/main" xmlns:r="http://schemas.openxmlformats.org/officeDocument/2006/relationships" xmlns:p="http://schemas.openxmlformats.org/presentationml/2006/main">
-  <p:tag name="212C2B362418113B053A07" val="H08aWFt3alE4THhZUWlbS2FwSVxETzlXYwULQUpcX05Xa2ZRO0x4XFNpX0BicFRQRgV3T2wDF0RWXlpIHA=="/>
+  <p:tag name="3439252E2D02" val="H08aWFt3alE4THhaV35CRmNwTlxETzlXYwMJTUpaXEpZa2ZRO0x4XVN1Qkd9Z1oYRldmQncDCkdcWxE="/>
 </p:tagLst>
 </file>
 
 <file path=ppt/tags/tag166.xml><?xml version="1.0" encoding="utf-8"?>
 <p:tagLst xmlns:a="http://schemas.openxmlformats.org/drawingml/2006/main" xmlns:r="http://schemas.openxmlformats.org/officeDocument/2006/relationships" xmlns:p="http://schemas.openxmlformats.org/presentationml/2006/main">
-  <p:tag name="303F2D392A0E08340F21062D" val="H08PFQUiZEluTG5KEGVWQmlpSEBUXGBNah4bGEZXX0JPf3VHelp2W0hlG1FrcUBESl15VzEQA0VUQ11CV3dwQXQT"/>
+  <p:tag name="212C2B362418052A0D20" val="H08aWFt3alE4THhZUWlbRn1nWhxGV2JHbBwJRFRcQFpDMGRJeFlsXlZzVUV9Z1oYRldgRCQ="/>
 </p:tagLst>
 </file>
 
 <file path=ppt/tags/tag167.xml><?xml version="1.0" encoding="utf-8"?>
 <p:tagLst xmlns:a="http://schemas.openxmlformats.org/drawingml/2006/main" xmlns:r="http://schemas.openxmlformats.org/officeDocument/2006/relationships" xmlns:p="http://schemas.openxmlformats.org/presentationml/2006/main">
-  <p:tag name="343E3938350E123F09" val="H08aWFt3alE4THhaXHJCQ2F3SlxETzlXYwMJTUpaXEpZa2ZRO0x4XVN1QkBkcU9cRE89V2MAAFpVVFpCVDo="/>
+  <p:tag name="212C2B362418113B053A07" val="H08aWFt3alE4THhZUWlbS2FwSVxETzlXYwULQUpcX05Xa2ZRO0x4XFNpX0BicFRQRgV3T2wDF0RWXlpIHA=="/>
 </p:tagLst>
 </file>
 
 <file path=ppt/tags/tag168.xml><?xml version="1.0" encoding="utf-8"?>
 <p:tagLst xmlns:a="http://schemas.openxmlformats.org/drawingml/2006/main" xmlns:r="http://schemas.openxmlformats.org/officeDocument/2006/relationships" xmlns:p="http://schemas.openxmlformats.org/presentationml/2006/main">
-  <p:tag name="34292D2E24130F3E09" val="H08aWFt3alE4THhbVnZCRGJ1S1xETzlXYwMJTUpaXEpZa2ZRO0x4WVF2Qkpja1hSDE9vQW0cDERXVFgH"/>
+  <p:tag name="303F2D392A0E08340F21062D" val="H08PFQUiZEluTG5KEGVWQmlpSEBUXGBNah4bGEZXX0JPf3VHelp2W0hlG1FrcUBESl15VzEQA0VUQ11CV3dwQXQT"/>
 </p:tagLst>
 </file>
 
 <file path=ppt/tags/tag169.xml><?xml version="1.0" encoding="utf-8"?>
 <p:tagLst xmlns:a="http://schemas.openxmlformats.org/drawingml/2006/main" xmlns:r="http://schemas.openxmlformats.org/officeDocument/2006/relationships" xmlns:p="http://schemas.openxmlformats.org/presentationml/2006/main">
-  <p:tag name="343E253D2F17092018" val="H08aWFt3alE4THhbVnNCS2R3TFxETzlXYwMIQkpaVE1Va2ZRO0x4WVF2Qkpja1hSDE9vQW0cDERXVFgH"/>
+  <p:tag name="343E3938350E123F09" val="H08aWFt3alE4THhaXHJCQ2F3SlxETzlXYwMJTUpaXEpZa2ZRO0x4XVN1QkBkcU9cRE89V2MAAFpVVFpCVDo="/>
 </p:tagLst>
 </file>
 
@@ -43716,61 +43853,61 @@
 
 <file path=ppt/tags/tag170.xml><?xml version="1.0" encoding="utf-8"?>
 <p:tagLst xmlns:a="http://schemas.openxmlformats.org/drawingml/2006/main" xmlns:r="http://schemas.openxmlformats.org/officeDocument/2006/relationships" xmlns:p="http://schemas.openxmlformats.org/presentationml/2006/main">
-  <p:tag name="342F3F2E200A1620" val="H08YWFt2dkpiWXJYU35AUT1lQkFUVHtCaQIORFJBTg1DfXRLeEB6UFV+QFE5ZUJCUENjQGoHDUdREA=="/>
+  <p:tag name="34292D2E24130F3E09" val="H08aWFt3alE4THhbVnZCRGJ1S1xETzlXYwMJTUpaXEpZa2ZRO0x4WVF2Qkpja1hSDE9vQW0cDERXVFgH"/>
 </p:tagLst>
 </file>
 
 <file path=ppt/tags/tag171.xml><?xml version="1.0" encoding="utf-8"?>
 <p:tagLst xmlns:a="http://schemas.openxmlformats.org/drawingml/2006/main" xmlns:r="http://schemas.openxmlformats.org/officeDocument/2006/relationships" xmlns:p="http://schemas.openxmlformats.org/presentationml/2006/main">
-  <p:tag name="28222B35" val="H08iGwwiZEluLA4nIwhOX3MkFQBGV3dXdRBfVl5PTlZDM2RJeFhzRlF1QFE9ZUJBVFR7QmkCDk1ITxtYW3V2Q2JYe1pddltfcy9aSldZe0VuCwBGGQ=="/>
+  <p:tag name="343E253D2F17092018" val="H08aWFt3alE4THhbVnNCS2R3TFxETzlXYwMIQkpaVE1Va2ZRO0x4WVF2Qkpja1hSDE9vQW0cDERXVFgH"/>
 </p:tagLst>
 </file>
 
 <file path=ppt/tags/tag172.xml><?xml version="1.0" encoding="utf-8"?>
 <p:tagLst xmlns:a="http://schemas.openxmlformats.org/drawingml/2006/main" xmlns:r="http://schemas.openxmlformats.org/officeDocument/2006/relationships" xmlns:p="http://schemas.openxmlformats.org/presentationml/2006/main">
-  <p:tag name="COVER" val="{&quot;selection&quot;:0,&quot;ObjectType&quot;:0,&quot;v&quot;:0,&quot;handler&quot;:&quot;PresBuilder.PowerPoint.Components.CoverSlide.CoverSlideObject, PresBuilder.PowerPoint.dll&quot;}"/>
+  <p:tag name="342F3F2E200A1620" val="H08YWFt2dkpiWXJYU35AUT1lQkFUVHtCaQIORFJBTg1DfXRLeEB6UFV+QFE5ZUJCUENjQGoHDUdREA=="/>
 </p:tagLst>
 </file>
 
 <file path=ppt/tags/tag173.xml><?xml version="1.0" encoding="utf-8"?>
 <p:tagLst xmlns:a="http://schemas.openxmlformats.org/drawingml/2006/main" xmlns:r="http://schemas.openxmlformats.org/officeDocument/2006/relationships" xmlns:p="http://schemas.openxmlformats.org/presentationml/2006/main">
-  <p:tag name="26223E3E2415" val="H08aWFt3alNuGmBSVGtMUT1lQkBITXcCewgBQFVDVE1UdmpTbgZgUlF+WV1jckhBGQ=="/>
+  <p:tag name="28222B35" val="H08iGwwiZEluLA4nIwhOX3MkFQBGV3dXdRBfVl5PTlZDM2RJeFhzRlF1QFE9ZUJBVFR7QmkCDk1ITxtYW3V2Q2JYe1pddltfcy9aSldZe0VuCwBGGQ=="/>
 </p:tagLst>
 </file>
 
 <file path=ppt/tags/tag174.xml><?xml version="1.0" encoding="utf-8"?>
 <p:tagLst xmlns:a="http://schemas.openxmlformats.org/drawingml/2006/main" xmlns:r="http://schemas.openxmlformats.org/officeDocument/2006/relationships" xmlns:p="http://schemas.openxmlformats.org/presentationml/2006/main">
-  <p:tag name="3439252E2D02" val="H08aWFt3alE4THhaV35CRmNwTlxETzlXYwMJTUpaXEpZa2ZRO0x4XVN1Qkd9Z1oYRldmQncDCkdcWxE="/>
+  <p:tag name="COVER" val="{&quot;selection&quot;:0,&quot;ObjectType&quot;:0,&quot;v&quot;:0,&quot;handler&quot;:&quot;PresBuilder.PowerPoint.Components.CoverSlide.CoverSlideObject, PresBuilder.PowerPoint.dll&quot;}"/>
 </p:tagLst>
 </file>
 
 <file path=ppt/tags/tag175.xml><?xml version="1.0" encoding="utf-8"?>
 <p:tagLst xmlns:a="http://schemas.openxmlformats.org/drawingml/2006/main" xmlns:r="http://schemas.openxmlformats.org/officeDocument/2006/relationships" xmlns:p="http://schemas.openxmlformats.org/presentationml/2006/main">
-  <p:tag name="212C2B362418052A0D20" val="H08aWFt3alE4THhZUWlbRn1nWhxGV2JHbBwJRFRcQFpDMGRJeFlsXlZzVUV9Z1oYRldgRCQ="/>
+  <p:tag name="26223E3E2415" val="H08aWFt3alNuGmBSVGtMUT1lQkBITXcCewgBQFVDVE1UdmpTbgZgUlF+WV1jckhBGQ=="/>
 </p:tagLst>
 </file>
 
 <file path=ppt/tags/tag176.xml><?xml version="1.0" encoding="utf-8"?>
 <p:tagLst xmlns:a="http://schemas.openxmlformats.org/drawingml/2006/main" xmlns:r="http://schemas.openxmlformats.org/officeDocument/2006/relationships" xmlns:p="http://schemas.openxmlformats.org/presentationml/2006/main">
-  <p:tag name="212C2B362418113B053A07" val="H08aWFt3alE4THhZUWlbS2FwSVxETzlXYwULQUpcX05Xa2ZRO0x4XFNpX0BicFRQRgV3T2wDF0RWXlpIHA=="/>
+  <p:tag name="3439252E2D02" val="H08aWFt3alE4THhaV35CRmNwTlxETzlXYwMJTUpaXEpZa2ZRO0x4XVN1Qkd9Z1oYRldmQncDCkdcWxE="/>
 </p:tagLst>
 </file>
 
 <file path=ppt/tags/tag177.xml><?xml version="1.0" encoding="utf-8"?>
 <p:tagLst xmlns:a="http://schemas.openxmlformats.org/drawingml/2006/main" xmlns:r="http://schemas.openxmlformats.org/officeDocument/2006/relationships" xmlns:p="http://schemas.openxmlformats.org/presentationml/2006/main">
-  <p:tag name="303F2D392A0E08340F21062D" val="H08PFQUiZEluTG5KEGVWQmlpSEBUXGBNah4bGEZXX0JPf3VHelp2W0hlG1FrcUBESl15VzEQA0VUQ11CV3dwQXQT"/>
+  <p:tag name="212C2B362418052A0D20" val="H08aWFt3alE4THhZUWlbRn1nWhxGV2JHbBwJRFRcQFpDMGRJeFlsXlZzVUV9Z1oYRldgRCQ="/>
 </p:tagLst>
 </file>
 
 <file path=ppt/tags/tag178.xml><?xml version="1.0" encoding="utf-8"?>
 <p:tagLst xmlns:a="http://schemas.openxmlformats.org/drawingml/2006/main" xmlns:r="http://schemas.openxmlformats.org/officeDocument/2006/relationships" xmlns:p="http://schemas.openxmlformats.org/presentationml/2006/main">
-  <p:tag name="343E3938350E123F09" val="H08aWFt3alE4THhaXHJCQ2F3SlxETzlXYwMJTUpaXEpZa2ZRO0x4XVN1QkBkcU9cRE89V2MAAFpVVFpCVDo="/>
+  <p:tag name="212C2B362418113B053A07" val="H08aWFt3alE4THhZUWlbS2FwSVxETzlXYwULQUpcX05Xa2ZRO0x4XFNpX0BicFRQRgV3T2wDF0RWXlpIHA=="/>
 </p:tagLst>
 </file>
 
 <file path=ppt/tags/tag179.xml><?xml version="1.0" encoding="utf-8"?>
 <p:tagLst xmlns:a="http://schemas.openxmlformats.org/drawingml/2006/main" xmlns:r="http://schemas.openxmlformats.org/officeDocument/2006/relationships" xmlns:p="http://schemas.openxmlformats.org/presentationml/2006/main">
-  <p:tag name="34292D2E24130F3E09" val="H08aWFt3alE4THhbVnZCRGJ1S1xETzlXYwMJTUpaXEpZa2ZRO0x4WVF2Qkpja1hSDE9vQW0cDERXVFgH"/>
+  <p:tag name="303F2D392A0E08340F21062D" val="H08PFQUiZEluTG5KEGVWQmlpSEBUXGBNah4bGEZXX0JPf3VHelp2W0hlG1FrcUBESl15VzEQA0VUQ11CV3dwQXQT"/>
 </p:tagLst>
 </file>
 
@@ -43782,61 +43919,61 @@
 
 <file path=ppt/tags/tag180.xml><?xml version="1.0" encoding="utf-8"?>
 <p:tagLst xmlns:a="http://schemas.openxmlformats.org/drawingml/2006/main" xmlns:r="http://schemas.openxmlformats.org/officeDocument/2006/relationships" xmlns:p="http://schemas.openxmlformats.org/presentationml/2006/main">
-  <p:tag name="343E253D2F17092018" val="H08aWFt3alE4THhbVnNCS2R3TFxETzlXYwMIQkpaVE1Va2ZRO0x4WVF2Qkpja1hSDE9vQW0cDERXVFgH"/>
+  <p:tag name="343E3938350E123F09" val="H08aWFt3alE4THhaXHJCQ2F3SlxETzlXYwMJTUpaXEpZa2ZRO0x4XVN1QkBkcU9cRE89V2MAAFpVVFpCVDo="/>
 </p:tagLst>
 </file>
 
 <file path=ppt/tags/tag181.xml><?xml version="1.0" encoding="utf-8"?>
 <p:tagLst xmlns:a="http://schemas.openxmlformats.org/drawingml/2006/main" xmlns:r="http://schemas.openxmlformats.org/officeDocument/2006/relationships" xmlns:p="http://schemas.openxmlformats.org/presentationml/2006/main">
-  <p:tag name="342F3F2E200A1620" val="H08YWFt2dkpiWXJYU35AUT1lQkFUVHtCaQIOTUhPG1hbd2hDfFtzWVx2XV9zL1pKVlh7RG0KCkBRVBE="/>
+  <p:tag name="34292D2E24130F3E09" val="H08aWFt3alE4THhbVnZCRGJ1S1xETzlXYwMJTUpaXEpZa2ZRO0x4WVF2Qkpja1hSDE9vQW0cDERXVFgH"/>
 </p:tagLst>
 </file>
 
 <file path=ppt/tags/tag182.xml><?xml version="1.0" encoding="utf-8"?>
 <p:tagLst xmlns:a="http://schemas.openxmlformats.org/drawingml/2006/main" xmlns:r="http://schemas.openxmlformats.org/officeDocument/2006/relationships" xmlns:p="http://schemas.openxmlformats.org/presentationml/2006/main">
-  <p:tag name="28222B35" val="H08iGwwiZEluLA4nIwhOX3MkFQBGV3dXdRBfVl5PTlZDM2RJeFhzRlF1QFE9ZUJBVFR7QmkCDk1ITxtYW3V2Q2JYe1pddltfcy9aSldZe0VuCwBGGQ=="/>
+  <p:tag name="343E253D2F17092018" val="H08aWFt3alE4THhbVnNCS2R3TFxETzlXYwMIQkpaVE1Va2ZRO0x4WVF2Qkpja1hSDE9vQW0cDERXVFgH"/>
 </p:tagLst>
 </file>
 
 <file path=ppt/tags/tag183.xml><?xml version="1.0" encoding="utf-8"?>
 <p:tagLst xmlns:a="http://schemas.openxmlformats.org/drawingml/2006/main" xmlns:r="http://schemas.openxmlformats.org/officeDocument/2006/relationships" xmlns:p="http://schemas.openxmlformats.org/presentationml/2006/main">
-  <p:tag name="COVER" val="{&quot;selection&quot;:0,&quot;ObjectType&quot;:0,&quot;v&quot;:0,&quot;handler&quot;:&quot;PresBuilder.PowerPoint.Components.CoverSlide.CoverSlideObject, PresBuilder.PowerPoint.dll&quot;}"/>
+  <p:tag name="342F3F2E200A1620" val="H08YWFt2dkpiWXJYU35AUT1lQkFUVHtCaQIOTUhPG1hbd2hDfFtzWVx2XV9zL1pKVlh7RG0KCkBRVBE="/>
 </p:tagLst>
 </file>
 
 <file path=ppt/tags/tag184.xml><?xml version="1.0" encoding="utf-8"?>
 <p:tagLst xmlns:a="http://schemas.openxmlformats.org/drawingml/2006/main" xmlns:r="http://schemas.openxmlformats.org/officeDocument/2006/relationships" xmlns:p="http://schemas.openxmlformats.org/presentationml/2006/main">
-  <p:tag name="26223E3E2415" val="H08aWFt3alNuGmBSVGtMUT1lQkBITXcCewgBQFVDVE1UdmpTbgZgUlF+WV1jckhBGQ=="/>
+  <p:tag name="28222B35" val="H08iGwwiZEluLA4nIwhOX3MkFQBGV3dXdRBfVl5PTlZDM2RJeFhzRlF1QFE9ZUJBVFR7QmkCDk1ITxtYW3V2Q2JYe1pddltfcy9aSldZe0VuCwBGGQ=="/>
 </p:tagLst>
 </file>
 
 <file path=ppt/tags/tag185.xml><?xml version="1.0" encoding="utf-8"?>
 <p:tagLst xmlns:a="http://schemas.openxmlformats.org/drawingml/2006/main" xmlns:r="http://schemas.openxmlformats.org/officeDocument/2006/relationships" xmlns:p="http://schemas.openxmlformats.org/presentationml/2006/main">
-  <p:tag name="373D2D392415" val="H08aWFt3alNuGmBSUHFcXWFxS1xETzlXYwYBR0pcXlZBZTFRdl5uSEYvTklic1ZAVVRgRiQ="/>
+  <p:tag name="COVER" val="{&quot;selection&quot;:0,&quot;ObjectType&quot;:0,&quot;v&quot;:0,&quot;handler&quot;:&quot;PresBuilder.PowerPoint.Components.CoverSlide.CoverSlideObject, PresBuilder.PowerPoint.dll&quot;}"/>
 </p:tagLst>
 </file>
 
 <file path=ppt/tags/tag186.xml><?xml version="1.0" encoding="utf-8"?>
 <p:tagLst xmlns:a="http://schemas.openxmlformats.org/drawingml/2006/main" xmlns:r="http://schemas.openxmlformats.org/officeDocument/2006/relationships" xmlns:p="http://schemas.openxmlformats.org/presentationml/2006/main">
-  <p:tag name="28222B35" val="H08YA0N9d19uHi4JByJOSWFrWhMJHXdPexAVVgJPVlhDa2QFblRyREYzTkllcUpeXFpgQXUSGxhGV1hDVWlwR2BOYB9GfV1BZGlMQFNceVV7WhtOV1lCTFBwc0Ux"/>
+  <p:tag name="26223E3E2415" val="H08aWFt3alNuGmBSVGtMUT1lQkBITXcCewgBQFVDVE1UdmpTbgZgUlF+WV1jckhBGQ=="/>
 </p:tagLst>
 </file>
 
 <file path=ppt/tags/tag187.xml><?xml version="1.0" encoding="utf-8"?>
 <p:tagLst xmlns:a="http://schemas.openxmlformats.org/drawingml/2006/main" xmlns:r="http://schemas.openxmlformats.org/officeDocument/2006/relationships" xmlns:p="http://schemas.openxmlformats.org/presentationml/2006/main">
-  <p:tag name="3439252E2D02" val="H08aWFt3alE4THhaV35CRmNwTlxETzlXYwMJTUpaXEpZa2ZRO0x4XVN1Qkd9Z1oYRldmQncDCkdcWxE="/>
+  <p:tag name="373D2D392415" val="H08aWFt3alNuGmBSUHFcXWFxS1xETzlXYwYBR0pcXlZBZTFRdl5uSEYvTklic1ZAVVRgRiQ="/>
 </p:tagLst>
 </file>
 
 <file path=ppt/tags/tag188.xml><?xml version="1.0" encoding="utf-8"?>
 <p:tagLst xmlns:a="http://schemas.openxmlformats.org/drawingml/2006/main" xmlns:r="http://schemas.openxmlformats.org/officeDocument/2006/relationships" xmlns:p="http://schemas.openxmlformats.org/presentationml/2006/main">
-  <p:tag name="343E3938350E123F09" val="H08aWFt3alE4THhaXHJCQ2F3SlxETzlXYwMJTUpaXEpZa2ZRO0x4XVN1QkBkcU9cRE89V2MAAFpVVFpCVDo="/>
+  <p:tag name="28222B35" val="H08YA0N9d19uHi4JByJOSWFrWhMJHXdPexAVVgJPVlhDa2QFblRyREYzTkllcUpeXFpgQXUSGxhGV1hDVWlwR2BOYB9GfV1BZGlMQFNceVV7WhtOV1lCTFBwc0Ux"/>
 </p:tagLst>
 </file>
 
 <file path=ppt/tags/tag189.xml><?xml version="1.0" encoding="utf-8"?>
 <p:tagLst xmlns:a="http://schemas.openxmlformats.org/drawingml/2006/main" xmlns:r="http://schemas.openxmlformats.org/officeDocument/2006/relationships" xmlns:p="http://schemas.openxmlformats.org/presentationml/2006/main">
-  <p:tag name="212C2B362418113B053A07" val="H08aWFt3alE4THhZUWlbS2FwSVxETzlXYwULQUpcX05Xa2ZRO0x4XFNpX0BicFRQRgV3T2wDF0RWXlpIHA=="/>
+  <p:tag name="3439252E2D02" val="H08aWFt3alE4THhaV35CRmNwTlxETzlXYwMJTUpaXEpZa2ZRO0x4XVN1Qkd9Z1oYRldmQncDCkdcWxE="/>
 </p:tagLst>
 </file>
 
@@ -43848,61 +43985,61 @@
 
 <file path=ppt/tags/tag190.xml><?xml version="1.0" encoding="utf-8"?>
 <p:tagLst xmlns:a="http://schemas.openxmlformats.org/drawingml/2006/main" xmlns:r="http://schemas.openxmlformats.org/officeDocument/2006/relationships" xmlns:p="http://schemas.openxmlformats.org/presentationml/2006/main">
-  <p:tag name="212C2B362418052A0D20" val="H08aWFt3alE4THhZUWlbRn1nWhxGV2JHbBwJRFRcQFpDMGRJeFlsXlZzVUV9Z1oYRldgRCQ="/>
+  <p:tag name="343E3938350E123F09" val="H08aWFt3alE4THhaXHJCQ2F3SlxETzlXYwMJTUpaXEpZa2ZRO0x4XVN1QkBkcU9cRE89V2MAAFpVVFpCVDo="/>
 </p:tagLst>
 </file>
 
 <file path=ppt/tags/tag191.xml><?xml version="1.0" encoding="utf-8"?>
 <p:tagLst xmlns:a="http://schemas.openxmlformats.org/drawingml/2006/main" xmlns:r="http://schemas.openxmlformats.org/officeDocument/2006/relationships" xmlns:p="http://schemas.openxmlformats.org/presentationml/2006/main">
-  <p:tag name="303F2D392A0E08340F21062D" val="H08PFQUiZEluTG5KEGVWQmlpSEBUXGBNah4bGEZXX0JPf3VHelp2W0hlG1FrcUBESl15VzEQA0VUQ11CV3dwQXQT"/>
+  <p:tag name="212C2B362418113B053A07" val="H08aWFt3alE4THhZUWlbS2FwSVxETzlXYwULQUpcX05Xa2ZRO0x4XFNpX0BicFRQRgV3T2wDF0RWXlpIHA=="/>
 </p:tagLst>
 </file>
 
 <file path=ppt/tags/tag192.xml><?xml version="1.0" encoding="utf-8"?>
 <p:tagLst xmlns:a="http://schemas.openxmlformats.org/drawingml/2006/main" xmlns:r="http://schemas.openxmlformats.org/officeDocument/2006/relationships" xmlns:p="http://schemas.openxmlformats.org/presentationml/2006/main">
-  <p:tag name="373D2D392415" val="H08aWFt3alNuGmBSUHFcXWFxS1xETzlXYwEKR0peWU5Sa2ZRO0x4WEhnThtzfUtESl1kTGwBRA=="/>
+  <p:tag name="212C2B362418052A0D20" val="H08aWFt3alE4THhZUWlbRn1nWhxGV2JHbBwJRFRcQFpDMGRJeFlsXlZzVUV9Z1oYRldgRCQ="/>
 </p:tagLst>
 </file>
 
 <file path=ppt/tags/tag193.xml><?xml version="1.0" encoding="utf-8"?>
 <p:tagLst xmlns:a="http://schemas.openxmlformats.org/drawingml/2006/main" xmlns:r="http://schemas.openxmlformats.org/officeDocument/2006/relationships" xmlns:p="http://schemas.openxmlformats.org/presentationml/2006/main">
-  <p:tag name="34292D2E24130F3E09" val="H08aWFt3alE4THhbVnZCRGJ1S1xETzlXYwMJTUpaXEpZa2ZRO0x4WVF2Qkpja1hSDE9vQW0cDERXVFgH"/>
+  <p:tag name="303F2D392A0E08340F21062D" val="H08PFQUiZEluTG5KEGVWQmlpSEBUXGBNah4bGEZXX0JPf3VHelp2W0hlG1FrcUBESl15VzEQA0VUQ11CV3dwQXQT"/>
 </p:tagLst>
 </file>
 
 <file path=ppt/tags/tag194.xml><?xml version="1.0" encoding="utf-8"?>
 <p:tagLst xmlns:a="http://schemas.openxmlformats.org/drawingml/2006/main" xmlns:r="http://schemas.openxmlformats.org/officeDocument/2006/relationships" xmlns:p="http://schemas.openxmlformats.org/presentationml/2006/main">
-  <p:tag name="343E253D2F17092018" val="H08aWFt3alE4THhbVWldS2B2VFBGAXdPaAIAWlNdXEJNZ2QEblR3W0pzVUVhcVRQRgV3T2sFF0ZWVV9PHA=="/>
+  <p:tag name="373D2D392415" val="H08aWFt3alNuGmBSUHFcXWFxS1xETzlXYwEKR0peWU5Sa2ZRO0x4WEhnThtzfUtESl1kTGwBRA=="/>
 </p:tagLst>
 </file>
 
 <file path=ppt/tags/tag195.xml><?xml version="1.0" encoding="utf-8"?>
 <p:tagLst xmlns:a="http://schemas.openxmlformats.org/drawingml/2006/main" xmlns:r="http://schemas.openxmlformats.org/officeDocument/2006/relationships" xmlns:p="http://schemas.openxmlformats.org/presentationml/2006/main">
-  <p:tag name="342F3F2E200A1620" val="H08YWFt/d11/W3ZbV2tOH3N9SUBdQ2JFaQUAWEYaTkBTf3JddFZzUUhlBFFrdk5eXVthRWAGCwk="/>
+  <p:tag name="34292D2E24130F3E09" val="H08aWFt3alE4THhbVnZCRGJ1S1xETzlXYwMJTUpaXEpZa2ZRO0x4WVF2Qkpja1hSDE9vQW0cDERXVFgH"/>
 </p:tagLst>
 </file>
 
 <file path=ppt/tags/tag196.xml><?xml version="1.0" encoding="utf-8"?>
 <p:tagLst xmlns:a="http://schemas.openxmlformats.org/drawingml/2006/main" xmlns:r="http://schemas.openxmlformats.org/officeDocument/2006/relationships" xmlns:p="http://schemas.openxmlformats.org/presentationml/2006/main">
-  <p:tag name="28222B35" val="H08iGwwiZEluLA4nIwhOX3MkFQBGV3dXdRBfVl5PTlZDM2RJeFhzRlF1QFE9ZUJBVFR7QmkCDk1ITxtYW3V2QGJbcV9Sc19fcy9aSldZe0BvAABNVlwR"/>
+  <p:tag name="343E253D2F17092018" val="H08aWFt3alE4THhbVWldS2B2VFBGAXdPaAIAWlNdXEJNZ2QEblR3W0pzVUVhcVRQRgV3T2sFF0ZWVV9PHA=="/>
 </p:tagLst>
 </file>
 
 <file path=ppt/tags/tag197.xml><?xml version="1.0" encoding="utf-8"?>
 <p:tagLst xmlns:a="http://schemas.openxmlformats.org/drawingml/2006/main" xmlns:r="http://schemas.openxmlformats.org/officeDocument/2006/relationships" xmlns:p="http://schemas.openxmlformats.org/presentationml/2006/main">
-  <p:tag name="COVER" val="{&quot;selection&quot;:0,&quot;ObjectType&quot;:0,&quot;v&quot;:0,&quot;handler&quot;:&quot;PresBuilder.PowerPoint.Components.CoverSlide.CoverSlideObject, PresBuilder.PowerPoint.dll&quot;}"/>
+  <p:tag name="342F3F2E200A1620" val="H08YWFt/d11/W3ZbV2tOH3N9SUBdQ2JFaQUAWEYaTkBTf3JddFZzUUhlBFFrdk5eXVthRWAGCwk="/>
 </p:tagLst>
 </file>
 
 <file path=ppt/tags/tag198.xml><?xml version="1.0" encoding="utf-8"?>
 <p:tagLst xmlns:a="http://schemas.openxmlformats.org/drawingml/2006/main" xmlns:r="http://schemas.openxmlformats.org/officeDocument/2006/relationships" xmlns:p="http://schemas.openxmlformats.org/presentationml/2006/main">
-  <p:tag name="26223E3E2415" val="H08aWFt3alNuGmBSVGtMUT1lQkBITXcCewgBQFVDVE1UdmpTbgZgUlF+WV1jckhBGQ=="/>
+  <p:tag name="28222B35" val="H08iGwwiZEluLA4nIwhOX3MkFQBGV3dXdRBfVl5PTlZDM2RJeFhzRlF1QFE9ZUJBVFR7QmkCDk1ITxtYW3V2QGJbcV9Sc19fcy9aSldZe0BvAABNVlwR"/>
 </p:tagLst>
 </file>
 
 <file path=ppt/tags/tag199.xml><?xml version="1.0" encoding="utf-8"?>
 <p:tagLst xmlns:a="http://schemas.openxmlformats.org/drawingml/2006/main" xmlns:r="http://schemas.openxmlformats.org/officeDocument/2006/relationships" xmlns:p="http://schemas.openxmlformats.org/presentationml/2006/main">
-  <p:tag name="28222B35" val="H08YA0N9d19uHi4JByJOSWFrWhMJHXdPexAVVgJPVlhDa2QFblRyREYzTkllcUleUl1hQHUQVVZeWF9LT3F3R35CYB9GfV1GYGlBQkhPPVdjBgBaUlUR"/>
+  <p:tag name="COVER" val="{&quot;selection&quot;:0,&quot;ObjectType&quot;:0,&quot;v&quot;:0,&quot;handler&quot;:&quot;PresBuilder.PowerPoint.Components.CoverSlide.CoverSlideObject, PresBuilder.PowerPoint.dll&quot;}"/>
 </p:tagLst>
 </file>
 
@@ -43920,61 +44057,61 @@
 
 <file path=ppt/tags/tag200.xml><?xml version="1.0" encoding="utf-8"?>
 <p:tagLst xmlns:a="http://schemas.openxmlformats.org/drawingml/2006/main" xmlns:r="http://schemas.openxmlformats.org/officeDocument/2006/relationships" xmlns:p="http://schemas.openxmlformats.org/presentationml/2006/main">
-  <p:tag name="3439252E2D02" val="H08aWFt3alE4THhaV35CRmNwTlxETzlXYwMJTUpaXEpZa2ZRO0x4XVN1Qkd9Z1oYRldmQncDCkdcWxE="/>
+  <p:tag name="26223E3E2415" val="H08aWFt3alNuGmBSVGtMUT1lQkBITXcCewgBQFVDVE1UdmpTbgZgUlF+WV1jckhBGQ=="/>
 </p:tagLst>
 </file>
 
 <file path=ppt/tags/tag201.xml><?xml version="1.0" encoding="utf-8"?>
 <p:tagLst xmlns:a="http://schemas.openxmlformats.org/drawingml/2006/main" xmlns:r="http://schemas.openxmlformats.org/officeDocument/2006/relationships" xmlns:p="http://schemas.openxmlformats.org/presentationml/2006/main">
-  <p:tag name="212C2B362418052A0D20" val="H08aWFt3alE4THhZUWlbRn1nWhxGV2JHbBwJRFRcQFpDMGRJeFlsXlZzVUV9Z1oYRldgRCQ="/>
+  <p:tag name="28222B35" val="H08YA0N9d19uHi4JByJOSWFrWhMJHXdPexAVVgJPVlhDa2QFblRyREYzTkllcUleUl1hQHUQVVZeWF9LT3F3R35CYB9GfV1GYGlBQkhPPVdjBgBaUlUR"/>
 </p:tagLst>
 </file>
 
 <file path=ppt/tags/tag202.xml><?xml version="1.0" encoding="utf-8"?>
 <p:tagLst xmlns:a="http://schemas.openxmlformats.org/drawingml/2006/main" xmlns:r="http://schemas.openxmlformats.org/officeDocument/2006/relationships" xmlns:p="http://schemas.openxmlformats.org/presentationml/2006/main">
-  <p:tag name="212C2B362418113B053A07" val="H08aWFt3alE4THhZUWlbS2FwSVxETzlXYwULQUpcX05Xa2ZRO0x4XFNpX0BicFRQRgV3T2wDF0RWXlpIHA=="/>
+  <p:tag name="3439252E2D02" val="H08aWFt3alE4THhaV35CRmNwTlxETzlXYwMJTUpaXEpZa2ZRO0x4XVN1Qkd9Z1oYRldmQncDCkdcWxE="/>
 </p:tagLst>
 </file>
 
 <file path=ppt/tags/tag203.xml><?xml version="1.0" encoding="utf-8"?>
 <p:tagLst xmlns:a="http://schemas.openxmlformats.org/drawingml/2006/main" xmlns:r="http://schemas.openxmlformats.org/officeDocument/2006/relationships" xmlns:p="http://schemas.openxmlformats.org/presentationml/2006/main">
-  <p:tag name="303F2D392A0E08340F21062D" val="H08PFQUiZEluTG5KEGVWQmlpSEBUXGBNah4bGEZXX0JPf3VHelp2W0hlG1FrcUBESl15VzEQA0VUQ11CV3dwQXQT"/>
+  <p:tag name="212C2B362418052A0D20" val="H08aWFt3alE4THhZUWlbRn1nWhxGV2JHbBwJRFRcQFpDMGRJeFlsXlZzVUV9Z1oYRldgRCQ="/>
 </p:tagLst>
 </file>
 
 <file path=ppt/tags/tag204.xml><?xml version="1.0" encoding="utf-8"?>
 <p:tagLst xmlns:a="http://schemas.openxmlformats.org/drawingml/2006/main" xmlns:r="http://schemas.openxmlformats.org/officeDocument/2006/relationships" xmlns:p="http://schemas.openxmlformats.org/presentationml/2006/main">
-  <p:tag name="343E3938350E123F09" val="H08aWFt3alE4THhaXHJCQ2F3SlxETzlXYwMJTUpaXEpZa2ZRO0x4XVN1QkBkcU9cRE89V2MAAFpVVFpCVDo="/>
+  <p:tag name="212C2B362418113B053A07" val="H08aWFt3alE4THhZUWlbS2FwSVxETzlXYwULQUpcX05Xa2ZRO0x4XFNpX0BicFRQRgV3T2wDF0RWXlpIHA=="/>
 </p:tagLst>
 </file>
 
 <file path=ppt/tags/tag205.xml><?xml version="1.0" encoding="utf-8"?>
 <p:tagLst xmlns:a="http://schemas.openxmlformats.org/drawingml/2006/main" xmlns:r="http://schemas.openxmlformats.org/officeDocument/2006/relationships" xmlns:p="http://schemas.openxmlformats.org/presentationml/2006/main">
-  <p:tag name="34292D2E24130F3E09" val="H08aWFt3alE4THhbVnZCRGJ1S1xETzlXYwMJTUpaXEpZa2ZRO0x4WVF2Qkpja1hSDE9vQW0cDERXVFgH"/>
+  <p:tag name="303F2D392A0E08340F21062D" val="H08PFQUiZEluTG5KEGVWQmlpSEBUXGBNah4bGEZXX0JPf3VHelp2W0hlG1FrcUBESl15VzEQA0VUQ11CV3dwQXQT"/>
 </p:tagLst>
 </file>
 
 <file path=ppt/tags/tag206.xml><?xml version="1.0" encoding="utf-8"?>
 <p:tagLst xmlns:a="http://schemas.openxmlformats.org/drawingml/2006/main" xmlns:r="http://schemas.openxmlformats.org/officeDocument/2006/relationships" xmlns:p="http://schemas.openxmlformats.org/presentationml/2006/main">
-  <p:tag name="343E253D2F17092018" val="H08aWFt3alE4THhbVWldS2B2VFBGAXdPaAIAWlNdXEJNZ2QEblR3W0pzVUVhcVRQRgV3T2sFF0ZWVV9PHA=="/>
+  <p:tag name="343E3938350E123F09" val="H08aWFt3alE4THhaXHJCQ2F3SlxETzlXYwMJTUpaXEpZa2ZRO0x4XVN1QkBkcU9cRE89V2MAAFpVVFpCVDo="/>
 </p:tagLst>
 </file>
 
 <file path=ppt/tags/tag207.xml><?xml version="1.0" encoding="utf-8"?>
 <p:tagLst xmlns:a="http://schemas.openxmlformats.org/drawingml/2006/main" xmlns:r="http://schemas.openxmlformats.org/officeDocument/2006/relationships" xmlns:p="http://schemas.openxmlformats.org/presentationml/2006/main">
-  <p:tag name="342F3F2E200A1620" val="H08YWFt/d11/W3ZbV2tOH3N9SUBdQ2JFaQUAWEYaTkBTf3JddFZzUUhlBFFrdk5eXVthRWAGCwk="/>
+  <p:tag name="34292D2E24130F3E09" val="H08aWFt3alE4THhbVnZCRGJ1S1xETzlXYwMJTUpaXEpZa2ZRO0x4WVF2Qkpja1hSDE9vQW0cDERXVFgH"/>
 </p:tagLst>
 </file>
 
 <file path=ppt/tags/tag208.xml><?xml version="1.0" encoding="utf-8"?>
 <p:tagLst xmlns:a="http://schemas.openxmlformats.org/drawingml/2006/main" xmlns:r="http://schemas.openxmlformats.org/officeDocument/2006/relationships" xmlns:p="http://schemas.openxmlformats.org/presentationml/2006/main">
-  <p:tag name="28222B35" val="H08iGwwiZEluLA4nIwhOX3MkFQBGV3dXdRBfVl5PTlZDM2RJeFhzRlF1QFE9ZUJBVFR7QmkCDk1ITxtYW3V2QGJbcV9Sc19fcy9aSldZe0BvAABNVlwR"/>
+  <p:tag name="343E253D2F17092018" val="H08aWFt3alE4THhbVWldS2B2VFBGAXdPaAIAWlNdXEJNZ2QEblR3W0pzVUVhcVRQRgV3T2sFF0ZWVV9PHA=="/>
 </p:tagLst>
 </file>
 
 <file path=ppt/tags/tag209.xml><?xml version="1.0" encoding="utf-8"?>
 <p:tagLst xmlns:a="http://schemas.openxmlformats.org/drawingml/2006/main" xmlns:r="http://schemas.openxmlformats.org/officeDocument/2006/relationships" xmlns:p="http://schemas.openxmlformats.org/presentationml/2006/main">
-  <p:tag name="COVER" val="{&quot;selection&quot;:0,&quot;ObjectType&quot;:0,&quot;v&quot;:0,&quot;handler&quot;:&quot;PresBuilder.PowerPoint.Components.CoverSlide.CoverSlideObject, PresBuilder.PowerPoint.dll&quot;}"/>
+  <p:tag name="342F3F2E200A1620" val="H08YWFt/d11/W3ZbV2tOH3N9SUBdQ2JFaQUAWEYaTkBTf3JddFZzUUhlBFFrdk5eXVthRWAGCwk="/>
 </p:tagLst>
 </file>
 
@@ -43986,61 +44123,61 @@
 
 <file path=ppt/tags/tag210.xml><?xml version="1.0" encoding="utf-8"?>
 <p:tagLst xmlns:a="http://schemas.openxmlformats.org/drawingml/2006/main" xmlns:r="http://schemas.openxmlformats.org/officeDocument/2006/relationships" xmlns:p="http://schemas.openxmlformats.org/presentationml/2006/main">
-  <p:tag name="26223E3E2415" val="H08aWFt3alNuGmBSVGtMUT1lQkBITXcCewgBQFVDVE1UdmpTbgZgUlF+WV1jckhBGQ=="/>
+  <p:tag name="28222B35" val="H08iGwwiZEluLA4nIwhOX3MkFQBGV3dXdRBfVl5PTlZDM2RJeFhzRlF1QFE9ZUJBVFR7QmkCDk1ITxtYW3V2QGJbcV9Sc19fcy9aSldZe0BvAABNVlwR"/>
 </p:tagLst>
 </file>
 
 <file path=ppt/tags/tag211.xml><?xml version="1.0" encoding="utf-8"?>
 <p:tagLst xmlns:a="http://schemas.openxmlformats.org/drawingml/2006/main" xmlns:r="http://schemas.openxmlformats.org/officeDocument/2006/relationships" xmlns:p="http://schemas.openxmlformats.org/presentationml/2006/main">
-  <p:tag name="3439252E2D02" val="H08aWFt3alE4THhaV35CRmNwTlxETzlXYwMJTUpaXEpZa2ZRO0x4XVN1Qkd9Z1oYRldmQncDCkdcWxE="/>
+  <p:tag name="COVER" val="{&quot;selection&quot;:0,&quot;ObjectType&quot;:0,&quot;v&quot;:0,&quot;handler&quot;:&quot;PresBuilder.PowerPoint.Components.CoverSlide.CoverSlideObject, PresBuilder.PowerPoint.dll&quot;}"/>
 </p:tagLst>
 </file>
 
 <file path=ppt/tags/tag212.xml><?xml version="1.0" encoding="utf-8"?>
 <p:tagLst xmlns:a="http://schemas.openxmlformats.org/drawingml/2006/main" xmlns:r="http://schemas.openxmlformats.org/officeDocument/2006/relationships" xmlns:p="http://schemas.openxmlformats.org/presentationml/2006/main">
-  <p:tag name="212C2B362418052A0D20" val="H08aWFt3alE4THhZUWlbRn1nWhxGV2JHbBwJRFRcQFpDMGRJeFlsXlZzVUV9Z1oYRldgRCQ="/>
+  <p:tag name="26223E3E2415" val="H08aWFt3alNuGmBSVGtMUT1lQkBITXcCewgBQFVDVE1UdmpTbgZgUlF+WV1jckhBGQ=="/>
 </p:tagLst>
 </file>
 
 <file path=ppt/tags/tag213.xml><?xml version="1.0" encoding="utf-8"?>
 <p:tagLst xmlns:a="http://schemas.openxmlformats.org/drawingml/2006/main" xmlns:r="http://schemas.openxmlformats.org/officeDocument/2006/relationships" xmlns:p="http://schemas.openxmlformats.org/presentationml/2006/main">
-  <p:tag name="212C2B362418113B053A07" val="H08aWFt3alE4THhZUWlbS2FwSVxETzlXYwULQUpcX05Xa2ZRO0x4XFNpX0BicFRQRgV3T2wDF0RWXlpIHA=="/>
+  <p:tag name="3439252E2D02" val="H08aWFt3alE4THhaV35CRmNwTlxETzlXYwMJTUpaXEpZa2ZRO0x4XVN1Qkd9Z1oYRldmQncDCkdcWxE="/>
 </p:tagLst>
 </file>
 
 <file path=ppt/tags/tag214.xml><?xml version="1.0" encoding="utf-8"?>
 <p:tagLst xmlns:a="http://schemas.openxmlformats.org/drawingml/2006/main" xmlns:r="http://schemas.openxmlformats.org/officeDocument/2006/relationships" xmlns:p="http://schemas.openxmlformats.org/presentationml/2006/main">
-  <p:tag name="303F2D392A0E08340F21062D" val="H08PFQUiZEluTG5KEGVWQmlpSEBUXGBNah4bGEZXX0JPf3VHelp2W0hlG1FrcUBESl15VzEQA0VUQ11CV3dwQXQT"/>
+  <p:tag name="212C2B362418052A0D20" val="H08aWFt3alE4THhZUWlbRn1nWhxGV2JHbBwJRFRcQFpDMGRJeFlsXlZzVUV9Z1oYRldgRCQ="/>
 </p:tagLst>
 </file>
 
 <file path=ppt/tags/tag215.xml><?xml version="1.0" encoding="utf-8"?>
 <p:tagLst xmlns:a="http://schemas.openxmlformats.org/drawingml/2006/main" xmlns:r="http://schemas.openxmlformats.org/officeDocument/2006/relationships" xmlns:p="http://schemas.openxmlformats.org/presentationml/2006/main">
-  <p:tag name="343E3938350E123F09" val="H08aWFt3alE4THhaXHJCQ2F3SlxETzlXYwMJTUpaXEpZa2ZRO0x4XVN1QkBkcU9cRE89V2MAAFpVVFpCVDo="/>
+  <p:tag name="212C2B362418113B053A07" val="H08aWFt3alE4THhZUWlbS2FwSVxETzlXYwULQUpcX05Xa2ZRO0x4XFNpX0BicFRQRgV3T2wDF0RWXlpIHA=="/>
 </p:tagLst>
 </file>
 
 <file path=ppt/tags/tag216.xml><?xml version="1.0" encoding="utf-8"?>
 <p:tagLst xmlns:a="http://schemas.openxmlformats.org/drawingml/2006/main" xmlns:r="http://schemas.openxmlformats.org/officeDocument/2006/relationships" xmlns:p="http://schemas.openxmlformats.org/presentationml/2006/main">
-  <p:tag name="34292D2E24130F3E09" val="H08aWFt3alE4THhbVnZCRGJ1S1xETzlXYwMJTUpaXEpZa2ZRO0x4WVF2Qkpja1hSDE9vQW0cDERXVFgH"/>
+  <p:tag name="303F2D392A0E08340F21062D" val="H08PFQUiZEluTG5KEGVWQmlpSEBUXGBNah4bGEZXX0JPf3VHelp2W0hlG1FrcUBESl15VzEQA0VUQ11CV3dwQXQT"/>
 </p:tagLst>
 </file>
 
 <file path=ppt/tags/tag217.xml><?xml version="1.0" encoding="utf-8"?>
 <p:tagLst xmlns:a="http://schemas.openxmlformats.org/drawingml/2006/main" xmlns:r="http://schemas.openxmlformats.org/officeDocument/2006/relationships" xmlns:p="http://schemas.openxmlformats.org/presentationml/2006/main">
-  <p:tag name="343E253D2F17092018" val="H08aWFt3alE4THhbVWldS2B2VFBGAXdPaAIAWlNdXEJNZ2QEblR3W0pzVUVhcVRQRgV3T2sFF0ZWVV9PHA=="/>
+  <p:tag name="343E3938350E123F09" val="H08aWFt3alE4THhaXHJCQ2F3SlxETzlXYwMJTUpaXEpZa2ZRO0x4XVN1QkBkcU9cRE89V2MAAFpVVFpCVDo="/>
 </p:tagLst>
 </file>
 
 <file path=ppt/tags/tag218.xml><?xml version="1.0" encoding="utf-8"?>
 <p:tagLst xmlns:a="http://schemas.openxmlformats.org/drawingml/2006/main" xmlns:r="http://schemas.openxmlformats.org/officeDocument/2006/relationships" xmlns:p="http://schemas.openxmlformats.org/presentationml/2006/main">
-  <p:tag name="342F3F2E200A1620" val="H08YWFt/d11/W3ZbV2tOH3N9SUBdQ2JFaQUAWEYaTkBTf3JddFZzUUhlBFFrdk5eXVthRWAGCwk="/>
+  <p:tag name="34292D2E24130F3E09" val="H08aWFt3alE4THhbVnZCRGJ1S1xETzlXYwMJTUpaXEpZa2ZRO0x4WVF2Qkpja1hSDE9vQW0cDERXVFgH"/>
 </p:tagLst>
 </file>
 
 <file path=ppt/tags/tag219.xml><?xml version="1.0" encoding="utf-8"?>
 <p:tagLst xmlns:a="http://schemas.openxmlformats.org/drawingml/2006/main" xmlns:r="http://schemas.openxmlformats.org/officeDocument/2006/relationships" xmlns:p="http://schemas.openxmlformats.org/presentationml/2006/main">
-  <p:tag name="28222B35" val="H08iGwwiZEluLA4nIwhOX3MkFQBGV3dXdRBfVl5PTlZDM2RJeFhzRlF1QFE9ZUJBVFR7QmkCDk1ITxtYW3V2QGJbcV9Sc19fcy9aSldZe0BvAABNVlwR"/>
+  <p:tag name="343E253D2F17092018" val="H08aWFt3alE4THhbVWldS2B2VFBGAXdPaAIAWlNdXEJNZ2QEblR3W0pzVUVhcVRQRgV3T2sFF0ZWVV9PHA=="/>
 </p:tagLst>
 </file>
 
@@ -44052,61 +44189,61 @@
 
 <file path=ppt/tags/tag220.xml><?xml version="1.0" encoding="utf-8"?>
 <p:tagLst xmlns:a="http://schemas.openxmlformats.org/drawingml/2006/main" xmlns:r="http://schemas.openxmlformats.org/officeDocument/2006/relationships" xmlns:p="http://schemas.openxmlformats.org/presentationml/2006/main">
-  <p:tag name="COVER" val="{&quot;selection&quot;:0,&quot;ObjectType&quot;:0,&quot;v&quot;:0,&quot;handler&quot;:&quot;PresBuilder.PowerPoint.Components.CoverSlide.CoverSlideObject, PresBuilder.PowerPoint.dll&quot;}"/>
+  <p:tag name="342F3F2E200A1620" val="H08YWFt/d11/W3ZbV2tOH3N9SUBdQ2JFaQUAWEYaTkBTf3JddFZzUUhlBFFrdk5eXVthRWAGCwk="/>
 </p:tagLst>
 </file>
 
 <file path=ppt/tags/tag221.xml><?xml version="1.0" encoding="utf-8"?>
 <p:tagLst xmlns:a="http://schemas.openxmlformats.org/drawingml/2006/main" xmlns:r="http://schemas.openxmlformats.org/officeDocument/2006/relationships" xmlns:p="http://schemas.openxmlformats.org/presentationml/2006/main">
-  <p:tag name="26223E3E2415" val="H08aWFt3alNuGmBSVGtMUT1lQkBITXcCewgBQFVDVE1UdmpTbgZgUlF+WV1jckhBGQ=="/>
+  <p:tag name="28222B35" val="H08iGwwiZEluLA4nIwhOX3MkFQBGV3dXdRBfVl5PTlZDM2RJeFhzRlF1QFE9ZUJBVFR7QmkCDk1ITxtYW3V2QGJbcV9Sc19fcy9aSldZe0BvAABNVlwR"/>
 </p:tagLst>
 </file>
 
 <file path=ppt/tags/tag222.xml><?xml version="1.0" encoding="utf-8"?>
 <p:tagLst xmlns:a="http://schemas.openxmlformats.org/drawingml/2006/main" xmlns:r="http://schemas.openxmlformats.org/officeDocument/2006/relationships" xmlns:p="http://schemas.openxmlformats.org/presentationml/2006/main">
-  <p:tag name="3439252E2D02" val="H08aWFt3alE4THhaV35CRmNwTlxETzlXYwMJTUpaXEpZa2ZRO0x4XVN1Qkd9Z1oYRldmQncDCkdcWxE="/>
+  <p:tag name="COVER" val="{&quot;selection&quot;:0,&quot;ObjectType&quot;:0,&quot;v&quot;:0,&quot;handler&quot;:&quot;PresBuilder.PowerPoint.Components.CoverSlide.CoverSlideObject, PresBuilder.PowerPoint.dll&quot;}"/>
 </p:tagLst>
 </file>
 
 <file path=ppt/tags/tag223.xml><?xml version="1.0" encoding="utf-8"?>
 <p:tagLst xmlns:a="http://schemas.openxmlformats.org/drawingml/2006/main" xmlns:r="http://schemas.openxmlformats.org/officeDocument/2006/relationships" xmlns:p="http://schemas.openxmlformats.org/presentationml/2006/main">
-  <p:tag name="212C2B362418052A0D20" val="H08aWFt3alE4THhZUWlbRn1nWhxGV2JHbBwJRFRcQFpDMGRJeFlsXlZzVUV9Z1oYRldgRCQ="/>
+  <p:tag name="26223E3E2415" val="H08aWFt3alNuGmBSVGtMUT1lQkBITXcCewgBQFVDVE1UdmpTbgZgUlF+WV1jckhBGQ=="/>
 </p:tagLst>
 </file>
 
 <file path=ppt/tags/tag224.xml><?xml version="1.0" encoding="utf-8"?>
 <p:tagLst xmlns:a="http://schemas.openxmlformats.org/drawingml/2006/main" xmlns:r="http://schemas.openxmlformats.org/officeDocument/2006/relationships" xmlns:p="http://schemas.openxmlformats.org/presentationml/2006/main">
-  <p:tag name="212C2B362418113B053A07" val="H08aWFt3alE4THhZUWlbS2FwSVxETzlXYwULQUpcX05Xa2ZRO0x4XFNpX0BicFRQRgV3T2wDF0RWXlpIHA=="/>
+  <p:tag name="3439252E2D02" val="H08aWFt3alE4THhaV35CRmNwTlxETzlXYwMJTUpaXEpZa2ZRO0x4XVN1Qkd9Z1oYRldmQncDCkdcWxE="/>
 </p:tagLst>
 </file>
 
 <file path=ppt/tags/tag225.xml><?xml version="1.0" encoding="utf-8"?>
 <p:tagLst xmlns:a="http://schemas.openxmlformats.org/drawingml/2006/main" xmlns:r="http://schemas.openxmlformats.org/officeDocument/2006/relationships" xmlns:p="http://schemas.openxmlformats.org/presentationml/2006/main">
-  <p:tag name="303F2D392A0E08340F21062D" val="H08PFQUiZEluTG5KEGVWQmlpSEBUXGBNah4bGEZXX0JPf3VHelp2W0hlG1FrcUBESl15VzEQA0VUQ11CV3dwQXQT"/>
+  <p:tag name="212C2B362418052A0D20" val="H08aWFt3alE4THhZUWlbRn1nWhxGV2JHbBwJRFRcQFpDMGRJeFlsXlZzVUV9Z1oYRldgRCQ="/>
 </p:tagLst>
 </file>
 
 <file path=ppt/tags/tag226.xml><?xml version="1.0" encoding="utf-8"?>
 <p:tagLst xmlns:a="http://schemas.openxmlformats.org/drawingml/2006/main" xmlns:r="http://schemas.openxmlformats.org/officeDocument/2006/relationships" xmlns:p="http://schemas.openxmlformats.org/presentationml/2006/main">
-  <p:tag name="343E3938350E123F09" val="H08aWFt3alE4THhaXHJCQ2F3SlxETzlXYwMJTUpaXEpZa2ZRO0x4XVN1QkBkcU9cRE89V2MAAFpVVFpCVDo="/>
+  <p:tag name="212C2B362418113B053A07" val="H08aWFt3alE4THhZUWlbS2FwSVxETzlXYwULQUpcX05Xa2ZRO0x4XFNpX0BicFRQRgV3T2wDF0RWXlpIHA=="/>
 </p:tagLst>
 </file>
 
 <file path=ppt/tags/tag227.xml><?xml version="1.0" encoding="utf-8"?>
 <p:tagLst xmlns:a="http://schemas.openxmlformats.org/drawingml/2006/main" xmlns:r="http://schemas.openxmlformats.org/officeDocument/2006/relationships" xmlns:p="http://schemas.openxmlformats.org/presentationml/2006/main">
-  <p:tag name="34292D2E24130F3E09" val="H08aWFt3alE4THhbVnZCRGJ1S1xETzlXYwMJTUpaXEpZa2ZRO0x4WVF2Qkpja1hSDE9vQW0cDERXVFgH"/>
+  <p:tag name="303F2D392A0E08340F21062D" val="H08PFQUiZEluTG5KEGVWQmlpSEBUXGBNah4bGEZXX0JPf3VHelp2W0hlG1FrcUBESl15VzEQA0VUQ11CV3dwQXQT"/>
 </p:tagLst>
 </file>
 
 <file path=ppt/tags/tag228.xml><?xml version="1.0" encoding="utf-8"?>
 <p:tagLst xmlns:a="http://schemas.openxmlformats.org/drawingml/2006/main" xmlns:r="http://schemas.openxmlformats.org/officeDocument/2006/relationships" xmlns:p="http://schemas.openxmlformats.org/presentationml/2006/main">
-  <p:tag name="343E253D2F17092018" val="H08aWFt3alE4THhbVWldS2B2VFBGAXdPaAIAWlNdXEJNZ2QEblR3W0pzVUVhcVRQRgV3T2sFF0ZWVV9PHA=="/>
+  <p:tag name="343E3938350E123F09" val="H08aWFt3alE4THhaXHJCQ2F3SlxETzlXYwMJTUpaXEpZa2ZRO0x4XVN1QkBkcU9cRE89V2MAAFpVVFpCVDo="/>
 </p:tagLst>
 </file>
 
 <file path=ppt/tags/tag229.xml><?xml version="1.0" encoding="utf-8"?>
 <p:tagLst xmlns:a="http://schemas.openxmlformats.org/drawingml/2006/main" xmlns:r="http://schemas.openxmlformats.org/officeDocument/2006/relationships" xmlns:p="http://schemas.openxmlformats.org/presentationml/2006/main">
-  <p:tag name="342F3F2E200A1620" val="H08YWFt/d11/W3ZbV2tOH3N9SUBdQ2JFaQUAWEYaTkBRaXZDeV9zUFV2QFE5ZUJBU0NiRW8AAExcEA=="/>
+  <p:tag name="34292D2E24130F3E09" val="H08aWFt3alE4THhbVnZCRGJ1S1xETzlXYwMJTUpaXEpZa2ZRO0x4WVF2Qkpja1hSDE9vQW0cDERXVFgH"/>
 </p:tagLst>
 </file>
 
@@ -44118,61 +44255,61 @@
 
 <file path=ppt/tags/tag230.xml><?xml version="1.0" encoding="utf-8"?>
 <p:tagLst xmlns:a="http://schemas.openxmlformats.org/drawingml/2006/main" xmlns:r="http://schemas.openxmlformats.org/officeDocument/2006/relationships" xmlns:p="http://schemas.openxmlformats.org/presentationml/2006/main">
-  <p:tag name="28222B35" val="H08iGwwiZEluLA4nIwhOX3MkFQBGV3dXdRBfVl5PTlZDM2RJeFhzRlF1QFE9ZUJBVFR7QmkCDk1ITxtYW3V2QGJbcV9Sc19fcy9aSldZe0BvAABNVlwR"/>
+  <p:tag name="343E253D2F17092018" val="H08aWFt3alE4THhbVWldS2B2VFBGAXdPaAIAWlNdXEJNZ2QEblR3W0pzVUVhcVRQRgV3T2sFF0ZWVV9PHA=="/>
 </p:tagLst>
 </file>
 
 <file path=ppt/tags/tag231.xml><?xml version="1.0" encoding="utf-8"?>
 <p:tagLst xmlns:a="http://schemas.openxmlformats.org/drawingml/2006/main" xmlns:r="http://schemas.openxmlformats.org/officeDocument/2006/relationships" xmlns:p="http://schemas.openxmlformats.org/presentationml/2006/main">
-  <p:tag name="26223E3E2415" val="H08aWFt3alNuGmBSVGtMUT1lQkBITXcCewgBQFVDVE1UdmpTbgZgUlF+WV1jckhBGQ=="/>
+  <p:tag name="342F3F2E200A1620" val="H08YWFt/d11/W3ZbV2tOH3N9SUBdQ2JFaQUAWEYaTkBRaXZDeV9zUFV2QFE5ZUJBU0NiRW8AAExcEA=="/>
 </p:tagLst>
 </file>
 
 <file path=ppt/tags/tag232.xml><?xml version="1.0" encoding="utf-8"?>
 <p:tagLst xmlns:a="http://schemas.openxmlformats.org/drawingml/2006/main" xmlns:r="http://schemas.openxmlformats.org/officeDocument/2006/relationships" xmlns:p="http://schemas.openxmlformats.org/presentationml/2006/main">
-  <p:tag name="37282F2E2808083B092F062D36" val="H08aWFt3alE4THhaVnFCQ2lrWFIIT29EaQsXQ1RdVFZBZTFRdlt1Wkp0WUVma1hSDE9vRm4cCEdXVVoH"/>
+  <p:tag name="28222B35" val="H08iGwwiZEluLA4nIwhOX3MkFQBGV3dXdRBfVl5PTlZDM2RJeFhzRlF1QFE9ZUJBVFR7QmkCDk1ITxtYW3V2QGJbcV9Sc19fcy9aSldZe0BvAABNVlwR"/>
 </p:tagLst>
 </file>
 
 <file path=ppt/tags/tag233.xml><?xml version="1.0" encoding="utf-8"?>
 <p:tagLst xmlns:a="http://schemas.openxmlformats.org/drawingml/2006/main" xmlns:r="http://schemas.openxmlformats.org/officeDocument/2006/relationships" xmlns:p="http://schemas.openxmlformats.org/presentationml/2006/main">
-  <p:tag name="37282F2E280808300320162D2A13" val="H08aWFt3alE4THhaXHdCS31nWhxGV2RFYBwORFRVQFpDMGRJeVlwRlBrTFE5ZUJCUENnRm0GCAk="/>
+  <p:tag name="26223E3E2415" val="H08aWFt3alNuGmBSVGtMUT1lQkBITXcCewgBQFVDVE1UdmpTbgZgUlF+WV1jckhBGQ=="/>
 </p:tagLst>
 </file>
 
 <file path=ppt/tags/tag234.xml><?xml version="1.0" encoding="utf-8"?>
 <p:tagLst xmlns:a="http://schemas.openxmlformats.org/drawingml/2006/main" xmlns:r="http://schemas.openxmlformats.org/officeDocument/2006/relationships" xmlns:p="http://schemas.openxmlformats.org/presentationml/2006/main">
-  <p:tag name="26223E3E2415" val="H08aWFt3alNuGmBSVGtMUT1lQkBITXcCewgBQFVDVE1UdmpTbgZgUlF+WV1jckhBGQ=="/>
+  <p:tag name="37282F2E2808083B092F062D36" val="H08aWFt3alE4THhaVnFCQ2lrWFIIT29EaQsXQ1RdVFZBZTFRdlt1Wkp0WUVma1hSDE9vRm4cCEdXVVoH"/>
 </p:tagLst>
 </file>
 
 <file path=ppt/tags/tag235.xml><?xml version="1.0" encoding="utf-8"?>
 <p:tagLst xmlns:a="http://schemas.openxmlformats.org/drawingml/2006/main" xmlns:r="http://schemas.openxmlformats.org/officeDocument/2006/relationships" xmlns:p="http://schemas.openxmlformats.org/presentationml/2006/main">
-  <p:tag name="37282F2E2808083B092F062D36" val="H08aWFt3alE4THhaVnFCQ2lrWFIIT29EaQsXQ1RdVFZBZTFRdlt1Wkp0WUVma1hSDE9vRm4cCEdXVVoH"/>
+  <p:tag name="37282F2E280808300320162D2A13" val="H08aWFt3alE4THhaXHdCS31nWhxGV2RFYBwORFRVQFpDMGRJeVlwRlBrTFE5ZUJCUENnRm0GCAk="/>
 </p:tagLst>
 </file>
 
 <file path=ppt/tags/tag236.xml><?xml version="1.0" encoding="utf-8"?>
 <p:tagLst xmlns:a="http://schemas.openxmlformats.org/drawingml/2006/main" xmlns:r="http://schemas.openxmlformats.org/officeDocument/2006/relationships" xmlns:p="http://schemas.openxmlformats.org/presentationml/2006/main">
-  <p:tag name="37282F2E280808300320162D2A13" val="H08aWFt3alE4THhaXHdCS31nWhxGV2RFYBwORFRVQFpDMGRJeVlwRlBrTFE5ZUJCUENnRm0GCAk="/>
+  <p:tag name="26223E3E2415" val="H08aWFt3alNuGmBSVGtMUT1lQkBITXcCewgBQFVDVE1UdmpTbgZgUlF+WV1jckhBGQ=="/>
 </p:tagLst>
 </file>
 
 <file path=ppt/tags/tag237.xml><?xml version="1.0" encoding="utf-8"?>
 <p:tagLst xmlns:a="http://schemas.openxmlformats.org/drawingml/2006/main" xmlns:r="http://schemas.openxmlformats.org/officeDocument/2006/relationships" xmlns:p="http://schemas.openxmlformats.org/presentationml/2006/main">
-  <p:tag name="30222F382E031F" val="H08aWFt3alE4THhZVHRCR2dzTlxETzlXYwcNWlVZXU1Sa2ZRO0x4XlxzQFNzL1pKV1RjCA=="/>
+  <p:tag name="37282F2E2808083B092F062D36" val="H08aWFt3alE4THhaVnFCQ2lrWFIIT29EaQsXQ1RdVFZBZTFRdlt1Wkp0WUVma1hSDE9vRm4cCEdXVVoH"/>
 </p:tagLst>
 </file>
 
 <file path=ppt/tags/tag238.xml><?xml version="1.0" encoding="utf-8"?>
 <p:tagLst xmlns:a="http://schemas.openxmlformats.org/drawingml/2006/main" xmlns:r="http://schemas.openxmlformats.org/officeDocument/2006/relationships" xmlns:p="http://schemas.openxmlformats.org/presentationml/2006/main">
-  <p:tag name="3024383624" val="H08aWFt3alE4THhcVWlaRWh1QVxETzlXYwcNWlVZXU1Sa2ZRO0x4XlxzQFNzL1pKUFx7TGwADkEZ"/>
+  <p:tag name="37282F2E280808300320162D2A13" val="H08aWFt3alE4THhaXHdCS31nWhxGV2RFYBwORFRVQFpDMGRJeVlwRlBrTFE5ZUJCUENnRm0GCAk="/>
 </p:tagLst>
 </file>
 
 <file path=ppt/tags/tag239.xml><?xml version="1.0" encoding="utf-8"?>
 <p:tagLst xmlns:a="http://schemas.openxmlformats.org/drawingml/2006/main" xmlns:r="http://schemas.openxmlformats.org/officeDocument/2006/relationships" xmlns:p="http://schemas.openxmlformats.org/presentationml/2006/main">
-  <p:tag name="3024383624" val="H08aWFt3alE4THhcVWlaRWh1QVxETzlXYwcNWlVZXU1Sa2ZRO0x4XlxzQFNzL1pKUFx7TGwADkEZ"/>
+  <p:tag name="30222F382E031F" val="H08aWFt3alE4THhZVHRCR2dzTlxETzlXYwcNWlVZXU1Sa2ZRO0x4XlxzQFNzL1pKV1RjCA=="/>
 </p:tagLst>
 </file>
 
@@ -44184,61 +44321,61 @@
 
 <file path=ppt/tags/tag240.xml><?xml version="1.0" encoding="utf-8"?>
 <p:tagLst xmlns:a="http://schemas.openxmlformats.org/drawingml/2006/main" xmlns:r="http://schemas.openxmlformats.org/officeDocument/2006/relationships" xmlns:p="http://schemas.openxmlformats.org/presentationml/2006/main">
-  <p:tag name="2222232E2F081236" val="H08aWFt3alE4THhdVH5CSmR1QFxETzlXYwcNWlVZXU1Sa2ZRO0x4XlxzQFNzL1pKUFx7Q28LC00Z"/>
+  <p:tag name="3024383624" val="H08aWFt3alE4THhcVWlaRWh1QVxETzlXYwcNWlVZXU1Sa2ZRO0x4XlxzQFNzL1pKUFx7TGwADkEZ"/>
 </p:tagLst>
 </file>
 
 <file path=ppt/tags/tag241.xml><?xml version="1.0" encoding="utf-8"?>
 <p:tagLst xmlns:a="http://schemas.openxmlformats.org/drawingml/2006/main" xmlns:r="http://schemas.openxmlformats.org/officeDocument/2006/relationships" xmlns:p="http://schemas.openxmlformats.org/presentationml/2006/main">
-  <p:tag name="2722222E2409122C0E210631" val="H08aWFt3alE4THhZV3ZCS2B2VFBGAXdPbAYXRVBcW0lNZ2QEblR0UFBrTFE5ZUJDXVso"/>
+  <p:tag name="3024383624" val="H08aWFt3alE4THhcVWlaRWh1QVxETzlXYwcNWlVZXU1Sa2ZRO0x4XlxzQFNzL1pKUFx7TGwADkEZ"/>
 </p:tagLst>
 </file>
 
 <file path=ppt/tags/tag242.xml><?xml version="1.0" encoding="utf-8"?>
 <p:tagLst xmlns:a="http://schemas.openxmlformats.org/drawingml/2006/main" xmlns:r="http://schemas.openxmlformats.org/officeDocument/2006/relationships" xmlns:p="http://schemas.openxmlformats.org/presentationml/2006/main">
-  <p:tag name="342C2B3F2F120B31093C" val="H08aWFt3alEkDywMCCIeUWtlWlxGGXdPbAQMWlFcXUJNZ2QfblR3XEp2WEJmdFRQRhp3T2oGAVpUVFhPTWdkG25Ue0ZSdFtEaHIF"/>
+  <p:tag name="2222232E2F081236" val="H08aWFt3alE4THhdVH5CSmR1QFxETzlXYwcNWlVZXU1Sa2ZRO0x4XlxzQFNzL1pKUFx7Q28LC00Z"/>
 </p:tagLst>
 </file>
 
 <file path=ppt/tags/tag243.xml><?xml version="1.0" encoding="utf-8"?>
 <p:tagLst xmlns:a="http://schemas.openxmlformats.org/drawingml/2006/main" xmlns:r="http://schemas.openxmlformats.org/officeDocument/2006/relationships" xmlns:p="http://schemas.openxmlformats.org/presentationml/2006/main">
-  <p:tag name="37382E2E28130A36" val="H08aWFt3alE4THhZVHVCQGJ3T1xETzlXYwcNWlVZXU1Sa2ZRO0x4XlxzQFNzL1pKV117RW0FC0EZ"/>
+  <p:tag name="2722222E2409122C0E210631" val="H08aWFt3alE4THhZV3ZCS2B2VFBGAXdPbAYXRVBcW0lNZ2QEblR0UFBrTFE5ZUJDXVso"/>
 </p:tagLst>
 </file>
 
 <file path=ppt/tags/tag244.xml><?xml version="1.0" encoding="utf-8"?>
 <p:tagLst xmlns:a="http://schemas.openxmlformats.org/drawingml/2006/main" xmlns:r="http://schemas.openxmlformats.org/officeDocument/2006/relationships" xmlns:p="http://schemas.openxmlformats.org/presentationml/2006/main">
-  <p:tag name="3024383624" val="H08aWFt3alE4THhcVWlaRWh1QVxETzlXYwcNWlVZXU1Sa2ZRO0x4XlxzQFNzL1pKUFx7TGwADkEZ"/>
+  <p:tag name="342C2B3F2F120B31093C" val="H08aWFt3alEkDywMCCIeUWtlWlxGGXdPbAQMWlFcXUJNZ2QfblR3XEp2WEJmdFRQRhp3T2oGAVpUVFhPTWdkG25Ue0ZSdFtEaHIF"/>
 </p:tagLst>
 </file>
 
 <file path=ppt/tags/tag245.xml><?xml version="1.0" encoding="utf-8"?>
 <p:tagLst xmlns:a="http://schemas.openxmlformats.org/drawingml/2006/main" xmlns:r="http://schemas.openxmlformats.org/officeDocument/2006/relationships" xmlns:p="http://schemas.openxmlformats.org/presentationml/2006/main">
-  <p:tag name="37382E2E28130A36" val="H08aWFt3alE4THhZVHVCQGJ3T1xETzlXYwcNWlVZXU1Sa2ZRO0x4XlxzQFNzL1pKVlR7RGAEAUEZ"/>
+  <p:tag name="37382E2E28130A36" val="H08aWFt3alE4THhZVHVCQGJ3T1xETzlXYwcNWlVZXU1Sa2ZRO0x4XlxzQFNzL1pKV117RW0FC0EZ"/>
 </p:tagLst>
 </file>
 
 <file path=ppt/tags/tag246.xml><?xml version="1.0" encoding="utf-8"?>
 <p:tagLst xmlns:a="http://schemas.openxmlformats.org/drawingml/2006/main" xmlns:r="http://schemas.openxmlformats.org/officeDocument/2006/relationships" xmlns:p="http://schemas.openxmlformats.org/presentationml/2006/main">
-  <p:tag name="2722222E2409122C0E210631" val="H08aWFt3alE4THhZV3ZCS2B2VFBGAXdPbAYXRVBcW0lNZ2QEblR0UFBrTFE5ZUJDXVso"/>
+  <p:tag name="3024383624" val="H08aWFt3alE4THhcVWlaRWh1QVxETzlXYwcNWlVZXU1Sa2ZRO0x4XlxzQFNzL1pKUFx7TGwADkEZ"/>
 </p:tagLst>
 </file>
 
 <file path=ppt/tags/tag247.xml><?xml version="1.0" encoding="utf-8"?>
 <p:tagLst xmlns:a="http://schemas.openxmlformats.org/drawingml/2006/main" xmlns:r="http://schemas.openxmlformats.org/officeDocument/2006/relationships" xmlns:p="http://schemas.openxmlformats.org/presentationml/2006/main">
-  <p:tag name="2222232E2F081236" val="H08aWFt3alE4THhdV3VCSmB0TFxETzlXYwcNWlVZXU1Sa2ZRO0x4XlxzQFNzL1pKVl97R2xP"/>
+  <p:tag name="37382E2E28130A36" val="H08aWFt3alE4THhZVHVCQGJ3T1xETzlXYwcNWlVZXU1Sa2ZRO0x4XlxzQFNzL1pKVlR7RGAEAUEZ"/>
 </p:tagLst>
 </file>
 
 <file path=ppt/tags/tag248.xml><?xml version="1.0" encoding="utf-8"?>
 <p:tagLst xmlns:a="http://schemas.openxmlformats.org/drawingml/2006/main" xmlns:r="http://schemas.openxmlformats.org/officeDocument/2006/relationships" xmlns:p="http://schemas.openxmlformats.org/presentationml/2006/main">
-  <p:tag name="342C2B3F2F120B31093C" val="H08aWFt3alEkDywMCCIeUWtlWlxGGXdPbAQMWlFcXUJNZ2QfblR3XEp2WEJmdFRQRhp3T2oGAVpUVFhPTWdkG25Ue0ZSdFtEaHIF"/>
+  <p:tag name="2722222E2409122C0E210631" val="H08aWFt3alE4THhZV3ZCS2B2VFBGAXdPbAYXRVBcW0lNZ2QEblR0UFBrTFE5ZUJDXVso"/>
 </p:tagLst>
 </file>
 
 <file path=ppt/tags/tag249.xml><?xml version="1.0" encoding="utf-8"?>
 <p:tagLst xmlns:a="http://schemas.openxmlformats.org/drawingml/2006/main" xmlns:r="http://schemas.openxmlformats.org/officeDocument/2006/relationships" xmlns:p="http://schemas.openxmlformats.org/presentationml/2006/main">
-  <p:tag name="20243F392D060F3E093C1D2A2B0335" val="H08aWFt3alE4THhZVHRCR2dzTlxETzlXYwcNWlVZXU1Sa2ZRO0x4XlxzQFNzL1pKUFhkW2wBDEAZ"/>
+  <p:tag name="2222232E2F081236" val="H08aWFt3alE4THhdV3VCSmB0TFxETzlXYwcNWlVZXU1Sa2ZRO0x4XlxzQFNzL1pKVl97R2xP"/>
 </p:tagLst>
 </file>
 
@@ -44256,7 +44393,7 @@
 
 <file path=ppt/tags/tag251.xml><?xml version="1.0" encoding="utf-8"?>
 <p:tagLst xmlns:a="http://schemas.openxmlformats.org/drawingml/2006/main" xmlns:r="http://schemas.openxmlformats.org/officeDocument/2006/relationships" xmlns:p="http://schemas.openxmlformats.org/presentationml/2006/main">
-  <p:tag name="3024383624" val="H08aWFt3alEkDywMCCIeUWtlWlxGGXdPbQMXQlJUXkNNZ2QfblRxUEpxVEtncVRQRhp3T24DDVpXVVtPTWdkG25UcVhKcV1HYHAF"/>
+  <p:tag name="20243F392D060F3E093C1D2A2B0335" val="H08aWFt3alE4THhZVHRCR2dzTlxETzlXYwcNWlVZXU1Sa2ZRO0x4XlxzQFNzL1pKUFhkW2wBDEAZ"/>
 </p:tagLst>
 </file>
 
@@ -44267,6 +44404,18 @@
 </file>
 
 <file path=ppt/tags/tag253.xml><?xml version="1.0" encoding="utf-8"?>
+<p:tagLst xmlns:a="http://schemas.openxmlformats.org/drawingml/2006/main" xmlns:r="http://schemas.openxmlformats.org/officeDocument/2006/relationships" xmlns:p="http://schemas.openxmlformats.org/presentationml/2006/main">
+  <p:tag name="3024383624" val="H08aWFt3alEkDywMCCIeUWtlWlxGGXdPbQMXQlJUXkNNZ2QfblRxUEpxVEtncVRQRhp3T24DDVpXVVtPTWdkG25UcVhKcV1HYHAF"/>
+</p:tagLst>
+</file>
+
+<file path=ppt/tags/tag254.xml><?xml version="1.0" encoding="utf-8"?>
+<p:tagLst xmlns:a="http://schemas.openxmlformats.org/drawingml/2006/main" xmlns:r="http://schemas.openxmlformats.org/officeDocument/2006/relationships" xmlns:p="http://schemas.openxmlformats.org/presentationml/2006/main">
+  <p:tag name="342C2B3F2F120B31093C" val="H08aWFt3alEkDywMCCIeUWtlWlxGGXdPbAQMWlFcXUJNZ2QfblR3XEp2WEJmdFRQRhp3T2oGAVpUVFhPTWdkG25Ue0ZSdFtEaHIF"/>
+</p:tagLst>
+</file>
+
+<file path=ppt/tags/tag255.xml><?xml version="1.0" encoding="utf-8"?>
 <p:tagLst xmlns:a="http://schemas.openxmlformats.org/drawingml/2006/main" xmlns:r="http://schemas.openxmlformats.org/officeDocument/2006/relationships" xmlns:p="http://schemas.openxmlformats.org/presentationml/2006/main">
   <p:tag name="20243F392D060F3E093C1D2A2B0335" val="H08aWFt3alE4THhZVHRCR2dzTlxETzlXYwcNWlVZXU1Sa2ZRO0x4XlxzQFNzL1pKUFhkW2wBDEAZ"/>
 </p:tagLst>
@@ -46215,6 +46364,15 @@
 </file>
 
 <file path=customXml/item1.xml><?xml version="1.0" encoding="utf-8"?>
+<?mso-contentType ?>
+<FormTemplates xmlns="http://schemas.microsoft.com/sharepoint/v3/contenttype/forms">
+  <Display>DocumentLibraryForm</Display>
+  <Edit>DocumentLibraryForm</Edit>
+  <New>DocumentLibraryForm</New>
+</FormTemplates>
+</file>
+
+<file path=customXml/item2.xml><?xml version="1.0" encoding="utf-8"?>
 <p:properties xmlns:p="http://schemas.microsoft.com/office/2006/metadata/properties" xmlns:xsi="http://www.w3.org/2001/XMLSchema-instance" xmlns:pc="http://schemas.microsoft.com/office/infopath/2007/PartnerControls">
   <documentManagement>
     <Layouts xmlns="f20084d7-61e8-404e-beff-acc10ebb1c4c">C7,C5,C6,A2,T1,S1,S2,S3,S6,S7,C4,A3,S8,C8,C9,C10,C11,S9,S10,S11,S12</Layouts>
@@ -46230,15 +46388,6 @@
     </lcf76f155ced4ddcb4097134ff3c332f>
   </documentManagement>
 </p:properties>
-</file>
-
-<file path=customXml/item2.xml><?xml version="1.0" encoding="utf-8"?>
-<?mso-contentType ?>
-<FormTemplates xmlns="http://schemas.microsoft.com/sharepoint/v3/contenttype/forms">
-  <Display>DocumentLibraryForm</Display>
-  <Edit>DocumentLibraryForm</Edit>
-  <New>DocumentLibraryForm</New>
-</FormTemplates>
 </file>
 
 <file path=customXml/item3.xml><?xml version="1.0" encoding="utf-8"?>
@@ -46560,6 +46709,14 @@
 </file>
 
 <file path=customXml/itemProps1.xml><?xml version="1.0" encoding="utf-8"?>
+<ds:datastoreItem xmlns:ds="http://schemas.openxmlformats.org/officeDocument/2006/customXml" ds:itemID="{5ECEEBF4-7E4F-423B-B7A7-297EF53B6B4D}">
+  <ds:schemaRefs>
+    <ds:schemaRef ds:uri="http://schemas.microsoft.com/sharepoint/v3/contenttype/forms"/>
+  </ds:schemaRefs>
+</ds:datastoreItem>
+</file>
+
+<file path=customXml/itemProps2.xml><?xml version="1.0" encoding="utf-8"?>
 <ds:datastoreItem xmlns:ds="http://schemas.openxmlformats.org/officeDocument/2006/customXml" ds:itemID="{7DE6A9EC-70B2-4C9A-B73E-1A7E61FE92A5}">
   <ds:schemaRefs>
     <ds:schemaRef ds:uri="http://schemas.microsoft.com/office/infopath/2007/PartnerControls"/>
@@ -46573,14 +46730,6 @@
     <ds:schemaRef ds:uri="http://schemas.microsoft.com/office/2006/documentManagement/types"/>
     <ds:schemaRef ds:uri="http://schemas.openxmlformats.org/package/2006/metadata/core-properties"/>
     <ds:schemaRef ds:uri="http://purl.org/dc/elements/1.1/"/>
-  </ds:schemaRefs>
-</ds:datastoreItem>
-</file>
-
-<file path=customXml/itemProps2.xml><?xml version="1.0" encoding="utf-8"?>
-<ds:datastoreItem xmlns:ds="http://schemas.openxmlformats.org/officeDocument/2006/customXml" ds:itemID="{5ECEEBF4-7E4F-423B-B7A7-297EF53B6B4D}">
-  <ds:schemaRefs>
-    <ds:schemaRef ds:uri="http://schemas.microsoft.com/sharepoint/v3/contenttype/forms"/>
   </ds:schemaRefs>
 </ds:datastoreItem>
 </file>
